--- a/SE401/Lectures/8-Integration, System and Regression Testing/System Testing.pptx
+++ b/SE401/Lectures/8-Integration, System and Regression Testing/System Testing.pptx
@@ -266,7 +266,7 @@
           <a:p>
             <a:fld id="{F3B0ED5F-57F7-41A3-9ACC-D2FCCFA7696D}" type="datetimeFigureOut">
               <a:rPr lang="en-US" smtClean="0"/>
-              <a:t>11/28/2021</a:t>
+              <a:t>4/18/2022</a:t>
             </a:fld>
             <a:endParaRPr lang="en-US"/>
           </a:p>
@@ -2139,7 +2139,7 @@
           </a:ln>
           <a:extLst>
             <a:ext uri="{909E8E84-426E-40dd-AFC4-6F175D3DCCD1}">
-              <a14:hiddenFill xmlns="" xmlns:a14="http://schemas.microsoft.com/office/drawing/2010/main">
+              <a14:hiddenFill xmlns:a14="http://schemas.microsoft.com/office/drawing/2010/main" xmlns="">
                 <a:solidFill>
                   <a:srgbClr val="FFFFFF"/>
                 </a:solidFill>
@@ -2555,14 +2555,14 @@
           </a:ln>
           <a:extLst>
             <a:ext uri="{909E8E84-426E-40dd-AFC4-6F175D3DCCD1}">
-              <a14:hiddenFill xmlns="" xmlns:a14="http://schemas.microsoft.com/office/drawing/2010/main">
+              <a14:hiddenFill xmlns:a14="http://schemas.microsoft.com/office/drawing/2010/main" xmlns="">
                 <a:solidFill>
                   <a:srgbClr val="FFFFFF"/>
                 </a:solidFill>
               </a14:hiddenFill>
             </a:ext>
             <a:ext uri="{91240B29-F687-4f45-9708-019B960494DF}">
-              <a14:hiddenLine xmlns="" xmlns:a14="http://schemas.microsoft.com/office/drawing/2010/main" w="9525">
+              <a14:hiddenLine xmlns:a14="http://schemas.microsoft.com/office/drawing/2010/main" xmlns="" w="9525">
                 <a:solidFill>
                   <a:srgbClr val="000000"/>
                 </a:solidFill>
@@ -2738,14 +2738,14 @@
           </a:ln>
           <a:extLst>
             <a:ext uri="{909E8E84-426E-40dd-AFC4-6F175D3DCCD1}">
-              <a14:hiddenFill xmlns="" xmlns:a14="http://schemas.microsoft.com/office/drawing/2010/main">
+              <a14:hiddenFill xmlns:a14="http://schemas.microsoft.com/office/drawing/2010/main" xmlns="">
                 <a:solidFill>
                   <a:srgbClr val="FFFFFF"/>
                 </a:solidFill>
               </a14:hiddenFill>
             </a:ext>
             <a:ext uri="{FAA26D3D-D897-4be2-8F04-BA451C77F1D7}">
-              <ma14:placeholderFlag xmlns="" xmlns:ma14="http://schemas.microsoft.com/office/mac/drawingml/2011/main" val="1"/>
+              <ma14:placeholderFlag xmlns:ma14="http://schemas.microsoft.com/office/mac/drawingml/2011/main" xmlns="" val="1"/>
             </a:ext>
           </a:extLst>
         </p:spPr>
@@ -3113,7 +3113,7 @@
           </a:ln>
           <a:extLst>
             <a:ext uri="{909E8E84-426E-40dd-AFC4-6F175D3DCCD1}">
-              <a14:hiddenFill xmlns="" xmlns:a14="http://schemas.microsoft.com/office/drawing/2010/main">
+              <a14:hiddenFill xmlns:a14="http://schemas.microsoft.com/office/drawing/2010/main" xmlns="">
                 <a:solidFill>
                   <a:srgbClr val="FFFFFF"/>
                 </a:solidFill>
@@ -3407,7 +3407,7 @@
           </a:ln>
           <a:extLst>
             <a:ext uri="{AF507438-7753-43e0-B8FC-AC1667EBCBE1}">
-              <a14:hiddenEffects xmlns="" xmlns:a14="http://schemas.microsoft.com/office/drawing/2010/main">
+              <a14:hiddenEffects xmlns:a14="http://schemas.microsoft.com/office/drawing/2010/main" xmlns="">
                 <a:effectLst>
                   <a:outerShdw blurRad="63500" dist="38099" dir="2700000" algn="ctr" rotWithShape="0">
                     <a:srgbClr val="000000">
@@ -3442,14 +3442,14 @@
           <a:ln/>
           <a:extLst>
             <a:ext uri="{909E8E84-426E-40dd-AFC4-6F175D3DCCD1}">
-              <a14:hiddenFill xmlns="" xmlns:a14="http://schemas.microsoft.com/office/drawing/2010/main">
+              <a14:hiddenFill xmlns:a14="http://schemas.microsoft.com/office/drawing/2010/main" xmlns="">
                 <a:solidFill>
                   <a:srgbClr val="FFFFFF"/>
                 </a:solidFill>
               </a14:hiddenFill>
             </a:ext>
             <a:ext uri="{91240B29-F687-4f45-9708-019B960494DF}">
-              <a14:hiddenLine xmlns="" xmlns:a14="http://schemas.microsoft.com/office/drawing/2010/main" w="9525">
+              <a14:hiddenLine xmlns:a14="http://schemas.microsoft.com/office/drawing/2010/main" xmlns="" w="9525">
                 <a:solidFill>
                   <a:srgbClr val="000000"/>
                 </a:solidFill>
@@ -3459,7 +3459,7 @@
               </a14:hiddenLine>
             </a:ext>
             <a:ext uri="{AF507438-7753-43e0-B8FC-AC1667EBCBE1}">
-              <a14:hiddenEffects xmlns="" xmlns:a14="http://schemas.microsoft.com/office/drawing/2010/main">
+              <a14:hiddenEffects xmlns:a14="http://schemas.microsoft.com/office/drawing/2010/main" xmlns="">
                 <a:effectLst>
                   <a:outerShdw blurRad="63500" dist="38099" dir="2700000" algn="ctr" rotWithShape="0">
                     <a:srgbClr val="000000">
@@ -4781,14 +4781,14 @@
           </a:ln>
           <a:extLst>
             <a:ext uri="{909E8E84-426E-40dd-AFC4-6F175D3DCCD1}">
-              <a14:hiddenFill xmlns="" xmlns:a14="http://schemas.microsoft.com/office/drawing/2010/main">
+              <a14:hiddenFill xmlns:a14="http://schemas.microsoft.com/office/drawing/2010/main" xmlns="">
                 <a:solidFill>
                   <a:srgbClr val="FFFFFF"/>
                 </a:solidFill>
               </a14:hiddenFill>
             </a:ext>
             <a:ext uri="{91240B29-F687-4f45-9708-019B960494DF}">
-              <a14:hiddenLine xmlns="" xmlns:a14="http://schemas.microsoft.com/office/drawing/2010/main" w="9525">
+              <a14:hiddenLine xmlns:a14="http://schemas.microsoft.com/office/drawing/2010/main" xmlns="" w="9525">
                 <a:solidFill>
                   <a:srgbClr val="000000"/>
                 </a:solidFill>
@@ -4964,14 +4964,14 @@
           </a:ln>
           <a:extLst>
             <a:ext uri="{909E8E84-426E-40dd-AFC4-6F175D3DCCD1}">
-              <a14:hiddenFill xmlns="" xmlns:a14="http://schemas.microsoft.com/office/drawing/2010/main">
+              <a14:hiddenFill xmlns:a14="http://schemas.microsoft.com/office/drawing/2010/main" xmlns="">
                 <a:solidFill>
                   <a:srgbClr val="FFFFFF"/>
                 </a:solidFill>
               </a14:hiddenFill>
             </a:ext>
             <a:ext uri="{FAA26D3D-D897-4be2-8F04-BA451C77F1D7}">
-              <ma14:placeholderFlag xmlns="" xmlns:ma14="http://schemas.microsoft.com/office/mac/drawingml/2011/main" val="1"/>
+              <ma14:placeholderFlag xmlns:ma14="http://schemas.microsoft.com/office/mac/drawingml/2011/main" xmlns="" val="1"/>
             </a:ext>
           </a:extLst>
         </p:spPr>
@@ -6526,7 +6526,7 @@
           <a:p>
             <a:fld id="{3893B2B2-4038-4C27-BE41-FFDF97FE67FC}" type="datetime1">
               <a:rPr lang="en-US" smtClean="0"/>
-              <a:t>11/28/2021</a:t>
+              <a:t>4/18/2022</a:t>
             </a:fld>
             <a:endParaRPr lang="en-US"/>
           </a:p>
@@ -6777,7 +6777,7 @@
           <a:p>
             <a:fld id="{2EDF292E-3C7B-493C-991E-4764593041FC}" type="datetime1">
               <a:rPr lang="en-US" smtClean="0"/>
-              <a:t>11/28/2021</a:t>
+              <a:t>4/18/2022</a:t>
             </a:fld>
             <a:endParaRPr lang="en-US"/>
           </a:p>
@@ -6957,7 +6957,7 @@
           <a:p>
             <a:fld id="{A341C04D-32BA-4347-8086-08E5C96208D0}" type="datetime1">
               <a:rPr lang="en-US" smtClean="0"/>
-              <a:t>11/28/2021</a:t>
+              <a:t>4/18/2022</a:t>
             </a:fld>
             <a:endParaRPr lang="en-US"/>
           </a:p>
@@ -7213,7 +7213,7 @@
           <a:p>
             <a:fld id="{B8FFB4ED-58E4-4CD8-9B4A-0077E7AD499F}" type="datetime1">
               <a:rPr lang="en-US" smtClean="0"/>
-              <a:t>11/28/2021</a:t>
+              <a:t>4/18/2022</a:t>
             </a:fld>
             <a:endParaRPr lang="en-US"/>
           </a:p>
@@ -7558,7 +7558,7 @@
           <a:p>
             <a:fld id="{B5285AD8-C0BB-43A5-BAD8-F615BA524505}" type="datetime1">
               <a:rPr lang="en-US" smtClean="0"/>
-              <a:t>11/28/2021</a:t>
+              <a:t>4/18/2022</a:t>
             </a:fld>
             <a:endParaRPr lang="en-US"/>
           </a:p>
@@ -7790,7 +7790,7 @@
           <a:p>
             <a:fld id="{C8242BE0-A2F3-4D8F-98B8-3926370542E4}" type="datetime1">
               <a:rPr lang="en-US" smtClean="0"/>
-              <a:t>11/28/2021</a:t>
+              <a:t>4/18/2022</a:t>
             </a:fld>
             <a:endParaRPr lang="en-US"/>
           </a:p>
@@ -8157,7 +8157,7 @@
           <a:p>
             <a:fld id="{C22EE46A-9004-4F68-B3E2-F78F67F33509}" type="datetime1">
               <a:rPr lang="en-US" smtClean="0"/>
-              <a:t>11/28/2021</a:t>
+              <a:t>4/18/2022</a:t>
             </a:fld>
             <a:endParaRPr lang="en-US"/>
           </a:p>
@@ -8252,7 +8252,7 @@
           <a:p>
             <a:fld id="{22A62ABF-3675-4388-AADF-6054960CB9C0}" type="datetime1">
               <a:rPr lang="en-US" smtClean="0"/>
-              <a:t>11/28/2021</a:t>
+              <a:t>4/18/2022</a:t>
             </a:fld>
             <a:endParaRPr lang="en-US"/>
           </a:p>
@@ -8475,7 +8475,7 @@
             <a:fld id="{B2F5E2FA-C428-4CE7-95B0-168D3259A5BB}" type="datetimeFigureOut">
               <a:rPr lang="en-US" smtClean="0"/>
               <a:pPr/>
-              <a:t>11/28/2021</a:t>
+              <a:t>4/18/2022</a:t>
             </a:fld>
             <a:endParaRPr lang="en-US"/>
           </a:p>
@@ -8646,7 +8646,7 @@
           <a:p>
             <a:fld id="{4BDD0A2E-A557-4EE7-9BF2-43C017C04ED5}" type="datetime1">
               <a:rPr lang="en-US" smtClean="0"/>
-              <a:t>11/28/2021</a:t>
+              <a:t>4/18/2022</a:t>
             </a:fld>
             <a:endParaRPr lang="en-US"/>
           </a:p>
@@ -8923,7 +8923,7 @@
           <a:p>
             <a:fld id="{FF90B3B6-75C1-43BC-B878-000D55F17770}" type="datetime1">
               <a:rPr lang="en-US" smtClean="0"/>
-              <a:t>11/28/2021</a:t>
+              <a:t>4/18/2022</a:t>
             </a:fld>
             <a:endParaRPr lang="en-US"/>
           </a:p>
@@ -9176,7 +9176,7 @@
           <a:p>
             <a:fld id="{821D8A8D-1A52-45F9-B193-4918DD22A7FD}" type="datetime1">
               <a:rPr lang="en-US" smtClean="0"/>
-              <a:t>11/28/2021</a:t>
+              <a:t>4/18/2022</a:t>
             </a:fld>
             <a:endParaRPr lang="en-US"/>
           </a:p>
@@ -9389,7 +9389,7 @@
           <a:p>
             <a:fld id="{F4F599D2-0BF1-4196-9BBF-D566F2610F29}" type="datetime1">
               <a:rPr lang="en-US" smtClean="0"/>
-              <a:t>11/28/2021</a:t>
+              <a:t>4/18/2022</a:t>
             </a:fld>
             <a:endParaRPr lang="en-US"/>
           </a:p>
@@ -9836,7 +9836,6 @@
               <a:rPr lang="en-US"/>
               <a:t>SE401: Software Quality Assurance and Testing</a:t>
             </a:r>
-            <a:endParaRPr lang="en-US"/>
           </a:p>
         </p:txBody>
       </p:sp>
@@ -13015,7 +13014,7 @@
           <a:graphicData uri="http://schemas.openxmlformats.org/presentationml/2006/ole">
             <mc:AlternateContent xmlns:mc="http://schemas.openxmlformats.org/markup-compatibility/2006">
               <mc:Choice xmlns:v="urn:schemas-microsoft-com:vml" Requires="v">
-                <p:oleObj spid="_x0000_s1033" name="Visio" r:id="rId3" imgW="2206211" imgH="764469" progId="Visio.Drawing.11">
+                <p:oleObj spid="_x0000_s1034" name="Visio" r:id="rId3" imgW="2206211" imgH="764469" progId="Visio.Drawing.11">
                   <p:embed/>
                 </p:oleObj>
               </mc:Choice>
@@ -15157,8 +15156,13 @@
           <a:p>
             <a:r>
               <a:rPr lang="en-US" sz="2000" dirty="0"/>
-              <a:t>The more explicit the requirements, the easier they are to test. </a:t>
-            </a:r>
+              <a:t>The more explicit the requirements, the easier they are to </a:t>
+            </a:r>
+            <a:r>
+              <a:rPr lang="en-US" sz="2000" dirty="0" smtClean="0"/>
+              <a:t>test</a:t>
+            </a:r>
+            <a:endParaRPr lang="en-US" sz="2000" dirty="0"/>
           </a:p>
           <a:p>
             <a:r>
@@ -17684,14 +17688,14 @@
           </a:ln>
           <a:extLst>
             <a:ext uri="{909E8E84-426E-40dd-AFC4-6F175D3DCCD1}">
-              <a14:hiddenFill xmlns="" xmlns:a14="http://schemas.microsoft.com/office/drawing/2010/main">
+              <a14:hiddenFill xmlns:a14="http://schemas.microsoft.com/office/drawing/2010/main" xmlns="">
                 <a:solidFill>
                   <a:srgbClr val="FFFFFF"/>
                 </a:solidFill>
               </a14:hiddenFill>
             </a:ext>
             <a:ext uri="{91240B29-F687-4f45-9708-019B960494DF}">
-              <a14:hiddenLine xmlns="" xmlns:a14="http://schemas.microsoft.com/office/drawing/2010/main" w="9525">
+              <a14:hiddenLine xmlns:a14="http://schemas.microsoft.com/office/drawing/2010/main" xmlns="" w="9525">
                 <a:solidFill>
                   <a:srgbClr val="000000"/>
                 </a:solidFill>
@@ -21160,14 +21164,14 @@
           </a:ln>
           <a:extLst>
             <a:ext uri="{909E8E84-426E-40dd-AFC4-6F175D3DCCD1}">
-              <a14:hiddenFill xmlns="" xmlns:a14="http://schemas.microsoft.com/office/drawing/2010/main">
+              <a14:hiddenFill xmlns:a14="http://schemas.microsoft.com/office/drawing/2010/main" xmlns="">
                 <a:solidFill>
                   <a:srgbClr val="FFFFFF"/>
                 </a:solidFill>
               </a14:hiddenFill>
             </a:ext>
             <a:ext uri="{91240B29-F687-4f45-9708-019B960494DF}">
-              <a14:hiddenLine xmlns="" xmlns:a14="http://schemas.microsoft.com/office/drawing/2010/main" w="9525">
+              <a14:hiddenLine xmlns:a14="http://schemas.microsoft.com/office/drawing/2010/main" xmlns="" w="9525">
                 <a:solidFill>
                   <a:srgbClr val="000000"/>
                 </a:solidFill>
@@ -21177,7 +21181,7 @@
               </a14:hiddenLine>
             </a:ext>
             <a:ext uri="{FAA26D3D-D897-4be2-8F04-BA451C77F1D7}">
-              <ma14:placeholderFlag xmlns="" xmlns:ma14="http://schemas.microsoft.com/office/mac/drawingml/2011/main" val="1"/>
+              <ma14:placeholderFlag xmlns:ma14="http://schemas.microsoft.com/office/mac/drawingml/2011/main" xmlns="" val="1"/>
             </a:ext>
           </a:extLst>
         </p:spPr>
@@ -21548,14 +21552,14 @@
           </a:ln>
           <a:extLst>
             <a:ext uri="{909E8E84-426E-40dd-AFC4-6F175D3DCCD1}">
-              <a14:hiddenFill xmlns="" xmlns:a14="http://schemas.microsoft.com/office/drawing/2010/main">
+              <a14:hiddenFill xmlns:a14="http://schemas.microsoft.com/office/drawing/2010/main" xmlns="">
                 <a:solidFill>
                   <a:srgbClr val="FFFFFF"/>
                 </a:solidFill>
               </a14:hiddenFill>
             </a:ext>
             <a:ext uri="{91240B29-F687-4f45-9708-019B960494DF}">
-              <a14:hiddenLine xmlns="" xmlns:a14="http://schemas.microsoft.com/office/drawing/2010/main" w="9525">
+              <a14:hiddenLine xmlns:a14="http://schemas.microsoft.com/office/drawing/2010/main" xmlns="" w="9525">
                 <a:solidFill>
                   <a:srgbClr val="000000"/>
                 </a:solidFill>
@@ -21565,7 +21569,7 @@
               </a14:hiddenLine>
             </a:ext>
             <a:ext uri="{FAA26D3D-D897-4be2-8F04-BA451C77F1D7}">
-              <ma14:placeholderFlag xmlns="" xmlns:ma14="http://schemas.microsoft.com/office/mac/drawingml/2011/main" val="1"/>
+              <ma14:placeholderFlag xmlns:ma14="http://schemas.microsoft.com/office/mac/drawingml/2011/main" xmlns="" val="1"/>
             </a:ext>
           </a:extLst>
         </p:spPr>
@@ -21907,14 +21911,14 @@
           <a:effectLst/>
           <a:extLst>
             <a:ext uri="{909E8E84-426E-40dd-AFC4-6F175D3DCCD1}">
-              <a14:hiddenFill xmlns="" xmlns:a14="http://schemas.microsoft.com/office/drawing/2010/main">
+              <a14:hiddenFill xmlns:a14="http://schemas.microsoft.com/office/drawing/2010/main" xmlns="">
                 <a:solidFill>
                   <a:schemeClr val="accent1"/>
                 </a:solidFill>
               </a14:hiddenFill>
             </a:ext>
             <a:ext uri="{91240B29-F687-4f45-9708-019B960494DF}">
-              <a14:hiddenLine xmlns="" xmlns:a14="http://schemas.microsoft.com/office/drawing/2010/main" w="12700">
+              <a14:hiddenLine xmlns:a14="http://schemas.microsoft.com/office/drawing/2010/main" xmlns="" w="12700">
                 <a:solidFill>
                   <a:schemeClr val="tx1"/>
                 </a:solidFill>
@@ -21924,7 +21928,7 @@
               </a14:hiddenLine>
             </a:ext>
             <a:ext uri="{AF507438-7753-43e0-B8FC-AC1667EBCBE1}">
-              <a14:hiddenEffects xmlns="" xmlns:a14="http://schemas.microsoft.com/office/drawing/2010/main">
+              <a14:hiddenEffects xmlns:a14="http://schemas.microsoft.com/office/drawing/2010/main" xmlns="">
                 <a:effectLst>
                   <a:outerShdw dist="35921" dir="2700000" algn="ctr" rotWithShape="0">
                     <a:schemeClr val="bg2"/>
@@ -22071,14 +22075,14 @@
           </a:ln>
           <a:extLst>
             <a:ext uri="{909E8E84-426E-40dd-AFC4-6F175D3DCCD1}">
-              <a14:hiddenFill xmlns="" xmlns:a14="http://schemas.microsoft.com/office/drawing/2010/main">
+              <a14:hiddenFill xmlns:a14="http://schemas.microsoft.com/office/drawing/2010/main" xmlns="">
                 <a:solidFill>
                   <a:srgbClr val="FFFFFF"/>
                 </a:solidFill>
               </a14:hiddenFill>
             </a:ext>
             <a:ext uri="{91240B29-F687-4f45-9708-019B960494DF}">
-              <a14:hiddenLine xmlns="" xmlns:a14="http://schemas.microsoft.com/office/drawing/2010/main" w="9525">
+              <a14:hiddenLine xmlns:a14="http://schemas.microsoft.com/office/drawing/2010/main" xmlns="" w="9525">
                 <a:solidFill>
                   <a:srgbClr val="000000"/>
                 </a:solidFill>
@@ -22088,7 +22092,7 @@
               </a14:hiddenLine>
             </a:ext>
             <a:ext uri="{FAA26D3D-D897-4be2-8F04-BA451C77F1D7}">
-              <ma14:placeholderFlag xmlns="" xmlns:ma14="http://schemas.microsoft.com/office/mac/drawingml/2011/main" val="1"/>
+              <ma14:placeholderFlag xmlns:ma14="http://schemas.microsoft.com/office/mac/drawingml/2011/main" xmlns="" val="1"/>
             </a:ext>
           </a:extLst>
         </p:spPr>
@@ -23110,14 +23114,14 @@
           </a:ln>
           <a:extLst>
             <a:ext uri="{909E8E84-426E-40dd-AFC4-6F175D3DCCD1}">
-              <a14:hiddenFill xmlns="" xmlns:a14="http://schemas.microsoft.com/office/drawing/2010/main">
+              <a14:hiddenFill xmlns:a14="http://schemas.microsoft.com/office/drawing/2010/main" xmlns="">
                 <a:solidFill>
                   <a:srgbClr val="FFFFFF"/>
                 </a:solidFill>
               </a14:hiddenFill>
             </a:ext>
             <a:ext uri="{91240B29-F687-4f45-9708-019B960494DF}">
-              <a14:hiddenLine xmlns="" xmlns:a14="http://schemas.microsoft.com/office/drawing/2010/main" w="9525">
+              <a14:hiddenLine xmlns:a14="http://schemas.microsoft.com/office/drawing/2010/main" xmlns="" w="9525">
                 <a:solidFill>
                   <a:srgbClr val="000000"/>
                 </a:solidFill>
@@ -23173,8 +23177,8 @@
         </p:nvSpPr>
         <p:spPr bwMode="auto">
           <a:xfrm>
-            <a:off x="4572000" y="4475674"/>
-            <a:ext cx="5394960" cy="1384995"/>
+            <a:off x="4175185" y="4475674"/>
+            <a:ext cx="6961517" cy="1384995"/>
           </a:xfrm>
           <a:prstGeom prst="rect">
             <a:avLst/>
@@ -23185,14 +23189,14 @@
           </a:ln>
           <a:extLst>
             <a:ext uri="{909E8E84-426E-40dd-AFC4-6F175D3DCCD1}">
-              <a14:hiddenFill xmlns="" xmlns:a14="http://schemas.microsoft.com/office/drawing/2010/main">
+              <a14:hiddenFill xmlns:a14="http://schemas.microsoft.com/office/drawing/2010/main" xmlns="">
                 <a:solidFill>
                   <a:srgbClr val="FFFFFF"/>
                 </a:solidFill>
               </a14:hiddenFill>
             </a:ext>
             <a:ext uri="{91240B29-F687-4f45-9708-019B960494DF}">
-              <a14:hiddenLine xmlns="" xmlns:a14="http://schemas.microsoft.com/office/drawing/2010/main" w="9525">
+              <a14:hiddenLine xmlns:a14="http://schemas.microsoft.com/office/drawing/2010/main" xmlns="" w="9525">
                 <a:solidFill>
                   <a:srgbClr val="000000"/>
                 </a:solidFill>

--- a/SE401/Lectures/8-Integration, System and Regression Testing/System Testing.pptx
+++ b/SE401/Lectures/8-Integration, System and Regression Testing/System Testing.pptx
@@ -266,7 +266,7 @@
           <a:p>
             <a:fld id="{F3B0ED5F-57F7-41A3-9ACC-D2FCCFA7696D}" type="datetimeFigureOut">
               <a:rPr lang="en-US" smtClean="0"/>
-              <a:t>4/18/2022</a:t>
+              <a:t>4/19/2022</a:t>
             </a:fld>
             <a:endParaRPr lang="en-US"/>
           </a:p>
@@ -2139,7 +2139,7 @@
           </a:ln>
           <a:extLst>
             <a:ext uri="{909E8E84-426E-40dd-AFC4-6F175D3DCCD1}">
-              <a14:hiddenFill xmlns:a14="http://schemas.microsoft.com/office/drawing/2010/main" xmlns="">
+              <a14:hiddenFill xmlns="" xmlns:a14="http://schemas.microsoft.com/office/drawing/2010/main">
                 <a:solidFill>
                   <a:srgbClr val="FFFFFF"/>
                 </a:solidFill>
@@ -2555,14 +2555,14 @@
           </a:ln>
           <a:extLst>
             <a:ext uri="{909E8E84-426E-40dd-AFC4-6F175D3DCCD1}">
-              <a14:hiddenFill xmlns:a14="http://schemas.microsoft.com/office/drawing/2010/main" xmlns="">
+              <a14:hiddenFill xmlns="" xmlns:a14="http://schemas.microsoft.com/office/drawing/2010/main">
                 <a:solidFill>
                   <a:srgbClr val="FFFFFF"/>
                 </a:solidFill>
               </a14:hiddenFill>
             </a:ext>
             <a:ext uri="{91240B29-F687-4f45-9708-019B960494DF}">
-              <a14:hiddenLine xmlns:a14="http://schemas.microsoft.com/office/drawing/2010/main" xmlns="" w="9525">
+              <a14:hiddenLine xmlns="" xmlns:a14="http://schemas.microsoft.com/office/drawing/2010/main" w="9525">
                 <a:solidFill>
                   <a:srgbClr val="000000"/>
                 </a:solidFill>
@@ -2738,14 +2738,14 @@
           </a:ln>
           <a:extLst>
             <a:ext uri="{909E8E84-426E-40dd-AFC4-6F175D3DCCD1}">
-              <a14:hiddenFill xmlns:a14="http://schemas.microsoft.com/office/drawing/2010/main" xmlns="">
+              <a14:hiddenFill xmlns="" xmlns:a14="http://schemas.microsoft.com/office/drawing/2010/main">
                 <a:solidFill>
                   <a:srgbClr val="FFFFFF"/>
                 </a:solidFill>
               </a14:hiddenFill>
             </a:ext>
             <a:ext uri="{FAA26D3D-D897-4be2-8F04-BA451C77F1D7}">
-              <ma14:placeholderFlag xmlns:ma14="http://schemas.microsoft.com/office/mac/drawingml/2011/main" xmlns="" val="1"/>
+              <ma14:placeholderFlag xmlns="" xmlns:ma14="http://schemas.microsoft.com/office/mac/drawingml/2011/main" val="1"/>
             </a:ext>
           </a:extLst>
         </p:spPr>
@@ -3113,7 +3113,7 @@
           </a:ln>
           <a:extLst>
             <a:ext uri="{909E8E84-426E-40dd-AFC4-6F175D3DCCD1}">
-              <a14:hiddenFill xmlns:a14="http://schemas.microsoft.com/office/drawing/2010/main" xmlns="">
+              <a14:hiddenFill xmlns="" xmlns:a14="http://schemas.microsoft.com/office/drawing/2010/main">
                 <a:solidFill>
                   <a:srgbClr val="FFFFFF"/>
                 </a:solidFill>
@@ -3407,7 +3407,7 @@
           </a:ln>
           <a:extLst>
             <a:ext uri="{AF507438-7753-43e0-B8FC-AC1667EBCBE1}">
-              <a14:hiddenEffects xmlns:a14="http://schemas.microsoft.com/office/drawing/2010/main" xmlns="">
+              <a14:hiddenEffects xmlns="" xmlns:a14="http://schemas.microsoft.com/office/drawing/2010/main">
                 <a:effectLst>
                   <a:outerShdw blurRad="63500" dist="38099" dir="2700000" algn="ctr" rotWithShape="0">
                     <a:srgbClr val="000000">
@@ -3442,14 +3442,14 @@
           <a:ln/>
           <a:extLst>
             <a:ext uri="{909E8E84-426E-40dd-AFC4-6F175D3DCCD1}">
-              <a14:hiddenFill xmlns:a14="http://schemas.microsoft.com/office/drawing/2010/main" xmlns="">
+              <a14:hiddenFill xmlns="" xmlns:a14="http://schemas.microsoft.com/office/drawing/2010/main">
                 <a:solidFill>
                   <a:srgbClr val="FFFFFF"/>
                 </a:solidFill>
               </a14:hiddenFill>
             </a:ext>
             <a:ext uri="{91240B29-F687-4f45-9708-019B960494DF}">
-              <a14:hiddenLine xmlns:a14="http://schemas.microsoft.com/office/drawing/2010/main" xmlns="" w="9525">
+              <a14:hiddenLine xmlns="" xmlns:a14="http://schemas.microsoft.com/office/drawing/2010/main" w="9525">
                 <a:solidFill>
                   <a:srgbClr val="000000"/>
                 </a:solidFill>
@@ -3459,7 +3459,7 @@
               </a14:hiddenLine>
             </a:ext>
             <a:ext uri="{AF507438-7753-43e0-B8FC-AC1667EBCBE1}">
-              <a14:hiddenEffects xmlns:a14="http://schemas.microsoft.com/office/drawing/2010/main" xmlns="">
+              <a14:hiddenEffects xmlns="" xmlns:a14="http://schemas.microsoft.com/office/drawing/2010/main">
                 <a:effectLst>
                   <a:outerShdw blurRad="63500" dist="38099" dir="2700000" algn="ctr" rotWithShape="0">
                     <a:srgbClr val="000000">
@@ -4781,14 +4781,14 @@
           </a:ln>
           <a:extLst>
             <a:ext uri="{909E8E84-426E-40dd-AFC4-6F175D3DCCD1}">
-              <a14:hiddenFill xmlns:a14="http://schemas.microsoft.com/office/drawing/2010/main" xmlns="">
+              <a14:hiddenFill xmlns="" xmlns:a14="http://schemas.microsoft.com/office/drawing/2010/main">
                 <a:solidFill>
                   <a:srgbClr val="FFFFFF"/>
                 </a:solidFill>
               </a14:hiddenFill>
             </a:ext>
             <a:ext uri="{91240B29-F687-4f45-9708-019B960494DF}">
-              <a14:hiddenLine xmlns:a14="http://schemas.microsoft.com/office/drawing/2010/main" xmlns="" w="9525">
+              <a14:hiddenLine xmlns="" xmlns:a14="http://schemas.microsoft.com/office/drawing/2010/main" w="9525">
                 <a:solidFill>
                   <a:srgbClr val="000000"/>
                 </a:solidFill>
@@ -4964,14 +4964,14 @@
           </a:ln>
           <a:extLst>
             <a:ext uri="{909E8E84-426E-40dd-AFC4-6F175D3DCCD1}">
-              <a14:hiddenFill xmlns:a14="http://schemas.microsoft.com/office/drawing/2010/main" xmlns="">
+              <a14:hiddenFill xmlns="" xmlns:a14="http://schemas.microsoft.com/office/drawing/2010/main">
                 <a:solidFill>
                   <a:srgbClr val="FFFFFF"/>
                 </a:solidFill>
               </a14:hiddenFill>
             </a:ext>
             <a:ext uri="{FAA26D3D-D897-4be2-8F04-BA451C77F1D7}">
-              <ma14:placeholderFlag xmlns:ma14="http://schemas.microsoft.com/office/mac/drawingml/2011/main" xmlns="" val="1"/>
+              <ma14:placeholderFlag xmlns="" xmlns:ma14="http://schemas.microsoft.com/office/mac/drawingml/2011/main" val="1"/>
             </a:ext>
           </a:extLst>
         </p:spPr>
@@ -6526,7 +6526,7 @@
           <a:p>
             <a:fld id="{3893B2B2-4038-4C27-BE41-FFDF97FE67FC}" type="datetime1">
               <a:rPr lang="en-US" smtClean="0"/>
-              <a:t>4/18/2022</a:t>
+              <a:t>4/19/2022</a:t>
             </a:fld>
             <a:endParaRPr lang="en-US"/>
           </a:p>
@@ -6777,7 +6777,7 @@
           <a:p>
             <a:fld id="{2EDF292E-3C7B-493C-991E-4764593041FC}" type="datetime1">
               <a:rPr lang="en-US" smtClean="0"/>
-              <a:t>4/18/2022</a:t>
+              <a:t>4/19/2022</a:t>
             </a:fld>
             <a:endParaRPr lang="en-US"/>
           </a:p>
@@ -6957,7 +6957,7 @@
           <a:p>
             <a:fld id="{A341C04D-32BA-4347-8086-08E5C96208D0}" type="datetime1">
               <a:rPr lang="en-US" smtClean="0"/>
-              <a:t>4/18/2022</a:t>
+              <a:t>4/19/2022</a:t>
             </a:fld>
             <a:endParaRPr lang="en-US"/>
           </a:p>
@@ -7213,7 +7213,7 @@
           <a:p>
             <a:fld id="{B8FFB4ED-58E4-4CD8-9B4A-0077E7AD499F}" type="datetime1">
               <a:rPr lang="en-US" smtClean="0"/>
-              <a:t>4/18/2022</a:t>
+              <a:t>4/19/2022</a:t>
             </a:fld>
             <a:endParaRPr lang="en-US"/>
           </a:p>
@@ -7558,7 +7558,7 @@
           <a:p>
             <a:fld id="{B5285AD8-C0BB-43A5-BAD8-F615BA524505}" type="datetime1">
               <a:rPr lang="en-US" smtClean="0"/>
-              <a:t>4/18/2022</a:t>
+              <a:t>4/19/2022</a:t>
             </a:fld>
             <a:endParaRPr lang="en-US"/>
           </a:p>
@@ -7790,7 +7790,7 @@
           <a:p>
             <a:fld id="{C8242BE0-A2F3-4D8F-98B8-3926370542E4}" type="datetime1">
               <a:rPr lang="en-US" smtClean="0"/>
-              <a:t>4/18/2022</a:t>
+              <a:t>4/19/2022</a:t>
             </a:fld>
             <a:endParaRPr lang="en-US"/>
           </a:p>
@@ -8157,7 +8157,7 @@
           <a:p>
             <a:fld id="{C22EE46A-9004-4F68-B3E2-F78F67F33509}" type="datetime1">
               <a:rPr lang="en-US" smtClean="0"/>
-              <a:t>4/18/2022</a:t>
+              <a:t>4/19/2022</a:t>
             </a:fld>
             <a:endParaRPr lang="en-US"/>
           </a:p>
@@ -8252,7 +8252,7 @@
           <a:p>
             <a:fld id="{22A62ABF-3675-4388-AADF-6054960CB9C0}" type="datetime1">
               <a:rPr lang="en-US" smtClean="0"/>
-              <a:t>4/18/2022</a:t>
+              <a:t>4/19/2022</a:t>
             </a:fld>
             <a:endParaRPr lang="en-US"/>
           </a:p>
@@ -8475,7 +8475,7 @@
             <a:fld id="{B2F5E2FA-C428-4CE7-95B0-168D3259A5BB}" type="datetimeFigureOut">
               <a:rPr lang="en-US" smtClean="0"/>
               <a:pPr/>
-              <a:t>4/18/2022</a:t>
+              <a:t>4/19/2022</a:t>
             </a:fld>
             <a:endParaRPr lang="en-US"/>
           </a:p>
@@ -8646,7 +8646,7 @@
           <a:p>
             <a:fld id="{4BDD0A2E-A557-4EE7-9BF2-43C017C04ED5}" type="datetime1">
               <a:rPr lang="en-US" smtClean="0"/>
-              <a:t>4/18/2022</a:t>
+              <a:t>4/19/2022</a:t>
             </a:fld>
             <a:endParaRPr lang="en-US"/>
           </a:p>
@@ -8923,7 +8923,7 @@
           <a:p>
             <a:fld id="{FF90B3B6-75C1-43BC-B878-000D55F17770}" type="datetime1">
               <a:rPr lang="en-US" smtClean="0"/>
-              <a:t>4/18/2022</a:t>
+              <a:t>4/19/2022</a:t>
             </a:fld>
             <a:endParaRPr lang="en-US"/>
           </a:p>
@@ -9176,7 +9176,7 @@
           <a:p>
             <a:fld id="{821D8A8D-1A52-45F9-B193-4918DD22A7FD}" type="datetime1">
               <a:rPr lang="en-US" smtClean="0"/>
-              <a:t>4/18/2022</a:t>
+              <a:t>4/19/2022</a:t>
             </a:fld>
             <a:endParaRPr lang="en-US"/>
           </a:p>
@@ -9389,7 +9389,7 @@
           <a:p>
             <a:fld id="{F4F599D2-0BF1-4196-9BBF-D566F2610F29}" type="datetime1">
               <a:rPr lang="en-US" smtClean="0"/>
-              <a:t>4/18/2022</a:t>
+              <a:t>4/19/2022</a:t>
             </a:fld>
             <a:endParaRPr lang="en-US"/>
           </a:p>
@@ -10102,12 +10102,12 @@
               <a:t>After three failed PIN </a:t>
             </a:r>
             <a:r>
-              <a:rPr lang="en-US" dirty="0" err="1" smtClean="0"/>
-              <a:t>En</a:t>
-            </a:r>
-            <a:r>
-              <a:rPr lang="en-US" dirty="0" smtClean="0"/>
-              <a:t> try attempts, a screen advises the customer that the ATM card will not be returned, and no access to ATM functions is provided. </a:t>
+              <a:rPr lang="en-US" dirty="0" smtClean="0"/>
+              <a:t>Entry </a:t>
+            </a:r>
+            <a:r>
+              <a:rPr lang="en-US" dirty="0" smtClean="0"/>
+              <a:t>attempts, a screen advises the customer that the ATM card will not be returned, and no access to ATM functions is provided. </a:t>
             </a:r>
             <a:endParaRPr lang="en-US" dirty="0"/>
           </a:p>
@@ -10242,7 +10242,11 @@
             <a:pPr lvl="1"/>
             <a:r>
               <a:rPr lang="en-US" dirty="0" smtClean="0"/>
-              <a:t>card entry</a:t>
+              <a:t>Card </a:t>
+            </a:r>
+            <a:r>
+              <a:rPr lang="en-US" dirty="0" smtClean="0"/>
+              <a:t>entry</a:t>
             </a:r>
           </a:p>
           <a:p>
@@ -10263,7 +10267,11 @@
             <a:pPr lvl="1"/>
             <a:r>
               <a:rPr lang="en-US" dirty="0" smtClean="0"/>
-              <a:t>session termination </a:t>
+              <a:t>Session </a:t>
+            </a:r>
+            <a:r>
+              <a:rPr lang="en-US" dirty="0" smtClean="0"/>
+              <a:t>termination </a:t>
             </a:r>
             <a:endParaRPr lang="en-US" dirty="0"/>
           </a:p>
@@ -11814,7 +11822,25 @@
                 </a:solidFill>
                 <a:latin typeface="Candara" panose="020E0502030303020204" pitchFamily="34" charset="0"/>
               </a:rPr>
-              <a:t>Uppermost level SAT M finite state machine.</a:t>
+              <a:t>Uppermost level </a:t>
+            </a:r>
+            <a:r>
+              <a:rPr lang="en-US" dirty="0" smtClean="0">
+                <a:solidFill>
+                  <a:schemeClr val="tx1"/>
+                </a:solidFill>
+                <a:latin typeface="Candara" panose="020E0502030303020204" pitchFamily="34" charset="0"/>
+              </a:rPr>
+              <a:t>SATM </a:t>
+            </a:r>
+            <a:r>
+              <a:rPr lang="en-US" dirty="0">
+                <a:solidFill>
+                  <a:schemeClr val="tx1"/>
+                </a:solidFill>
+                <a:latin typeface="Candara" panose="020E0502030303020204" pitchFamily="34" charset="0"/>
+              </a:rPr>
+              <a:t>finite state machine.</a:t>
             </a:r>
           </a:p>
         </p:txBody>
@@ -13014,7 +13040,7 @@
           <a:graphicData uri="http://schemas.openxmlformats.org/presentationml/2006/ole">
             <mc:AlternateContent xmlns:mc="http://schemas.openxmlformats.org/markup-compatibility/2006">
               <mc:Choice xmlns:v="urn:schemas-microsoft-com:vml" Requires="v">
-                <p:oleObj spid="_x0000_s1034" name="Visio" r:id="rId3" imgW="2206211" imgH="764469" progId="Visio.Drawing.11">
+                <p:oleObj spid="_x0000_s1035" name="Visio" r:id="rId3" imgW="2206211" imgH="764469" progId="Visio.Drawing.11">
                   <p:embed/>
                 </p:oleObj>
               </mc:Choice>
@@ -17688,14 +17714,14 @@
           </a:ln>
           <a:extLst>
             <a:ext uri="{909E8E84-426E-40dd-AFC4-6F175D3DCCD1}">
-              <a14:hiddenFill xmlns:a14="http://schemas.microsoft.com/office/drawing/2010/main" xmlns="">
+              <a14:hiddenFill xmlns="" xmlns:a14="http://schemas.microsoft.com/office/drawing/2010/main">
                 <a:solidFill>
                   <a:srgbClr val="FFFFFF"/>
                 </a:solidFill>
               </a14:hiddenFill>
             </a:ext>
             <a:ext uri="{91240B29-F687-4f45-9708-019B960494DF}">
-              <a14:hiddenLine xmlns:a14="http://schemas.microsoft.com/office/drawing/2010/main" xmlns="" w="9525">
+              <a14:hiddenLine xmlns="" xmlns:a14="http://schemas.microsoft.com/office/drawing/2010/main" w="9525">
                 <a:solidFill>
                   <a:srgbClr val="000000"/>
                 </a:solidFill>
@@ -21164,14 +21190,14 @@
           </a:ln>
           <a:extLst>
             <a:ext uri="{909E8E84-426E-40dd-AFC4-6F175D3DCCD1}">
-              <a14:hiddenFill xmlns:a14="http://schemas.microsoft.com/office/drawing/2010/main" xmlns="">
+              <a14:hiddenFill xmlns="" xmlns:a14="http://schemas.microsoft.com/office/drawing/2010/main">
                 <a:solidFill>
                   <a:srgbClr val="FFFFFF"/>
                 </a:solidFill>
               </a14:hiddenFill>
             </a:ext>
             <a:ext uri="{91240B29-F687-4f45-9708-019B960494DF}">
-              <a14:hiddenLine xmlns:a14="http://schemas.microsoft.com/office/drawing/2010/main" xmlns="" w="9525">
+              <a14:hiddenLine xmlns="" xmlns:a14="http://schemas.microsoft.com/office/drawing/2010/main" w="9525">
                 <a:solidFill>
                   <a:srgbClr val="000000"/>
                 </a:solidFill>
@@ -21181,7 +21207,7 @@
               </a14:hiddenLine>
             </a:ext>
             <a:ext uri="{FAA26D3D-D897-4be2-8F04-BA451C77F1D7}">
-              <ma14:placeholderFlag xmlns:ma14="http://schemas.microsoft.com/office/mac/drawingml/2011/main" xmlns="" val="1"/>
+              <ma14:placeholderFlag xmlns="" xmlns:ma14="http://schemas.microsoft.com/office/mac/drawingml/2011/main" val="1"/>
             </a:ext>
           </a:extLst>
         </p:spPr>
@@ -21552,14 +21578,14 @@
           </a:ln>
           <a:extLst>
             <a:ext uri="{909E8E84-426E-40dd-AFC4-6F175D3DCCD1}">
-              <a14:hiddenFill xmlns:a14="http://schemas.microsoft.com/office/drawing/2010/main" xmlns="">
+              <a14:hiddenFill xmlns="" xmlns:a14="http://schemas.microsoft.com/office/drawing/2010/main">
                 <a:solidFill>
                   <a:srgbClr val="FFFFFF"/>
                 </a:solidFill>
               </a14:hiddenFill>
             </a:ext>
             <a:ext uri="{91240B29-F687-4f45-9708-019B960494DF}">
-              <a14:hiddenLine xmlns:a14="http://schemas.microsoft.com/office/drawing/2010/main" xmlns="" w="9525">
+              <a14:hiddenLine xmlns="" xmlns:a14="http://schemas.microsoft.com/office/drawing/2010/main" w="9525">
                 <a:solidFill>
                   <a:srgbClr val="000000"/>
                 </a:solidFill>
@@ -21569,7 +21595,7 @@
               </a14:hiddenLine>
             </a:ext>
             <a:ext uri="{FAA26D3D-D897-4be2-8F04-BA451C77F1D7}">
-              <ma14:placeholderFlag xmlns:ma14="http://schemas.microsoft.com/office/mac/drawingml/2011/main" xmlns="" val="1"/>
+              <ma14:placeholderFlag xmlns="" xmlns:ma14="http://schemas.microsoft.com/office/mac/drawingml/2011/main" val="1"/>
             </a:ext>
           </a:extLst>
         </p:spPr>
@@ -21911,14 +21937,14 @@
           <a:effectLst/>
           <a:extLst>
             <a:ext uri="{909E8E84-426E-40dd-AFC4-6F175D3DCCD1}">
-              <a14:hiddenFill xmlns:a14="http://schemas.microsoft.com/office/drawing/2010/main" xmlns="">
+              <a14:hiddenFill xmlns="" xmlns:a14="http://schemas.microsoft.com/office/drawing/2010/main">
                 <a:solidFill>
                   <a:schemeClr val="accent1"/>
                 </a:solidFill>
               </a14:hiddenFill>
             </a:ext>
             <a:ext uri="{91240B29-F687-4f45-9708-019B960494DF}">
-              <a14:hiddenLine xmlns:a14="http://schemas.microsoft.com/office/drawing/2010/main" xmlns="" w="12700">
+              <a14:hiddenLine xmlns="" xmlns:a14="http://schemas.microsoft.com/office/drawing/2010/main" w="12700">
                 <a:solidFill>
                   <a:schemeClr val="tx1"/>
                 </a:solidFill>
@@ -21928,7 +21954,7 @@
               </a14:hiddenLine>
             </a:ext>
             <a:ext uri="{AF507438-7753-43e0-B8FC-AC1667EBCBE1}">
-              <a14:hiddenEffects xmlns:a14="http://schemas.microsoft.com/office/drawing/2010/main" xmlns="">
+              <a14:hiddenEffects xmlns="" xmlns:a14="http://schemas.microsoft.com/office/drawing/2010/main">
                 <a:effectLst>
                   <a:outerShdw dist="35921" dir="2700000" algn="ctr" rotWithShape="0">
                     <a:schemeClr val="bg2"/>
@@ -22075,14 +22101,14 @@
           </a:ln>
           <a:extLst>
             <a:ext uri="{909E8E84-426E-40dd-AFC4-6F175D3DCCD1}">
-              <a14:hiddenFill xmlns:a14="http://schemas.microsoft.com/office/drawing/2010/main" xmlns="">
+              <a14:hiddenFill xmlns="" xmlns:a14="http://schemas.microsoft.com/office/drawing/2010/main">
                 <a:solidFill>
                   <a:srgbClr val="FFFFFF"/>
                 </a:solidFill>
               </a14:hiddenFill>
             </a:ext>
             <a:ext uri="{91240B29-F687-4f45-9708-019B960494DF}">
-              <a14:hiddenLine xmlns:a14="http://schemas.microsoft.com/office/drawing/2010/main" xmlns="" w="9525">
+              <a14:hiddenLine xmlns="" xmlns:a14="http://schemas.microsoft.com/office/drawing/2010/main" w="9525">
                 <a:solidFill>
                   <a:srgbClr val="000000"/>
                 </a:solidFill>
@@ -22092,7 +22118,7 @@
               </a14:hiddenLine>
             </a:ext>
             <a:ext uri="{FAA26D3D-D897-4be2-8F04-BA451C77F1D7}">
-              <ma14:placeholderFlag xmlns:ma14="http://schemas.microsoft.com/office/mac/drawingml/2011/main" xmlns="" val="1"/>
+              <ma14:placeholderFlag xmlns="" xmlns:ma14="http://schemas.microsoft.com/office/mac/drawingml/2011/main" val="1"/>
             </a:ext>
           </a:extLst>
         </p:spPr>
@@ -23114,14 +23140,14 @@
           </a:ln>
           <a:extLst>
             <a:ext uri="{909E8E84-426E-40dd-AFC4-6F175D3DCCD1}">
-              <a14:hiddenFill xmlns:a14="http://schemas.microsoft.com/office/drawing/2010/main" xmlns="">
+              <a14:hiddenFill xmlns="" xmlns:a14="http://schemas.microsoft.com/office/drawing/2010/main">
                 <a:solidFill>
                   <a:srgbClr val="FFFFFF"/>
                 </a:solidFill>
               </a14:hiddenFill>
             </a:ext>
             <a:ext uri="{91240B29-F687-4f45-9708-019B960494DF}">
-              <a14:hiddenLine xmlns:a14="http://schemas.microsoft.com/office/drawing/2010/main" xmlns="" w="9525">
+              <a14:hiddenLine xmlns="" xmlns:a14="http://schemas.microsoft.com/office/drawing/2010/main" w="9525">
                 <a:solidFill>
                   <a:srgbClr val="000000"/>
                 </a:solidFill>
@@ -23189,14 +23215,14 @@
           </a:ln>
           <a:extLst>
             <a:ext uri="{909E8E84-426E-40dd-AFC4-6F175D3DCCD1}">
-              <a14:hiddenFill xmlns:a14="http://schemas.microsoft.com/office/drawing/2010/main" xmlns="">
+              <a14:hiddenFill xmlns="" xmlns:a14="http://schemas.microsoft.com/office/drawing/2010/main">
                 <a:solidFill>
                   <a:srgbClr val="FFFFFF"/>
                 </a:solidFill>
               </a14:hiddenFill>
             </a:ext>
             <a:ext uri="{91240B29-F687-4f45-9708-019B960494DF}">
-              <a14:hiddenLine xmlns:a14="http://schemas.microsoft.com/office/drawing/2010/main" xmlns="" w="9525">
+              <a14:hiddenLine xmlns="" xmlns:a14="http://schemas.microsoft.com/office/drawing/2010/main" w="9525">
                 <a:solidFill>
                   <a:srgbClr val="000000"/>
                 </a:solidFill>

--- a/SE401/Lectures/8-Integration, System and Regression Testing/System Testing.pptx
+++ b/SE401/Lectures/8-Integration, System and Regression Testing/System Testing.pptx
@@ -5,7 +5,7 @@
     <p:sldMasterId id="2147483648" r:id="rId1"/>
   </p:sldMasterIdLst>
   <p:notesMasterIdLst>
-    <p:notesMasterId r:id="rId77"/>
+    <p:notesMasterId r:id="rId81"/>
   </p:notesMasterIdLst>
   <p:sldIdLst>
     <p:sldId id="256" r:id="rId2"/>
@@ -59,30 +59,34 @@
     <p:sldId id="396" r:id="rId50"/>
     <p:sldId id="365" r:id="rId51"/>
     <p:sldId id="398" r:id="rId52"/>
-    <p:sldId id="304" r:id="rId53"/>
-    <p:sldId id="305" r:id="rId54"/>
-    <p:sldId id="306" r:id="rId55"/>
-    <p:sldId id="373" r:id="rId56"/>
-    <p:sldId id="374" r:id="rId57"/>
-    <p:sldId id="375" r:id="rId58"/>
-    <p:sldId id="376" r:id="rId59"/>
-    <p:sldId id="377" r:id="rId60"/>
-    <p:sldId id="378" r:id="rId61"/>
-    <p:sldId id="379" r:id="rId62"/>
-    <p:sldId id="380" r:id="rId63"/>
-    <p:sldId id="381" r:id="rId64"/>
-    <p:sldId id="382" r:id="rId65"/>
-    <p:sldId id="383" r:id="rId66"/>
-    <p:sldId id="384" r:id="rId67"/>
-    <p:sldId id="385" r:id="rId68"/>
-    <p:sldId id="307" r:id="rId69"/>
-    <p:sldId id="308" r:id="rId70"/>
-    <p:sldId id="309" r:id="rId71"/>
-    <p:sldId id="310" r:id="rId72"/>
-    <p:sldId id="311" r:id="rId73"/>
-    <p:sldId id="312" r:id="rId74"/>
-    <p:sldId id="332" r:id="rId75"/>
-    <p:sldId id="333" r:id="rId76"/>
+    <p:sldId id="399" r:id="rId53"/>
+    <p:sldId id="408" r:id="rId54"/>
+    <p:sldId id="409" r:id="rId55"/>
+    <p:sldId id="400" r:id="rId56"/>
+    <p:sldId id="401" r:id="rId57"/>
+    <p:sldId id="402" r:id="rId58"/>
+    <p:sldId id="412" r:id="rId59"/>
+    <p:sldId id="403" r:id="rId60"/>
+    <p:sldId id="404" r:id="rId61"/>
+    <p:sldId id="405" r:id="rId62"/>
+    <p:sldId id="406" r:id="rId63"/>
+    <p:sldId id="413" r:id="rId64"/>
+    <p:sldId id="414" r:id="rId65"/>
+    <p:sldId id="415" r:id="rId66"/>
+    <p:sldId id="416" r:id="rId67"/>
+    <p:sldId id="407" r:id="rId68"/>
+    <p:sldId id="306" r:id="rId69"/>
+    <p:sldId id="373" r:id="rId70"/>
+    <p:sldId id="374" r:id="rId71"/>
+    <p:sldId id="375" r:id="rId72"/>
+    <p:sldId id="307" r:id="rId73"/>
+    <p:sldId id="308" r:id="rId74"/>
+    <p:sldId id="309" r:id="rId75"/>
+    <p:sldId id="310" r:id="rId76"/>
+    <p:sldId id="311" r:id="rId77"/>
+    <p:sldId id="312" r:id="rId78"/>
+    <p:sldId id="332" r:id="rId79"/>
+    <p:sldId id="333" r:id="rId80"/>
   </p:sldIdLst>
   <p:sldSz cx="12192000" cy="6858000"/>
   <p:notesSz cx="6858000" cy="9144000"/>
@@ -1186,7 +1190,7 @@
               <a:pPr>
                 <a:defRPr/>
               </a:pPr>
-              <a:t>52</a:t>
+              <a:t>53</a:t>
             </a:fld>
             <a:r>
               <a:rPr lang="en-US" smtClean="0"/>
@@ -1199,7 +1203,7 @@
     </p:spTree>
     <p:extLst>
       <p:ext uri="{BB962C8B-B14F-4D97-AF65-F5344CB8AC3E}">
-        <p14:creationId xmlns:p14="http://schemas.microsoft.com/office/powerpoint/2010/main" val="163952435"/>
+        <p14:creationId xmlns:p14="http://schemas.microsoft.com/office/powerpoint/2010/main" val="1806464459"/>
       </p:ext>
     </p:extLst>
   </p:cSld>
@@ -1358,7 +1362,7 @@
               <a:pPr>
                 <a:defRPr/>
               </a:pPr>
-              <a:t>53</a:t>
+              <a:t>54</a:t>
             </a:fld>
             <a:r>
               <a:rPr lang="en-US" smtClean="0"/>
@@ -1371,7 +1375,7 @@
     </p:spTree>
     <p:extLst>
       <p:ext uri="{BB962C8B-B14F-4D97-AF65-F5344CB8AC3E}">
-        <p14:creationId xmlns:p14="http://schemas.microsoft.com/office/powerpoint/2010/main" val="773278345"/>
+        <p14:creationId xmlns:p14="http://schemas.microsoft.com/office/powerpoint/2010/main" val="1331553385"/>
       </p:ext>
     </p:extLst>
   </p:cSld>
@@ -1530,7 +1534,7 @@
               <a:pPr>
                 <a:defRPr/>
               </a:pPr>
-              <a:t>54</a:t>
+              <a:t>58</a:t>
             </a:fld>
             <a:r>
               <a:rPr lang="en-US" smtClean="0"/>
@@ -1543,7 +1547,7 @@
     </p:spTree>
     <p:extLst>
       <p:ext uri="{BB962C8B-B14F-4D97-AF65-F5344CB8AC3E}">
-        <p14:creationId xmlns:p14="http://schemas.microsoft.com/office/powerpoint/2010/main" val="3938651200"/>
+        <p14:creationId xmlns:p14="http://schemas.microsoft.com/office/powerpoint/2010/main" val="3931421722"/>
       </p:ext>
     </p:extLst>
   </p:cSld>
@@ -1554,1767 +1558,6 @@
 </file>
 
 <file path=ppt/notesSlides/notesSlide14.xml><?xml version="1.0" encoding="utf-8"?>
-<p:notes xmlns:a="http://schemas.openxmlformats.org/drawingml/2006/main" xmlns:r="http://schemas.openxmlformats.org/officeDocument/2006/relationships" xmlns:p="http://schemas.openxmlformats.org/presentationml/2006/main">
-  <p:cSld>
-    <p:spTree>
-      <p:nvGrpSpPr>
-        <p:cNvPr id="1" name=""/>
-        <p:cNvGrpSpPr/>
-        <p:nvPr/>
-      </p:nvGrpSpPr>
-      <p:grpSpPr>
-        <a:xfrm>
-          <a:off x="0" y="0"/>
-          <a:ext cx="0" cy="0"/>
-          <a:chOff x="0" y="0"/>
-          <a:chExt cx="0" cy="0"/>
-        </a:xfrm>
-      </p:grpSpPr>
-      <p:sp>
-        <p:nvSpPr>
-          <p:cNvPr id="2" name="Slide Image Placeholder 1"/>
-          <p:cNvSpPr>
-            <a:spLocks noGrp="1" noRot="1" noChangeAspect="1"/>
-          </p:cNvSpPr>
-          <p:nvPr>
-            <p:ph type="sldImg"/>
-          </p:nvPr>
-        </p:nvSpPr>
-        <p:spPr/>
-      </p:sp>
-      <p:sp>
-        <p:nvSpPr>
-          <p:cNvPr id="3" name="Notes Placeholder 2"/>
-          <p:cNvSpPr>
-            <a:spLocks noGrp="1"/>
-          </p:cNvSpPr>
-          <p:nvPr>
-            <p:ph type="body" idx="1"/>
-          </p:nvPr>
-        </p:nvSpPr>
-        <p:spPr/>
-        <p:txBody>
-          <a:bodyPr/>
-          <a:lstStyle/>
-          <a:p>
-            <a:endParaRPr lang="en-US" dirty="0"/>
-          </a:p>
-        </p:txBody>
-      </p:sp>
-      <p:sp>
-        <p:nvSpPr>
-          <p:cNvPr id="4" name="Header Placeholder 3"/>
-          <p:cNvSpPr>
-            <a:spLocks noGrp="1"/>
-          </p:cNvSpPr>
-          <p:nvPr>
-            <p:ph type="hdr" sz="quarter" idx="10"/>
-          </p:nvPr>
-        </p:nvSpPr>
-        <p:spPr/>
-        <p:txBody>
-          <a:bodyPr/>
-          <a:lstStyle/>
-          <a:p>
-            <a:pPr>
-              <a:defRPr/>
-            </a:pPr>
-            <a:r>
-              <a:rPr lang="en-US" dirty="0" smtClean="0"/>
-              <a:t>SE 433</a:t>
-            </a:r>
-            <a:endParaRPr lang="en-US" dirty="0"/>
-          </a:p>
-        </p:txBody>
-      </p:sp>
-      <p:sp>
-        <p:nvSpPr>
-          <p:cNvPr id="5" name="Date Placeholder 4"/>
-          <p:cNvSpPr>
-            <a:spLocks noGrp="1"/>
-          </p:cNvSpPr>
-          <p:nvPr>
-            <p:ph type="dt" idx="11"/>
-          </p:nvPr>
-        </p:nvSpPr>
-        <p:spPr/>
-        <p:txBody>
-          <a:bodyPr/>
-          <a:lstStyle/>
-          <a:p>
-            <a:pPr>
-              <a:defRPr/>
-            </a:pPr>
-            <a:r>
-              <a:rPr lang="en-US" smtClean="0"/>
-              <a:t>May 23, 2017</a:t>
-            </a:r>
-            <a:endParaRPr lang="en-US" dirty="0"/>
-          </a:p>
-        </p:txBody>
-      </p:sp>
-      <p:sp>
-        <p:nvSpPr>
-          <p:cNvPr id="6" name="Footer Placeholder 5"/>
-          <p:cNvSpPr>
-            <a:spLocks noGrp="1"/>
-          </p:cNvSpPr>
-          <p:nvPr>
-            <p:ph type="ftr" sz="quarter" idx="12"/>
-          </p:nvPr>
-        </p:nvSpPr>
-        <p:spPr/>
-        <p:txBody>
-          <a:bodyPr/>
-          <a:lstStyle/>
-          <a:p>
-            <a:pPr>
-              <a:defRPr/>
-            </a:pPr>
-            <a:r>
-              <a:rPr lang="en-US" dirty="0" smtClean="0"/>
-              <a:t>Lecture 9</a:t>
-            </a:r>
-            <a:endParaRPr lang="en-US" dirty="0"/>
-          </a:p>
-        </p:txBody>
-      </p:sp>
-      <p:sp>
-        <p:nvSpPr>
-          <p:cNvPr id="7" name="Slide Number Placeholder 6"/>
-          <p:cNvSpPr>
-            <a:spLocks noGrp="1"/>
-          </p:cNvSpPr>
-          <p:nvPr>
-            <p:ph type="sldNum" sz="quarter" idx="13"/>
-          </p:nvPr>
-        </p:nvSpPr>
-        <p:spPr/>
-        <p:txBody>
-          <a:bodyPr/>
-          <a:lstStyle/>
-          <a:p>
-            <a:pPr>
-              <a:defRPr/>
-            </a:pPr>
-            <a:fld id="{F0410F35-0C47-794C-85F9-FC23048F5283}" type="slidenum">
-              <a:rPr lang="en-US" smtClean="0"/>
-              <a:pPr>
-                <a:defRPr/>
-              </a:pPr>
-              <a:t>55</a:t>
-            </a:fld>
-            <a:r>
-              <a:rPr lang="en-US" smtClean="0"/>
-              <a:t> of 102</a:t>
-            </a:r>
-            <a:endParaRPr lang="en-US" dirty="0"/>
-          </a:p>
-        </p:txBody>
-      </p:sp>
-    </p:spTree>
-    <p:extLst>
-      <p:ext uri="{BB962C8B-B14F-4D97-AF65-F5344CB8AC3E}">
-        <p14:creationId xmlns:p14="http://schemas.microsoft.com/office/powerpoint/2010/main" val="46725298"/>
-      </p:ext>
-    </p:extLst>
-  </p:cSld>
-  <p:clrMapOvr>
-    <a:masterClrMapping/>
-  </p:clrMapOvr>
-</p:notes>
-</file>
-
-<file path=ppt/notesSlides/notesSlide15.xml><?xml version="1.0" encoding="utf-8"?>
-<p:notes xmlns:a="http://schemas.openxmlformats.org/drawingml/2006/main" xmlns:r="http://schemas.openxmlformats.org/officeDocument/2006/relationships" xmlns:p="http://schemas.openxmlformats.org/presentationml/2006/main">
-  <p:cSld>
-    <p:spTree>
-      <p:nvGrpSpPr>
-        <p:cNvPr id="1" name=""/>
-        <p:cNvGrpSpPr/>
-        <p:nvPr/>
-      </p:nvGrpSpPr>
-      <p:grpSpPr>
-        <a:xfrm>
-          <a:off x="0" y="0"/>
-          <a:ext cx="0" cy="0"/>
-          <a:chOff x="0" y="0"/>
-          <a:chExt cx="0" cy="0"/>
-        </a:xfrm>
-      </p:grpSpPr>
-      <p:sp>
-        <p:nvSpPr>
-          <p:cNvPr id="2" name="Slide Image Placeholder 1"/>
-          <p:cNvSpPr>
-            <a:spLocks noGrp="1" noRot="1" noChangeAspect="1"/>
-          </p:cNvSpPr>
-          <p:nvPr>
-            <p:ph type="sldImg"/>
-          </p:nvPr>
-        </p:nvSpPr>
-        <p:spPr/>
-      </p:sp>
-      <p:sp>
-        <p:nvSpPr>
-          <p:cNvPr id="3" name="Notes Placeholder 2"/>
-          <p:cNvSpPr>
-            <a:spLocks noGrp="1"/>
-          </p:cNvSpPr>
-          <p:nvPr>
-            <p:ph type="body" idx="1"/>
-          </p:nvPr>
-        </p:nvSpPr>
-        <p:spPr/>
-        <p:txBody>
-          <a:bodyPr/>
-          <a:lstStyle/>
-          <a:p>
-            <a:endParaRPr lang="en-US" dirty="0"/>
-          </a:p>
-        </p:txBody>
-      </p:sp>
-      <p:sp>
-        <p:nvSpPr>
-          <p:cNvPr id="4" name="Header Placeholder 3"/>
-          <p:cNvSpPr>
-            <a:spLocks noGrp="1"/>
-          </p:cNvSpPr>
-          <p:nvPr>
-            <p:ph type="hdr" sz="quarter" idx="10"/>
-          </p:nvPr>
-        </p:nvSpPr>
-        <p:spPr/>
-        <p:txBody>
-          <a:bodyPr/>
-          <a:lstStyle/>
-          <a:p>
-            <a:pPr>
-              <a:defRPr/>
-            </a:pPr>
-            <a:r>
-              <a:rPr lang="en-US" dirty="0" smtClean="0"/>
-              <a:t>SE 433</a:t>
-            </a:r>
-            <a:endParaRPr lang="en-US" dirty="0"/>
-          </a:p>
-        </p:txBody>
-      </p:sp>
-      <p:sp>
-        <p:nvSpPr>
-          <p:cNvPr id="5" name="Date Placeholder 4"/>
-          <p:cNvSpPr>
-            <a:spLocks noGrp="1"/>
-          </p:cNvSpPr>
-          <p:nvPr>
-            <p:ph type="dt" idx="11"/>
-          </p:nvPr>
-        </p:nvSpPr>
-        <p:spPr/>
-        <p:txBody>
-          <a:bodyPr/>
-          <a:lstStyle/>
-          <a:p>
-            <a:pPr>
-              <a:defRPr/>
-            </a:pPr>
-            <a:r>
-              <a:rPr lang="en-US" smtClean="0"/>
-              <a:t>May 23, 2017</a:t>
-            </a:r>
-            <a:endParaRPr lang="en-US" dirty="0"/>
-          </a:p>
-        </p:txBody>
-      </p:sp>
-      <p:sp>
-        <p:nvSpPr>
-          <p:cNvPr id="6" name="Footer Placeholder 5"/>
-          <p:cNvSpPr>
-            <a:spLocks noGrp="1"/>
-          </p:cNvSpPr>
-          <p:nvPr>
-            <p:ph type="ftr" sz="quarter" idx="12"/>
-          </p:nvPr>
-        </p:nvSpPr>
-        <p:spPr/>
-        <p:txBody>
-          <a:bodyPr/>
-          <a:lstStyle/>
-          <a:p>
-            <a:pPr>
-              <a:defRPr/>
-            </a:pPr>
-            <a:r>
-              <a:rPr lang="en-US" dirty="0" smtClean="0"/>
-              <a:t>Lecture 9</a:t>
-            </a:r>
-            <a:endParaRPr lang="en-US" dirty="0"/>
-          </a:p>
-        </p:txBody>
-      </p:sp>
-      <p:sp>
-        <p:nvSpPr>
-          <p:cNvPr id="7" name="Slide Number Placeholder 6"/>
-          <p:cNvSpPr>
-            <a:spLocks noGrp="1"/>
-          </p:cNvSpPr>
-          <p:nvPr>
-            <p:ph type="sldNum" sz="quarter" idx="13"/>
-          </p:nvPr>
-        </p:nvSpPr>
-        <p:spPr/>
-        <p:txBody>
-          <a:bodyPr/>
-          <a:lstStyle/>
-          <a:p>
-            <a:pPr>
-              <a:defRPr/>
-            </a:pPr>
-            <a:fld id="{F0410F35-0C47-794C-85F9-FC23048F5283}" type="slidenum">
-              <a:rPr lang="en-US" smtClean="0"/>
-              <a:pPr>
-                <a:defRPr/>
-              </a:pPr>
-              <a:t>56</a:t>
-            </a:fld>
-            <a:r>
-              <a:rPr lang="en-US" smtClean="0"/>
-              <a:t> of 102</a:t>
-            </a:r>
-            <a:endParaRPr lang="en-US" dirty="0"/>
-          </a:p>
-        </p:txBody>
-      </p:sp>
-    </p:spTree>
-    <p:extLst>
-      <p:ext uri="{BB962C8B-B14F-4D97-AF65-F5344CB8AC3E}">
-        <p14:creationId xmlns:p14="http://schemas.microsoft.com/office/powerpoint/2010/main" val="801034363"/>
-      </p:ext>
-    </p:extLst>
-  </p:cSld>
-  <p:clrMapOvr>
-    <a:masterClrMapping/>
-  </p:clrMapOvr>
-</p:notes>
-</file>
-
-<file path=ppt/notesSlides/notesSlide16.xml><?xml version="1.0" encoding="utf-8"?>
-<p:notes xmlns:a="http://schemas.openxmlformats.org/drawingml/2006/main" xmlns:r="http://schemas.openxmlformats.org/officeDocument/2006/relationships" xmlns:p="http://schemas.openxmlformats.org/presentationml/2006/main">
-  <p:cSld>
-    <p:spTree>
-      <p:nvGrpSpPr>
-        <p:cNvPr id="1" name=""/>
-        <p:cNvGrpSpPr/>
-        <p:nvPr/>
-      </p:nvGrpSpPr>
-      <p:grpSpPr>
-        <a:xfrm>
-          <a:off x="0" y="0"/>
-          <a:ext cx="0" cy="0"/>
-          <a:chOff x="0" y="0"/>
-          <a:chExt cx="0" cy="0"/>
-        </a:xfrm>
-      </p:grpSpPr>
-      <p:sp>
-        <p:nvSpPr>
-          <p:cNvPr id="2" name="Slide Image Placeholder 1"/>
-          <p:cNvSpPr>
-            <a:spLocks noGrp="1" noRot="1" noChangeAspect="1"/>
-          </p:cNvSpPr>
-          <p:nvPr>
-            <p:ph type="sldImg"/>
-          </p:nvPr>
-        </p:nvSpPr>
-        <p:spPr/>
-      </p:sp>
-      <p:sp>
-        <p:nvSpPr>
-          <p:cNvPr id="3" name="Notes Placeholder 2"/>
-          <p:cNvSpPr>
-            <a:spLocks noGrp="1"/>
-          </p:cNvSpPr>
-          <p:nvPr>
-            <p:ph type="body" idx="1"/>
-          </p:nvPr>
-        </p:nvSpPr>
-        <p:spPr/>
-        <p:txBody>
-          <a:bodyPr/>
-          <a:lstStyle/>
-          <a:p>
-            <a:endParaRPr lang="en-US" dirty="0"/>
-          </a:p>
-        </p:txBody>
-      </p:sp>
-      <p:sp>
-        <p:nvSpPr>
-          <p:cNvPr id="4" name="Header Placeholder 3"/>
-          <p:cNvSpPr>
-            <a:spLocks noGrp="1"/>
-          </p:cNvSpPr>
-          <p:nvPr>
-            <p:ph type="hdr" sz="quarter" idx="10"/>
-          </p:nvPr>
-        </p:nvSpPr>
-        <p:spPr/>
-        <p:txBody>
-          <a:bodyPr/>
-          <a:lstStyle/>
-          <a:p>
-            <a:pPr>
-              <a:defRPr/>
-            </a:pPr>
-            <a:r>
-              <a:rPr lang="en-US" dirty="0" smtClean="0"/>
-              <a:t>SE 433</a:t>
-            </a:r>
-            <a:endParaRPr lang="en-US" dirty="0"/>
-          </a:p>
-        </p:txBody>
-      </p:sp>
-      <p:sp>
-        <p:nvSpPr>
-          <p:cNvPr id="5" name="Date Placeholder 4"/>
-          <p:cNvSpPr>
-            <a:spLocks noGrp="1"/>
-          </p:cNvSpPr>
-          <p:nvPr>
-            <p:ph type="dt" idx="11"/>
-          </p:nvPr>
-        </p:nvSpPr>
-        <p:spPr/>
-        <p:txBody>
-          <a:bodyPr/>
-          <a:lstStyle/>
-          <a:p>
-            <a:pPr>
-              <a:defRPr/>
-            </a:pPr>
-            <a:r>
-              <a:rPr lang="en-US" smtClean="0"/>
-              <a:t>May 23, 2017</a:t>
-            </a:r>
-            <a:endParaRPr lang="en-US" dirty="0"/>
-          </a:p>
-        </p:txBody>
-      </p:sp>
-      <p:sp>
-        <p:nvSpPr>
-          <p:cNvPr id="6" name="Footer Placeholder 5"/>
-          <p:cNvSpPr>
-            <a:spLocks noGrp="1"/>
-          </p:cNvSpPr>
-          <p:nvPr>
-            <p:ph type="ftr" sz="quarter" idx="12"/>
-          </p:nvPr>
-        </p:nvSpPr>
-        <p:spPr/>
-        <p:txBody>
-          <a:bodyPr/>
-          <a:lstStyle/>
-          <a:p>
-            <a:pPr>
-              <a:defRPr/>
-            </a:pPr>
-            <a:r>
-              <a:rPr lang="en-US" dirty="0" smtClean="0"/>
-              <a:t>Lecture 9</a:t>
-            </a:r>
-            <a:endParaRPr lang="en-US" dirty="0"/>
-          </a:p>
-        </p:txBody>
-      </p:sp>
-      <p:sp>
-        <p:nvSpPr>
-          <p:cNvPr id="7" name="Slide Number Placeholder 6"/>
-          <p:cNvSpPr>
-            <a:spLocks noGrp="1"/>
-          </p:cNvSpPr>
-          <p:nvPr>
-            <p:ph type="sldNum" sz="quarter" idx="13"/>
-          </p:nvPr>
-        </p:nvSpPr>
-        <p:spPr/>
-        <p:txBody>
-          <a:bodyPr/>
-          <a:lstStyle/>
-          <a:p>
-            <a:pPr>
-              <a:defRPr/>
-            </a:pPr>
-            <a:fld id="{F0410F35-0C47-794C-85F9-FC23048F5283}" type="slidenum">
-              <a:rPr lang="en-US" smtClean="0"/>
-              <a:pPr>
-                <a:defRPr/>
-              </a:pPr>
-              <a:t>57</a:t>
-            </a:fld>
-            <a:r>
-              <a:rPr lang="en-US" smtClean="0"/>
-              <a:t> of 102</a:t>
-            </a:r>
-            <a:endParaRPr lang="en-US" dirty="0"/>
-          </a:p>
-        </p:txBody>
-      </p:sp>
-    </p:spTree>
-    <p:extLst>
-      <p:ext uri="{BB962C8B-B14F-4D97-AF65-F5344CB8AC3E}">
-        <p14:creationId xmlns:p14="http://schemas.microsoft.com/office/powerpoint/2010/main" val="1590149017"/>
-      </p:ext>
-    </p:extLst>
-  </p:cSld>
-  <p:clrMapOvr>
-    <a:masterClrMapping/>
-  </p:clrMapOvr>
-</p:notes>
-</file>
-
-<file path=ppt/notesSlides/notesSlide17.xml><?xml version="1.0" encoding="utf-8"?>
-<p:notes xmlns:a="http://schemas.openxmlformats.org/drawingml/2006/main" xmlns:r="http://schemas.openxmlformats.org/officeDocument/2006/relationships" xmlns:p="http://schemas.openxmlformats.org/presentationml/2006/main">
-  <p:cSld>
-    <p:spTree>
-      <p:nvGrpSpPr>
-        <p:cNvPr id="1" name=""/>
-        <p:cNvGrpSpPr/>
-        <p:nvPr/>
-      </p:nvGrpSpPr>
-      <p:grpSpPr>
-        <a:xfrm>
-          <a:off x="0" y="0"/>
-          <a:ext cx="0" cy="0"/>
-          <a:chOff x="0" y="0"/>
-          <a:chExt cx="0" cy="0"/>
-        </a:xfrm>
-      </p:grpSpPr>
-      <p:sp>
-        <p:nvSpPr>
-          <p:cNvPr id="2" name="Slide Image Placeholder 1"/>
-          <p:cNvSpPr>
-            <a:spLocks noGrp="1" noRot="1" noChangeAspect="1"/>
-          </p:cNvSpPr>
-          <p:nvPr>
-            <p:ph type="sldImg"/>
-          </p:nvPr>
-        </p:nvSpPr>
-        <p:spPr/>
-      </p:sp>
-      <p:sp>
-        <p:nvSpPr>
-          <p:cNvPr id="3" name="Notes Placeholder 2"/>
-          <p:cNvSpPr>
-            <a:spLocks noGrp="1"/>
-          </p:cNvSpPr>
-          <p:nvPr>
-            <p:ph type="body" idx="1"/>
-          </p:nvPr>
-        </p:nvSpPr>
-        <p:spPr/>
-        <p:txBody>
-          <a:bodyPr/>
-          <a:lstStyle/>
-          <a:p>
-            <a:endParaRPr lang="en-US" dirty="0"/>
-          </a:p>
-        </p:txBody>
-      </p:sp>
-      <p:sp>
-        <p:nvSpPr>
-          <p:cNvPr id="4" name="Header Placeholder 3"/>
-          <p:cNvSpPr>
-            <a:spLocks noGrp="1"/>
-          </p:cNvSpPr>
-          <p:nvPr>
-            <p:ph type="hdr" sz="quarter" idx="10"/>
-          </p:nvPr>
-        </p:nvSpPr>
-        <p:spPr/>
-        <p:txBody>
-          <a:bodyPr/>
-          <a:lstStyle/>
-          <a:p>
-            <a:pPr>
-              <a:defRPr/>
-            </a:pPr>
-            <a:r>
-              <a:rPr lang="en-US" dirty="0" smtClean="0"/>
-              <a:t>SE 433</a:t>
-            </a:r>
-            <a:endParaRPr lang="en-US" dirty="0"/>
-          </a:p>
-        </p:txBody>
-      </p:sp>
-      <p:sp>
-        <p:nvSpPr>
-          <p:cNvPr id="5" name="Date Placeholder 4"/>
-          <p:cNvSpPr>
-            <a:spLocks noGrp="1"/>
-          </p:cNvSpPr>
-          <p:nvPr>
-            <p:ph type="dt" idx="11"/>
-          </p:nvPr>
-        </p:nvSpPr>
-        <p:spPr/>
-        <p:txBody>
-          <a:bodyPr/>
-          <a:lstStyle/>
-          <a:p>
-            <a:pPr>
-              <a:defRPr/>
-            </a:pPr>
-            <a:r>
-              <a:rPr lang="en-US" smtClean="0"/>
-              <a:t>May 23, 2017</a:t>
-            </a:r>
-            <a:endParaRPr lang="en-US" dirty="0"/>
-          </a:p>
-        </p:txBody>
-      </p:sp>
-      <p:sp>
-        <p:nvSpPr>
-          <p:cNvPr id="6" name="Footer Placeholder 5"/>
-          <p:cNvSpPr>
-            <a:spLocks noGrp="1"/>
-          </p:cNvSpPr>
-          <p:nvPr>
-            <p:ph type="ftr" sz="quarter" idx="12"/>
-          </p:nvPr>
-        </p:nvSpPr>
-        <p:spPr/>
-        <p:txBody>
-          <a:bodyPr/>
-          <a:lstStyle/>
-          <a:p>
-            <a:pPr>
-              <a:defRPr/>
-            </a:pPr>
-            <a:r>
-              <a:rPr lang="en-US" dirty="0" smtClean="0"/>
-              <a:t>Lecture 9</a:t>
-            </a:r>
-            <a:endParaRPr lang="en-US" dirty="0"/>
-          </a:p>
-        </p:txBody>
-      </p:sp>
-      <p:sp>
-        <p:nvSpPr>
-          <p:cNvPr id="7" name="Slide Number Placeholder 6"/>
-          <p:cNvSpPr>
-            <a:spLocks noGrp="1"/>
-          </p:cNvSpPr>
-          <p:nvPr>
-            <p:ph type="sldNum" sz="quarter" idx="13"/>
-          </p:nvPr>
-        </p:nvSpPr>
-        <p:spPr/>
-        <p:txBody>
-          <a:bodyPr/>
-          <a:lstStyle/>
-          <a:p>
-            <a:pPr>
-              <a:defRPr/>
-            </a:pPr>
-            <a:fld id="{F0410F35-0C47-794C-85F9-FC23048F5283}" type="slidenum">
-              <a:rPr lang="en-US" smtClean="0"/>
-              <a:pPr>
-                <a:defRPr/>
-              </a:pPr>
-              <a:t>58</a:t>
-            </a:fld>
-            <a:r>
-              <a:rPr lang="en-US" smtClean="0"/>
-              <a:t> of 102</a:t>
-            </a:r>
-            <a:endParaRPr lang="en-US" dirty="0"/>
-          </a:p>
-        </p:txBody>
-      </p:sp>
-    </p:spTree>
-    <p:extLst>
-      <p:ext uri="{BB962C8B-B14F-4D97-AF65-F5344CB8AC3E}">
-        <p14:creationId xmlns:p14="http://schemas.microsoft.com/office/powerpoint/2010/main" val="1048885754"/>
-      </p:ext>
-    </p:extLst>
-  </p:cSld>
-  <p:clrMapOvr>
-    <a:masterClrMapping/>
-  </p:clrMapOvr>
-</p:notes>
-</file>
-
-<file path=ppt/notesSlides/notesSlide18.xml><?xml version="1.0" encoding="utf-8"?>
-<p:notes xmlns:a="http://schemas.openxmlformats.org/drawingml/2006/main" xmlns:r="http://schemas.openxmlformats.org/officeDocument/2006/relationships" xmlns:p="http://schemas.openxmlformats.org/presentationml/2006/main">
-  <p:cSld>
-    <p:spTree>
-      <p:nvGrpSpPr>
-        <p:cNvPr id="1" name=""/>
-        <p:cNvGrpSpPr/>
-        <p:nvPr/>
-      </p:nvGrpSpPr>
-      <p:grpSpPr>
-        <a:xfrm>
-          <a:off x="0" y="0"/>
-          <a:ext cx="0" cy="0"/>
-          <a:chOff x="0" y="0"/>
-          <a:chExt cx="0" cy="0"/>
-        </a:xfrm>
-      </p:grpSpPr>
-      <p:sp>
-        <p:nvSpPr>
-          <p:cNvPr id="30721" name="Slide Image Placeholder 1"/>
-          <p:cNvSpPr>
-            <a:spLocks noGrp="1" noRot="1" noChangeAspect="1"/>
-          </p:cNvSpPr>
-          <p:nvPr>
-            <p:ph type="sldImg"/>
-          </p:nvPr>
-        </p:nvSpPr>
-        <p:spPr>
-          <a:solidFill>
-            <a:srgbClr val="FFFFFF"/>
-          </a:solidFill>
-          <a:ln/>
-        </p:spPr>
-      </p:sp>
-      <p:sp>
-        <p:nvSpPr>
-          <p:cNvPr id="30722" name="Notes Placeholder 2"/>
-          <p:cNvSpPr>
-            <a:spLocks noGrp="1"/>
-          </p:cNvSpPr>
-          <p:nvPr>
-            <p:ph type="body" idx="1"/>
-          </p:nvPr>
-        </p:nvSpPr>
-        <p:spPr>
-          <a:xfrm>
-            <a:off x="685800" y="4343400"/>
-            <a:ext cx="5486400" cy="4114800"/>
-          </a:xfrm>
-          <a:noFill/>
-          <a:ln>
-            <a:solidFill>
-              <a:srgbClr val="000000"/>
-            </a:solidFill>
-          </a:ln>
-          <a:extLst>
-            <a:ext uri="{909E8E84-426E-40dd-AFC4-6F175D3DCCD1}">
-              <a14:hiddenFill xmlns:a14="http://schemas.microsoft.com/office/drawing/2010/main" xmlns="">
-                <a:solidFill>
-                  <a:srgbClr val="FFFFFF"/>
-                </a:solidFill>
-              </a14:hiddenFill>
-            </a:ext>
-          </a:extLst>
-        </p:spPr>
-        <p:txBody>
-          <a:bodyPr/>
-          <a:lstStyle/>
-          <a:p>
-            <a:r>
-              <a:rPr lang="en-US" dirty="0">
-                <a:latin typeface="Calibri" charset="0"/>
-              </a:rPr>
-              <a:t>The systematic testing techniques discussed in </a:t>
-            </a:r>
-            <a:r>
-              <a:rPr lang="en-US" dirty="0" smtClean="0">
-                <a:latin typeface="Calibri" charset="0"/>
-              </a:rPr>
-              <a:t>previously (</a:t>
-            </a:r>
-            <a:r>
-              <a:rPr lang="en-US" dirty="0">
-                <a:latin typeface="Calibri" charset="0"/>
-              </a:rPr>
-              <a:t>specification-based testing, structural testing, model-based testing, et al</a:t>
-            </a:r>
-            <a:r>
-              <a:rPr lang="en-US" dirty="0" smtClean="0">
-                <a:latin typeface="Calibri" charset="0"/>
-              </a:rPr>
-              <a:t>) are </a:t>
-            </a:r>
-            <a:r>
-              <a:rPr lang="en-US" dirty="0">
-                <a:latin typeface="Calibri" charset="0"/>
-              </a:rPr>
-              <a:t>all designed to make the search for faults as effective as possible.  They are intentionally </a:t>
-            </a:r>
-            <a:r>
-              <a:rPr lang="ja-JP" altLang="en-US" dirty="0">
-                <a:latin typeface="Calibri" charset="0"/>
-              </a:rPr>
-              <a:t>“</a:t>
-            </a:r>
-            <a:r>
-              <a:rPr lang="en-US" altLang="ja-JP" dirty="0">
-                <a:latin typeface="Calibri" charset="0"/>
-              </a:rPr>
-              <a:t>biased</a:t>
-            </a:r>
-            <a:r>
-              <a:rPr lang="ja-JP" altLang="en-US" dirty="0">
-                <a:latin typeface="Calibri" charset="0"/>
-              </a:rPr>
-              <a:t>”</a:t>
-            </a:r>
-            <a:r>
-              <a:rPr lang="en-US" altLang="ja-JP" dirty="0">
-                <a:latin typeface="Calibri" charset="0"/>
-              </a:rPr>
-              <a:t> to take more samples where </a:t>
-            </a:r>
-            <a:r>
-              <a:rPr lang="en-US" dirty="0" smtClean="0">
-                <a:latin typeface="Calibri" charset="0"/>
-              </a:rPr>
-              <a:t>we </a:t>
-            </a:r>
-            <a:r>
-              <a:rPr lang="en-US" dirty="0">
-                <a:latin typeface="Calibri" charset="0"/>
-              </a:rPr>
-              <a:t>think faults might be.  Statistical measures of dependability require, instead, unbiased samples from the population of operational behaviors. </a:t>
-            </a:r>
-          </a:p>
-        </p:txBody>
-      </p:sp>
-      <p:sp>
-        <p:nvSpPr>
-          <p:cNvPr id="4" name="Date Placeholder 3"/>
-          <p:cNvSpPr>
-            <a:spLocks noGrp="1"/>
-          </p:cNvSpPr>
-          <p:nvPr>
-            <p:ph type="dt" idx="10"/>
-          </p:nvPr>
-        </p:nvSpPr>
-        <p:spPr/>
-        <p:txBody>
-          <a:bodyPr/>
-          <a:lstStyle/>
-          <a:p>
-            <a:pPr>
-              <a:defRPr/>
-            </a:pPr>
-            <a:r>
-              <a:rPr lang="en-US" smtClean="0"/>
-              <a:t>May 23, 2017</a:t>
-            </a:r>
-            <a:endParaRPr lang="en-US" dirty="0"/>
-          </a:p>
-        </p:txBody>
-      </p:sp>
-      <p:sp>
-        <p:nvSpPr>
-          <p:cNvPr id="7" name="Footer Placeholder 6"/>
-          <p:cNvSpPr>
-            <a:spLocks noGrp="1"/>
-          </p:cNvSpPr>
-          <p:nvPr>
-            <p:ph type="ftr" sz="quarter" idx="11"/>
-          </p:nvPr>
-        </p:nvSpPr>
-        <p:spPr/>
-        <p:txBody>
-          <a:bodyPr/>
-          <a:lstStyle/>
-          <a:p>
-            <a:pPr>
-              <a:defRPr/>
-            </a:pPr>
-            <a:r>
-              <a:rPr lang="en-US" dirty="0" smtClean="0"/>
-              <a:t>Lecture 9</a:t>
-            </a:r>
-            <a:endParaRPr lang="en-US" dirty="0"/>
-          </a:p>
-        </p:txBody>
-      </p:sp>
-      <p:sp>
-        <p:nvSpPr>
-          <p:cNvPr id="9" name="Header Placeholder 8"/>
-          <p:cNvSpPr>
-            <a:spLocks noGrp="1"/>
-          </p:cNvSpPr>
-          <p:nvPr>
-            <p:ph type="hdr" sz="quarter" idx="13"/>
-          </p:nvPr>
-        </p:nvSpPr>
-        <p:spPr/>
-        <p:txBody>
-          <a:bodyPr/>
-          <a:lstStyle/>
-          <a:p>
-            <a:pPr>
-              <a:defRPr/>
-            </a:pPr>
-            <a:r>
-              <a:rPr lang="en-US" dirty="0" smtClean="0"/>
-              <a:t>SE 433</a:t>
-            </a:r>
-            <a:endParaRPr lang="en-US" dirty="0"/>
-          </a:p>
-        </p:txBody>
-      </p:sp>
-      <p:sp>
-        <p:nvSpPr>
-          <p:cNvPr id="2" name="Slide Number Placeholder 1"/>
-          <p:cNvSpPr>
-            <a:spLocks noGrp="1"/>
-          </p:cNvSpPr>
-          <p:nvPr>
-            <p:ph type="sldNum" sz="quarter" idx="14"/>
-          </p:nvPr>
-        </p:nvSpPr>
-        <p:spPr/>
-        <p:txBody>
-          <a:bodyPr/>
-          <a:lstStyle/>
-          <a:p>
-            <a:pPr>
-              <a:defRPr/>
-            </a:pPr>
-            <a:fld id="{F0410F35-0C47-794C-85F9-FC23048F5283}" type="slidenum">
-              <a:rPr lang="en-US" smtClean="0"/>
-              <a:pPr>
-                <a:defRPr/>
-              </a:pPr>
-              <a:t>59</a:t>
-            </a:fld>
-            <a:r>
-              <a:rPr lang="en-US" smtClean="0"/>
-              <a:t> of 102</a:t>
-            </a:r>
-            <a:endParaRPr lang="en-US" dirty="0"/>
-          </a:p>
-        </p:txBody>
-      </p:sp>
-    </p:spTree>
-    <p:extLst>
-      <p:ext uri="{BB962C8B-B14F-4D97-AF65-F5344CB8AC3E}">
-        <p14:creationId xmlns:p14="http://schemas.microsoft.com/office/powerpoint/2010/main" val="261134326"/>
-      </p:ext>
-    </p:extLst>
-  </p:cSld>
-  <p:clrMapOvr>
-    <a:masterClrMapping/>
-  </p:clrMapOvr>
-</p:notes>
-</file>
-
-<file path=ppt/notesSlides/notesSlide19.xml><?xml version="1.0" encoding="utf-8"?>
-<p:notes xmlns:a="http://schemas.openxmlformats.org/drawingml/2006/main" xmlns:r="http://schemas.openxmlformats.org/officeDocument/2006/relationships" xmlns:p="http://schemas.openxmlformats.org/presentationml/2006/main">
-  <p:cSld>
-    <p:spTree>
-      <p:nvGrpSpPr>
-        <p:cNvPr id="1" name=""/>
-        <p:cNvGrpSpPr/>
-        <p:nvPr/>
-      </p:nvGrpSpPr>
-      <p:grpSpPr>
-        <a:xfrm>
-          <a:off x="0" y="0"/>
-          <a:ext cx="0" cy="0"/>
-          <a:chOff x="0" y="0"/>
-          <a:chExt cx="0" cy="0"/>
-        </a:xfrm>
-      </p:grpSpPr>
-      <p:sp>
-        <p:nvSpPr>
-          <p:cNvPr id="2" name="Slide Image Placeholder 1"/>
-          <p:cNvSpPr>
-            <a:spLocks noGrp="1" noRot="1" noChangeAspect="1"/>
-          </p:cNvSpPr>
-          <p:nvPr>
-            <p:ph type="sldImg"/>
-          </p:nvPr>
-        </p:nvSpPr>
-        <p:spPr/>
-      </p:sp>
-      <p:sp>
-        <p:nvSpPr>
-          <p:cNvPr id="3" name="Notes Placeholder 2"/>
-          <p:cNvSpPr>
-            <a:spLocks noGrp="1"/>
-          </p:cNvSpPr>
-          <p:nvPr>
-            <p:ph type="body" idx="1"/>
-          </p:nvPr>
-        </p:nvSpPr>
-        <p:spPr/>
-        <p:txBody>
-          <a:bodyPr/>
-          <a:lstStyle/>
-          <a:p>
-            <a:endParaRPr lang="en-US" dirty="0"/>
-          </a:p>
-        </p:txBody>
-      </p:sp>
-      <p:sp>
-        <p:nvSpPr>
-          <p:cNvPr id="4" name="Header Placeholder 3"/>
-          <p:cNvSpPr>
-            <a:spLocks noGrp="1"/>
-          </p:cNvSpPr>
-          <p:nvPr>
-            <p:ph type="hdr" sz="quarter" idx="10"/>
-          </p:nvPr>
-        </p:nvSpPr>
-        <p:spPr/>
-        <p:txBody>
-          <a:bodyPr/>
-          <a:lstStyle/>
-          <a:p>
-            <a:pPr>
-              <a:defRPr/>
-            </a:pPr>
-            <a:r>
-              <a:rPr lang="en-US" dirty="0" smtClean="0"/>
-              <a:t>SE 433</a:t>
-            </a:r>
-            <a:endParaRPr lang="en-US" dirty="0"/>
-          </a:p>
-        </p:txBody>
-      </p:sp>
-      <p:sp>
-        <p:nvSpPr>
-          <p:cNvPr id="5" name="Date Placeholder 4"/>
-          <p:cNvSpPr>
-            <a:spLocks noGrp="1"/>
-          </p:cNvSpPr>
-          <p:nvPr>
-            <p:ph type="dt" idx="11"/>
-          </p:nvPr>
-        </p:nvSpPr>
-        <p:spPr/>
-        <p:txBody>
-          <a:bodyPr/>
-          <a:lstStyle/>
-          <a:p>
-            <a:pPr>
-              <a:defRPr/>
-            </a:pPr>
-            <a:r>
-              <a:rPr lang="en-US" smtClean="0"/>
-              <a:t>May 23, 2017</a:t>
-            </a:r>
-            <a:endParaRPr lang="en-US" dirty="0"/>
-          </a:p>
-        </p:txBody>
-      </p:sp>
-      <p:sp>
-        <p:nvSpPr>
-          <p:cNvPr id="6" name="Footer Placeholder 5"/>
-          <p:cNvSpPr>
-            <a:spLocks noGrp="1"/>
-          </p:cNvSpPr>
-          <p:nvPr>
-            <p:ph type="ftr" sz="quarter" idx="12"/>
-          </p:nvPr>
-        </p:nvSpPr>
-        <p:spPr/>
-        <p:txBody>
-          <a:bodyPr/>
-          <a:lstStyle/>
-          <a:p>
-            <a:pPr>
-              <a:defRPr/>
-            </a:pPr>
-            <a:r>
-              <a:rPr lang="en-US" dirty="0" smtClean="0"/>
-              <a:t>Lecture 9</a:t>
-            </a:r>
-            <a:endParaRPr lang="en-US" dirty="0"/>
-          </a:p>
-        </p:txBody>
-      </p:sp>
-      <p:sp>
-        <p:nvSpPr>
-          <p:cNvPr id="7" name="Slide Number Placeholder 6"/>
-          <p:cNvSpPr>
-            <a:spLocks noGrp="1"/>
-          </p:cNvSpPr>
-          <p:nvPr>
-            <p:ph type="sldNum" sz="quarter" idx="13"/>
-          </p:nvPr>
-        </p:nvSpPr>
-        <p:spPr/>
-        <p:txBody>
-          <a:bodyPr/>
-          <a:lstStyle/>
-          <a:p>
-            <a:pPr>
-              <a:defRPr/>
-            </a:pPr>
-            <a:fld id="{F0410F35-0C47-794C-85F9-FC23048F5283}" type="slidenum">
-              <a:rPr lang="en-US" smtClean="0"/>
-              <a:pPr>
-                <a:defRPr/>
-              </a:pPr>
-              <a:t>60</a:t>
-            </a:fld>
-            <a:r>
-              <a:rPr lang="en-US" smtClean="0"/>
-              <a:t> of 102</a:t>
-            </a:r>
-            <a:endParaRPr lang="en-US" dirty="0"/>
-          </a:p>
-        </p:txBody>
-      </p:sp>
-    </p:spTree>
-    <p:extLst>
-      <p:ext uri="{BB962C8B-B14F-4D97-AF65-F5344CB8AC3E}">
-        <p14:creationId xmlns:p14="http://schemas.microsoft.com/office/powerpoint/2010/main" val="1205169758"/>
-      </p:ext>
-    </p:extLst>
-  </p:cSld>
-  <p:clrMapOvr>
-    <a:masterClrMapping/>
-  </p:clrMapOvr>
-</p:notes>
-</file>
-
-<file path=ppt/notesSlides/notesSlide2.xml><?xml version="1.0" encoding="utf-8"?>
-<p:notes xmlns:a="http://schemas.openxmlformats.org/drawingml/2006/main" xmlns:r="http://schemas.openxmlformats.org/officeDocument/2006/relationships" xmlns:p="http://schemas.openxmlformats.org/presentationml/2006/main">
-  <p:cSld>
-    <p:spTree>
-      <p:nvGrpSpPr>
-        <p:cNvPr id="1" name=""/>
-        <p:cNvGrpSpPr/>
-        <p:nvPr/>
-      </p:nvGrpSpPr>
-      <p:grpSpPr>
-        <a:xfrm>
-          <a:off x="0" y="0"/>
-          <a:ext cx="0" cy="0"/>
-          <a:chOff x="0" y="0"/>
-          <a:chExt cx="0" cy="0"/>
-        </a:xfrm>
-      </p:grpSpPr>
-      <p:sp>
-        <p:nvSpPr>
-          <p:cNvPr id="2" name="Slide Image Placeholder 1"/>
-          <p:cNvSpPr>
-            <a:spLocks noGrp="1" noRot="1" noChangeAspect="1"/>
-          </p:cNvSpPr>
-          <p:nvPr>
-            <p:ph type="sldImg"/>
-          </p:nvPr>
-        </p:nvSpPr>
-        <p:spPr/>
-      </p:sp>
-      <p:sp>
-        <p:nvSpPr>
-          <p:cNvPr id="3" name="Notes Placeholder 2"/>
-          <p:cNvSpPr>
-            <a:spLocks noGrp="1"/>
-          </p:cNvSpPr>
-          <p:nvPr>
-            <p:ph type="body" idx="1"/>
-          </p:nvPr>
-        </p:nvSpPr>
-        <p:spPr/>
-        <p:txBody>
-          <a:bodyPr/>
-          <a:lstStyle/>
-          <a:p>
-            <a:endParaRPr lang="en-US" dirty="0"/>
-          </a:p>
-        </p:txBody>
-      </p:sp>
-      <p:sp>
-        <p:nvSpPr>
-          <p:cNvPr id="4" name="Header Placeholder 3"/>
-          <p:cNvSpPr>
-            <a:spLocks noGrp="1"/>
-          </p:cNvSpPr>
-          <p:nvPr>
-            <p:ph type="hdr" sz="quarter" idx="10"/>
-          </p:nvPr>
-        </p:nvSpPr>
-        <p:spPr/>
-        <p:txBody>
-          <a:bodyPr/>
-          <a:lstStyle/>
-          <a:p>
-            <a:pPr>
-              <a:defRPr/>
-            </a:pPr>
-            <a:r>
-              <a:rPr lang="en-US" dirty="0" smtClean="0"/>
-              <a:t>SE 433</a:t>
-            </a:r>
-            <a:endParaRPr lang="en-US" dirty="0"/>
-          </a:p>
-        </p:txBody>
-      </p:sp>
-      <p:sp>
-        <p:nvSpPr>
-          <p:cNvPr id="5" name="Date Placeholder 4"/>
-          <p:cNvSpPr>
-            <a:spLocks noGrp="1"/>
-          </p:cNvSpPr>
-          <p:nvPr>
-            <p:ph type="dt" idx="11"/>
-          </p:nvPr>
-        </p:nvSpPr>
-        <p:spPr/>
-        <p:txBody>
-          <a:bodyPr/>
-          <a:lstStyle/>
-          <a:p>
-            <a:pPr>
-              <a:defRPr/>
-            </a:pPr>
-            <a:r>
-              <a:rPr lang="en-US" smtClean="0"/>
-              <a:t>May 23, 2017</a:t>
-            </a:r>
-            <a:endParaRPr lang="en-US" dirty="0"/>
-          </a:p>
-        </p:txBody>
-      </p:sp>
-      <p:sp>
-        <p:nvSpPr>
-          <p:cNvPr id="6" name="Footer Placeholder 5"/>
-          <p:cNvSpPr>
-            <a:spLocks noGrp="1"/>
-          </p:cNvSpPr>
-          <p:nvPr>
-            <p:ph type="ftr" sz="quarter" idx="12"/>
-          </p:nvPr>
-        </p:nvSpPr>
-        <p:spPr/>
-        <p:txBody>
-          <a:bodyPr/>
-          <a:lstStyle/>
-          <a:p>
-            <a:pPr>
-              <a:defRPr/>
-            </a:pPr>
-            <a:r>
-              <a:rPr lang="en-US" dirty="0" smtClean="0"/>
-              <a:t>Lecture 9</a:t>
-            </a:r>
-            <a:endParaRPr lang="en-US" dirty="0"/>
-          </a:p>
-        </p:txBody>
-      </p:sp>
-      <p:sp>
-        <p:nvSpPr>
-          <p:cNvPr id="7" name="Slide Number Placeholder 6"/>
-          <p:cNvSpPr>
-            <a:spLocks noGrp="1"/>
-          </p:cNvSpPr>
-          <p:nvPr>
-            <p:ph type="sldNum" sz="quarter" idx="13"/>
-          </p:nvPr>
-        </p:nvSpPr>
-        <p:spPr/>
-        <p:txBody>
-          <a:bodyPr/>
-          <a:lstStyle/>
-          <a:p>
-            <a:pPr>
-              <a:defRPr/>
-            </a:pPr>
-            <a:fld id="{F0410F35-0C47-794C-85F9-FC23048F5283}" type="slidenum">
-              <a:rPr lang="en-US" smtClean="0"/>
-              <a:pPr>
-                <a:defRPr/>
-              </a:pPr>
-              <a:t>4</a:t>
-            </a:fld>
-            <a:r>
-              <a:rPr lang="en-US" smtClean="0"/>
-              <a:t> of 102</a:t>
-            </a:r>
-            <a:endParaRPr lang="en-US" dirty="0"/>
-          </a:p>
-        </p:txBody>
-      </p:sp>
-    </p:spTree>
-    <p:extLst>
-      <p:ext uri="{BB962C8B-B14F-4D97-AF65-F5344CB8AC3E}">
-        <p14:creationId xmlns:p14="http://schemas.microsoft.com/office/powerpoint/2010/main" val="2543550388"/>
-      </p:ext>
-    </p:extLst>
-  </p:cSld>
-  <p:clrMapOvr>
-    <a:masterClrMapping/>
-  </p:clrMapOvr>
-</p:notes>
-</file>
-
-<file path=ppt/notesSlides/notesSlide20.xml><?xml version="1.0" encoding="utf-8"?>
-<p:notes xmlns:a="http://schemas.openxmlformats.org/drawingml/2006/main" xmlns:r="http://schemas.openxmlformats.org/officeDocument/2006/relationships" xmlns:p="http://schemas.openxmlformats.org/presentationml/2006/main">
-  <p:cSld>
-    <p:spTree>
-      <p:nvGrpSpPr>
-        <p:cNvPr id="1" name=""/>
-        <p:cNvGrpSpPr/>
-        <p:nvPr/>
-      </p:nvGrpSpPr>
-      <p:grpSpPr>
-        <a:xfrm>
-          <a:off x="0" y="0"/>
-          <a:ext cx="0" cy="0"/>
-          <a:chOff x="0" y="0"/>
-          <a:chExt cx="0" cy="0"/>
-        </a:xfrm>
-      </p:grpSpPr>
-      <p:sp>
-        <p:nvSpPr>
-          <p:cNvPr id="2" name="Slide Image Placeholder 1"/>
-          <p:cNvSpPr>
-            <a:spLocks noGrp="1" noRot="1" noChangeAspect="1"/>
-          </p:cNvSpPr>
-          <p:nvPr>
-            <p:ph type="sldImg"/>
-          </p:nvPr>
-        </p:nvSpPr>
-        <p:spPr/>
-      </p:sp>
-      <p:sp>
-        <p:nvSpPr>
-          <p:cNvPr id="3" name="Notes Placeholder 2"/>
-          <p:cNvSpPr>
-            <a:spLocks noGrp="1"/>
-          </p:cNvSpPr>
-          <p:nvPr>
-            <p:ph type="body" idx="1"/>
-          </p:nvPr>
-        </p:nvSpPr>
-        <p:spPr/>
-        <p:txBody>
-          <a:bodyPr/>
-          <a:lstStyle/>
-          <a:p>
-            <a:endParaRPr lang="en-US" dirty="0"/>
-          </a:p>
-        </p:txBody>
-      </p:sp>
-      <p:sp>
-        <p:nvSpPr>
-          <p:cNvPr id="4" name="Header Placeholder 3"/>
-          <p:cNvSpPr>
-            <a:spLocks noGrp="1"/>
-          </p:cNvSpPr>
-          <p:nvPr>
-            <p:ph type="hdr" sz="quarter" idx="10"/>
-          </p:nvPr>
-        </p:nvSpPr>
-        <p:spPr/>
-        <p:txBody>
-          <a:bodyPr/>
-          <a:lstStyle/>
-          <a:p>
-            <a:pPr>
-              <a:defRPr/>
-            </a:pPr>
-            <a:r>
-              <a:rPr lang="en-US" dirty="0" smtClean="0"/>
-              <a:t>SE 433</a:t>
-            </a:r>
-            <a:endParaRPr lang="en-US" dirty="0"/>
-          </a:p>
-        </p:txBody>
-      </p:sp>
-      <p:sp>
-        <p:nvSpPr>
-          <p:cNvPr id="5" name="Date Placeholder 4"/>
-          <p:cNvSpPr>
-            <a:spLocks noGrp="1"/>
-          </p:cNvSpPr>
-          <p:nvPr>
-            <p:ph type="dt" idx="11"/>
-          </p:nvPr>
-        </p:nvSpPr>
-        <p:spPr/>
-        <p:txBody>
-          <a:bodyPr/>
-          <a:lstStyle/>
-          <a:p>
-            <a:pPr>
-              <a:defRPr/>
-            </a:pPr>
-            <a:r>
-              <a:rPr lang="en-US" smtClean="0"/>
-              <a:t>May 23, 2017</a:t>
-            </a:r>
-            <a:endParaRPr lang="en-US" dirty="0"/>
-          </a:p>
-        </p:txBody>
-      </p:sp>
-      <p:sp>
-        <p:nvSpPr>
-          <p:cNvPr id="6" name="Footer Placeholder 5"/>
-          <p:cNvSpPr>
-            <a:spLocks noGrp="1"/>
-          </p:cNvSpPr>
-          <p:nvPr>
-            <p:ph type="ftr" sz="quarter" idx="12"/>
-          </p:nvPr>
-        </p:nvSpPr>
-        <p:spPr/>
-        <p:txBody>
-          <a:bodyPr/>
-          <a:lstStyle/>
-          <a:p>
-            <a:pPr>
-              <a:defRPr/>
-            </a:pPr>
-            <a:r>
-              <a:rPr lang="en-US" dirty="0" smtClean="0"/>
-              <a:t>Lecture 9</a:t>
-            </a:r>
-            <a:endParaRPr lang="en-US" dirty="0"/>
-          </a:p>
-        </p:txBody>
-      </p:sp>
-      <p:sp>
-        <p:nvSpPr>
-          <p:cNvPr id="7" name="Slide Number Placeholder 6"/>
-          <p:cNvSpPr>
-            <a:spLocks noGrp="1"/>
-          </p:cNvSpPr>
-          <p:nvPr>
-            <p:ph type="sldNum" sz="quarter" idx="13"/>
-          </p:nvPr>
-        </p:nvSpPr>
-        <p:spPr/>
-        <p:txBody>
-          <a:bodyPr/>
-          <a:lstStyle/>
-          <a:p>
-            <a:pPr>
-              <a:defRPr/>
-            </a:pPr>
-            <a:fld id="{F0410F35-0C47-794C-85F9-FC23048F5283}" type="slidenum">
-              <a:rPr lang="en-US" smtClean="0"/>
-              <a:pPr>
-                <a:defRPr/>
-              </a:pPr>
-              <a:t>61</a:t>
-            </a:fld>
-            <a:r>
-              <a:rPr lang="en-US" smtClean="0"/>
-              <a:t> of 102</a:t>
-            </a:r>
-            <a:endParaRPr lang="en-US" dirty="0"/>
-          </a:p>
-        </p:txBody>
-      </p:sp>
-    </p:spTree>
-    <p:extLst>
-      <p:ext uri="{BB962C8B-B14F-4D97-AF65-F5344CB8AC3E}">
-        <p14:creationId xmlns:p14="http://schemas.microsoft.com/office/powerpoint/2010/main" val="3550342549"/>
-      </p:ext>
-    </p:extLst>
-  </p:cSld>
-  <p:clrMapOvr>
-    <a:masterClrMapping/>
-  </p:clrMapOvr>
-</p:notes>
-</file>
-
-<file path=ppt/notesSlides/notesSlide21.xml><?xml version="1.0" encoding="utf-8"?>
-<p:notes xmlns:a="http://schemas.openxmlformats.org/drawingml/2006/main" xmlns:r="http://schemas.openxmlformats.org/officeDocument/2006/relationships" xmlns:p="http://schemas.openxmlformats.org/presentationml/2006/main">
-  <p:cSld>
-    <p:spTree>
-      <p:nvGrpSpPr>
-        <p:cNvPr id="1" name=""/>
-        <p:cNvGrpSpPr/>
-        <p:nvPr/>
-      </p:nvGrpSpPr>
-      <p:grpSpPr>
-        <a:xfrm>
-          <a:off x="0" y="0"/>
-          <a:ext cx="0" cy="0"/>
-          <a:chOff x="0" y="0"/>
-          <a:chExt cx="0" cy="0"/>
-        </a:xfrm>
-      </p:grpSpPr>
-      <p:sp>
-        <p:nvSpPr>
-          <p:cNvPr id="34817" name="Slide Image Placeholder 1"/>
-          <p:cNvSpPr>
-            <a:spLocks noGrp="1" noRot="1" noChangeAspect="1"/>
-          </p:cNvSpPr>
-          <p:nvPr>
-            <p:ph type="sldImg"/>
-          </p:nvPr>
-        </p:nvSpPr>
-        <p:spPr>
-          <a:solidFill>
-            <a:srgbClr val="FFFFFF"/>
-          </a:solidFill>
-          <a:ln/>
-        </p:spPr>
-      </p:sp>
-      <p:sp>
-        <p:nvSpPr>
-          <p:cNvPr id="34818" name="Notes Placeholder 2"/>
-          <p:cNvSpPr>
-            <a:spLocks noGrp="1"/>
-          </p:cNvSpPr>
-          <p:nvPr>
-            <p:ph type="body" idx="1"/>
-          </p:nvPr>
-        </p:nvSpPr>
-        <p:spPr>
-          <a:xfrm>
-            <a:off x="685800" y="4343400"/>
-            <a:ext cx="5486400" cy="4114800"/>
-          </a:xfrm>
-          <a:noFill/>
-          <a:ln>
-            <a:solidFill>
-              <a:srgbClr val="000000"/>
-            </a:solidFill>
-          </a:ln>
-          <a:extLst>
-            <a:ext uri="{909E8E84-426E-40dd-AFC4-6F175D3DCCD1}">
-              <a14:hiddenFill xmlns:a14="http://schemas.microsoft.com/office/drawing/2010/main" xmlns="">
-                <a:solidFill>
-                  <a:srgbClr val="FFFFFF"/>
-                </a:solidFill>
-              </a14:hiddenFill>
-            </a:ext>
-          </a:extLst>
-        </p:spPr>
-        <p:txBody>
-          <a:bodyPr/>
-          <a:lstStyle/>
-          <a:p>
-            <a:r>
-              <a:rPr lang="en-US" dirty="0">
-                <a:latin typeface="Calibri" charset="0"/>
-              </a:rPr>
-              <a:t>An early release of half-baked software is not what we mean by alpha and beta testing. </a:t>
-            </a:r>
-          </a:p>
-          <a:p>
-            <a:r>
-              <a:rPr lang="en-US" dirty="0">
-                <a:latin typeface="Calibri" charset="0"/>
-              </a:rPr>
-              <a:t>Note that today </a:t>
-            </a:r>
-            <a:r>
-              <a:rPr lang="ja-JP" altLang="en-US" dirty="0">
-                <a:latin typeface="Calibri" charset="0"/>
-              </a:rPr>
-              <a:t>“</a:t>
-            </a:r>
-            <a:r>
-              <a:rPr lang="en-US" altLang="ja-JP" dirty="0">
-                <a:latin typeface="Calibri" charset="0"/>
-              </a:rPr>
-              <a:t>alpha</a:t>
-            </a:r>
-            <a:r>
-              <a:rPr lang="ja-JP" altLang="en-US" dirty="0">
-                <a:latin typeface="Calibri" charset="0"/>
-              </a:rPr>
-              <a:t>”</a:t>
-            </a:r>
-            <a:r>
-              <a:rPr lang="en-US" altLang="ja-JP" dirty="0">
-                <a:latin typeface="Calibri" charset="0"/>
-              </a:rPr>
-              <a:t> and </a:t>
-            </a:r>
-            <a:r>
-              <a:rPr lang="ja-JP" altLang="en-US" dirty="0">
-                <a:latin typeface="Calibri" charset="0"/>
-              </a:rPr>
-              <a:t>“</a:t>
-            </a:r>
-            <a:r>
-              <a:rPr lang="en-US" altLang="ja-JP" dirty="0">
-                <a:latin typeface="Calibri" charset="0"/>
-              </a:rPr>
-              <a:t>beta</a:t>
-            </a:r>
-            <a:r>
-              <a:rPr lang="ja-JP" altLang="en-US" dirty="0">
-                <a:latin typeface="Calibri" charset="0"/>
-              </a:rPr>
-              <a:t>”</a:t>
-            </a:r>
-            <a:r>
-              <a:rPr lang="en-US" altLang="ja-JP" dirty="0">
-                <a:latin typeface="Calibri" charset="0"/>
-              </a:rPr>
-              <a:t> are often used informally, but here we are using them in their established technical sense for a testing process. </a:t>
-            </a:r>
-          </a:p>
-          <a:p>
-            <a:r>
-              <a:rPr lang="en-US" dirty="0">
-                <a:latin typeface="Calibri" charset="0"/>
-              </a:rPr>
-              <a:t>An alpha test involves bringing users on-site to use the system. </a:t>
-            </a:r>
-          </a:p>
-          <a:p>
-            <a:r>
-              <a:rPr lang="en-US" dirty="0">
-                <a:latin typeface="Calibri" charset="0"/>
-              </a:rPr>
-              <a:t>A beta test means providing the software to a controlled sample of users to use the system in their own environment. </a:t>
-            </a:r>
-          </a:p>
-          <a:p>
-            <a:r>
-              <a:rPr lang="en-US" dirty="0">
-                <a:latin typeface="Calibri" charset="0"/>
-              </a:rPr>
-              <a:t>In both cases, to make any reasonable inference of dependability we need a valid sample of users. </a:t>
-            </a:r>
-          </a:p>
-          <a:p>
-            <a:endParaRPr lang="en-US" dirty="0">
-              <a:latin typeface="Calibri" charset="0"/>
-            </a:endParaRPr>
-          </a:p>
-          <a:p>
-            <a:r>
-              <a:rPr lang="en-US" dirty="0">
-                <a:latin typeface="Calibri" charset="0"/>
-              </a:rPr>
-              <a:t>Using the history of system testing was discussed in Chapter 20, Planning and monitoring, and is illustrated </a:t>
-            </a:r>
-          </a:p>
-        </p:txBody>
-      </p:sp>
-      <p:sp>
-        <p:nvSpPr>
-          <p:cNvPr id="4" name="Date Placeholder 3"/>
-          <p:cNvSpPr>
-            <a:spLocks noGrp="1"/>
-          </p:cNvSpPr>
-          <p:nvPr>
-            <p:ph type="dt" idx="10"/>
-          </p:nvPr>
-        </p:nvSpPr>
-        <p:spPr/>
-        <p:txBody>
-          <a:bodyPr/>
-          <a:lstStyle/>
-          <a:p>
-            <a:pPr>
-              <a:defRPr/>
-            </a:pPr>
-            <a:r>
-              <a:rPr lang="en-US" smtClean="0"/>
-              <a:t>May 23, 2017</a:t>
-            </a:r>
-            <a:endParaRPr lang="en-US" dirty="0"/>
-          </a:p>
-        </p:txBody>
-      </p:sp>
-      <p:sp>
-        <p:nvSpPr>
-          <p:cNvPr id="7" name="Footer Placeholder 6"/>
-          <p:cNvSpPr>
-            <a:spLocks noGrp="1"/>
-          </p:cNvSpPr>
-          <p:nvPr>
-            <p:ph type="ftr" sz="quarter" idx="11"/>
-          </p:nvPr>
-        </p:nvSpPr>
-        <p:spPr/>
-        <p:txBody>
-          <a:bodyPr/>
-          <a:lstStyle/>
-          <a:p>
-            <a:pPr>
-              <a:defRPr/>
-            </a:pPr>
-            <a:r>
-              <a:rPr lang="en-US" dirty="0" smtClean="0"/>
-              <a:t>Lecture 9</a:t>
-            </a:r>
-            <a:endParaRPr lang="en-US" dirty="0"/>
-          </a:p>
-        </p:txBody>
-      </p:sp>
-      <p:sp>
-        <p:nvSpPr>
-          <p:cNvPr id="9" name="Header Placeholder 8"/>
-          <p:cNvSpPr>
-            <a:spLocks noGrp="1"/>
-          </p:cNvSpPr>
-          <p:nvPr>
-            <p:ph type="hdr" sz="quarter" idx="13"/>
-          </p:nvPr>
-        </p:nvSpPr>
-        <p:spPr/>
-        <p:txBody>
-          <a:bodyPr/>
-          <a:lstStyle/>
-          <a:p>
-            <a:pPr>
-              <a:defRPr/>
-            </a:pPr>
-            <a:r>
-              <a:rPr lang="en-US" dirty="0" smtClean="0"/>
-              <a:t>SE 433</a:t>
-            </a:r>
-            <a:endParaRPr lang="en-US" dirty="0"/>
-          </a:p>
-        </p:txBody>
-      </p:sp>
-      <p:sp>
-        <p:nvSpPr>
-          <p:cNvPr id="2" name="Slide Number Placeholder 1"/>
-          <p:cNvSpPr>
-            <a:spLocks noGrp="1"/>
-          </p:cNvSpPr>
-          <p:nvPr>
-            <p:ph type="sldNum" sz="quarter" idx="14"/>
-          </p:nvPr>
-        </p:nvSpPr>
-        <p:spPr/>
-        <p:txBody>
-          <a:bodyPr/>
-          <a:lstStyle/>
-          <a:p>
-            <a:pPr>
-              <a:defRPr/>
-            </a:pPr>
-            <a:fld id="{F0410F35-0C47-794C-85F9-FC23048F5283}" type="slidenum">
-              <a:rPr lang="en-US" smtClean="0"/>
-              <a:pPr>
-                <a:defRPr/>
-              </a:pPr>
-              <a:t>62</a:t>
-            </a:fld>
-            <a:r>
-              <a:rPr lang="en-US" smtClean="0"/>
-              <a:t> of 102</a:t>
-            </a:r>
-            <a:endParaRPr lang="en-US" dirty="0"/>
-          </a:p>
-        </p:txBody>
-      </p:sp>
-    </p:spTree>
-    <p:extLst>
-      <p:ext uri="{BB962C8B-B14F-4D97-AF65-F5344CB8AC3E}">
-        <p14:creationId xmlns:p14="http://schemas.microsoft.com/office/powerpoint/2010/main" val="4143297681"/>
-      </p:ext>
-    </p:extLst>
-  </p:cSld>
-  <p:clrMapOvr>
-    <a:masterClrMapping/>
-  </p:clrMapOvr>
-</p:notes>
-</file>
-
-<file path=ppt/notesSlides/notesSlide22.xml><?xml version="1.0" encoding="utf-8"?>
 <p:notes xmlns:a="http://schemas.openxmlformats.org/drawingml/2006/main" xmlns:r="http://schemas.openxmlformats.org/officeDocument/2006/relationships" xmlns:p="http://schemas.openxmlformats.org/presentationml/2006/main">
   <p:cSld>
     <p:bg>
@@ -3370,7 +1613,7 @@
           </a:ln>
           <a:extLst>
             <a:ext uri="{AF507438-7753-43e0-B8FC-AC1667EBCBE1}">
-              <a14:hiddenEffects xmlns:a14="http://schemas.microsoft.com/office/drawing/2010/main" xmlns="">
+              <a14:hiddenEffects xmlns="" xmlns:a14="http://schemas.microsoft.com/office/drawing/2010/main">
                 <a:effectLst>
                   <a:outerShdw blurRad="63500" dist="38099" dir="2700000" algn="ctr" rotWithShape="0">
                     <a:srgbClr val="000000">
@@ -3405,14 +1648,14 @@
           <a:ln/>
           <a:extLst>
             <a:ext uri="{909E8E84-426E-40dd-AFC4-6F175D3DCCD1}">
-              <a14:hiddenFill xmlns:a14="http://schemas.microsoft.com/office/drawing/2010/main" xmlns="">
+              <a14:hiddenFill xmlns="" xmlns:a14="http://schemas.microsoft.com/office/drawing/2010/main">
                 <a:solidFill>
                   <a:srgbClr val="FFFFFF"/>
                 </a:solidFill>
               </a14:hiddenFill>
             </a:ext>
             <a:ext uri="{91240B29-F687-4f45-9708-019B960494DF}">
-              <a14:hiddenLine xmlns:a14="http://schemas.microsoft.com/office/drawing/2010/main" xmlns="" w="9525">
+              <a14:hiddenLine xmlns="" xmlns:a14="http://schemas.microsoft.com/office/drawing/2010/main" w="9525">
                 <a:solidFill>
                   <a:srgbClr val="000000"/>
                 </a:solidFill>
@@ -3422,7 +1665,7 @@
               </a14:hiddenLine>
             </a:ext>
             <a:ext uri="{AF507438-7753-43e0-B8FC-AC1667EBCBE1}">
-              <a14:hiddenEffects xmlns:a14="http://schemas.microsoft.com/office/drawing/2010/main" xmlns="">
+              <a14:hiddenEffects xmlns="" xmlns:a14="http://schemas.microsoft.com/office/drawing/2010/main">
                 <a:effectLst>
                   <a:outerShdw blurRad="63500" dist="38099" dir="2700000" algn="ctr" rotWithShape="0">
                     <a:srgbClr val="000000">
@@ -3806,7 +2049,7 @@
               <a:pPr>
                 <a:defRPr/>
               </a:pPr>
-              <a:t>67</a:t>
+              <a:t>64</a:t>
             </a:fld>
             <a:r>
               <a:rPr lang="en-US" smtClean="0"/>
@@ -3819,7 +2062,1571 @@
     </p:spTree>
     <p:extLst>
       <p:ext uri="{BB962C8B-B14F-4D97-AF65-F5344CB8AC3E}">
-        <p14:creationId xmlns:p14="http://schemas.microsoft.com/office/powerpoint/2010/main" val="1147366361"/>
+        <p14:creationId xmlns:p14="http://schemas.microsoft.com/office/powerpoint/2010/main" val="2703613906"/>
+      </p:ext>
+    </p:extLst>
+  </p:cSld>
+  <p:clrMapOvr>
+    <a:masterClrMapping/>
+  </p:clrMapOvr>
+</p:notes>
+</file>
+
+<file path=ppt/notesSlides/notesSlide15.xml><?xml version="1.0" encoding="utf-8"?>
+<p:notes xmlns:a="http://schemas.openxmlformats.org/drawingml/2006/main" xmlns:r="http://schemas.openxmlformats.org/officeDocument/2006/relationships" xmlns:p="http://schemas.openxmlformats.org/presentationml/2006/main">
+  <p:cSld>
+    <p:spTree>
+      <p:nvGrpSpPr>
+        <p:cNvPr id="1" name=""/>
+        <p:cNvGrpSpPr/>
+        <p:nvPr/>
+      </p:nvGrpSpPr>
+      <p:grpSpPr>
+        <a:xfrm>
+          <a:off x="0" y="0"/>
+          <a:ext cx="0" cy="0"/>
+          <a:chOff x="0" y="0"/>
+          <a:chExt cx="0" cy="0"/>
+        </a:xfrm>
+      </p:grpSpPr>
+      <p:sp>
+        <p:nvSpPr>
+          <p:cNvPr id="2" name="Slide Image Placeholder 1"/>
+          <p:cNvSpPr>
+            <a:spLocks noGrp="1" noRot="1" noChangeAspect="1"/>
+          </p:cNvSpPr>
+          <p:nvPr>
+            <p:ph type="sldImg"/>
+          </p:nvPr>
+        </p:nvSpPr>
+        <p:spPr/>
+      </p:sp>
+      <p:sp>
+        <p:nvSpPr>
+          <p:cNvPr id="3" name="Notes Placeholder 2"/>
+          <p:cNvSpPr>
+            <a:spLocks noGrp="1"/>
+          </p:cNvSpPr>
+          <p:nvPr>
+            <p:ph type="body" idx="1"/>
+          </p:nvPr>
+        </p:nvSpPr>
+        <p:spPr/>
+        <p:txBody>
+          <a:bodyPr/>
+          <a:lstStyle/>
+          <a:p>
+            <a:endParaRPr lang="en-US" dirty="0"/>
+          </a:p>
+        </p:txBody>
+      </p:sp>
+      <p:sp>
+        <p:nvSpPr>
+          <p:cNvPr id="4" name="Header Placeholder 3"/>
+          <p:cNvSpPr>
+            <a:spLocks noGrp="1"/>
+          </p:cNvSpPr>
+          <p:nvPr>
+            <p:ph type="hdr" sz="quarter" idx="10"/>
+          </p:nvPr>
+        </p:nvSpPr>
+        <p:spPr/>
+        <p:txBody>
+          <a:bodyPr/>
+          <a:lstStyle/>
+          <a:p>
+            <a:pPr>
+              <a:defRPr/>
+            </a:pPr>
+            <a:r>
+              <a:rPr lang="en-US" dirty="0" smtClean="0"/>
+              <a:t>SE 433</a:t>
+            </a:r>
+            <a:endParaRPr lang="en-US" dirty="0"/>
+          </a:p>
+        </p:txBody>
+      </p:sp>
+      <p:sp>
+        <p:nvSpPr>
+          <p:cNvPr id="5" name="Date Placeholder 4"/>
+          <p:cNvSpPr>
+            <a:spLocks noGrp="1"/>
+          </p:cNvSpPr>
+          <p:nvPr>
+            <p:ph type="dt" idx="11"/>
+          </p:nvPr>
+        </p:nvSpPr>
+        <p:spPr/>
+        <p:txBody>
+          <a:bodyPr/>
+          <a:lstStyle/>
+          <a:p>
+            <a:pPr>
+              <a:defRPr/>
+            </a:pPr>
+            <a:r>
+              <a:rPr lang="en-US" smtClean="0"/>
+              <a:t>May 23, 2017</a:t>
+            </a:r>
+            <a:endParaRPr lang="en-US" dirty="0"/>
+          </a:p>
+        </p:txBody>
+      </p:sp>
+      <p:sp>
+        <p:nvSpPr>
+          <p:cNvPr id="6" name="Footer Placeholder 5"/>
+          <p:cNvSpPr>
+            <a:spLocks noGrp="1"/>
+          </p:cNvSpPr>
+          <p:nvPr>
+            <p:ph type="ftr" sz="quarter" idx="12"/>
+          </p:nvPr>
+        </p:nvSpPr>
+        <p:spPr/>
+        <p:txBody>
+          <a:bodyPr/>
+          <a:lstStyle/>
+          <a:p>
+            <a:pPr>
+              <a:defRPr/>
+            </a:pPr>
+            <a:r>
+              <a:rPr lang="en-US" dirty="0" smtClean="0"/>
+              <a:t>Lecture 9</a:t>
+            </a:r>
+            <a:endParaRPr lang="en-US" dirty="0"/>
+          </a:p>
+        </p:txBody>
+      </p:sp>
+      <p:sp>
+        <p:nvSpPr>
+          <p:cNvPr id="7" name="Slide Number Placeholder 6"/>
+          <p:cNvSpPr>
+            <a:spLocks noGrp="1"/>
+          </p:cNvSpPr>
+          <p:nvPr>
+            <p:ph type="sldNum" sz="quarter" idx="13"/>
+          </p:nvPr>
+        </p:nvSpPr>
+        <p:spPr/>
+        <p:txBody>
+          <a:bodyPr/>
+          <a:lstStyle/>
+          <a:p>
+            <a:pPr>
+              <a:defRPr/>
+            </a:pPr>
+            <a:fld id="{F0410F35-0C47-794C-85F9-FC23048F5283}" type="slidenum">
+              <a:rPr lang="en-US" smtClean="0"/>
+              <a:pPr>
+                <a:defRPr/>
+              </a:pPr>
+              <a:t>68</a:t>
+            </a:fld>
+            <a:r>
+              <a:rPr lang="en-US" smtClean="0"/>
+              <a:t> of 102</a:t>
+            </a:r>
+            <a:endParaRPr lang="en-US" dirty="0"/>
+          </a:p>
+        </p:txBody>
+      </p:sp>
+    </p:spTree>
+    <p:extLst>
+      <p:ext uri="{BB962C8B-B14F-4D97-AF65-F5344CB8AC3E}">
+        <p14:creationId xmlns:p14="http://schemas.microsoft.com/office/powerpoint/2010/main" val="3938651200"/>
+      </p:ext>
+    </p:extLst>
+  </p:cSld>
+  <p:clrMapOvr>
+    <a:masterClrMapping/>
+  </p:clrMapOvr>
+</p:notes>
+</file>
+
+<file path=ppt/notesSlides/notesSlide16.xml><?xml version="1.0" encoding="utf-8"?>
+<p:notes xmlns:a="http://schemas.openxmlformats.org/drawingml/2006/main" xmlns:r="http://schemas.openxmlformats.org/officeDocument/2006/relationships" xmlns:p="http://schemas.openxmlformats.org/presentationml/2006/main">
+  <p:cSld>
+    <p:spTree>
+      <p:nvGrpSpPr>
+        <p:cNvPr id="1" name=""/>
+        <p:cNvGrpSpPr/>
+        <p:nvPr/>
+      </p:nvGrpSpPr>
+      <p:grpSpPr>
+        <a:xfrm>
+          <a:off x="0" y="0"/>
+          <a:ext cx="0" cy="0"/>
+          <a:chOff x="0" y="0"/>
+          <a:chExt cx="0" cy="0"/>
+        </a:xfrm>
+      </p:grpSpPr>
+      <p:sp>
+        <p:nvSpPr>
+          <p:cNvPr id="2" name="Slide Image Placeholder 1"/>
+          <p:cNvSpPr>
+            <a:spLocks noGrp="1" noRot="1" noChangeAspect="1"/>
+          </p:cNvSpPr>
+          <p:nvPr>
+            <p:ph type="sldImg"/>
+          </p:nvPr>
+        </p:nvSpPr>
+        <p:spPr/>
+      </p:sp>
+      <p:sp>
+        <p:nvSpPr>
+          <p:cNvPr id="3" name="Notes Placeholder 2"/>
+          <p:cNvSpPr>
+            <a:spLocks noGrp="1"/>
+          </p:cNvSpPr>
+          <p:nvPr>
+            <p:ph type="body" idx="1"/>
+          </p:nvPr>
+        </p:nvSpPr>
+        <p:spPr/>
+        <p:txBody>
+          <a:bodyPr/>
+          <a:lstStyle/>
+          <a:p>
+            <a:endParaRPr lang="en-US" dirty="0"/>
+          </a:p>
+        </p:txBody>
+      </p:sp>
+      <p:sp>
+        <p:nvSpPr>
+          <p:cNvPr id="4" name="Header Placeholder 3"/>
+          <p:cNvSpPr>
+            <a:spLocks noGrp="1"/>
+          </p:cNvSpPr>
+          <p:nvPr>
+            <p:ph type="hdr" sz="quarter" idx="10"/>
+          </p:nvPr>
+        </p:nvSpPr>
+        <p:spPr/>
+        <p:txBody>
+          <a:bodyPr/>
+          <a:lstStyle/>
+          <a:p>
+            <a:pPr>
+              <a:defRPr/>
+            </a:pPr>
+            <a:r>
+              <a:rPr lang="en-US" dirty="0" smtClean="0"/>
+              <a:t>SE 433</a:t>
+            </a:r>
+            <a:endParaRPr lang="en-US" dirty="0"/>
+          </a:p>
+        </p:txBody>
+      </p:sp>
+      <p:sp>
+        <p:nvSpPr>
+          <p:cNvPr id="5" name="Date Placeholder 4"/>
+          <p:cNvSpPr>
+            <a:spLocks noGrp="1"/>
+          </p:cNvSpPr>
+          <p:nvPr>
+            <p:ph type="dt" idx="11"/>
+          </p:nvPr>
+        </p:nvSpPr>
+        <p:spPr/>
+        <p:txBody>
+          <a:bodyPr/>
+          <a:lstStyle/>
+          <a:p>
+            <a:pPr>
+              <a:defRPr/>
+            </a:pPr>
+            <a:r>
+              <a:rPr lang="en-US" smtClean="0"/>
+              <a:t>May 23, 2017</a:t>
+            </a:r>
+            <a:endParaRPr lang="en-US" dirty="0"/>
+          </a:p>
+        </p:txBody>
+      </p:sp>
+      <p:sp>
+        <p:nvSpPr>
+          <p:cNvPr id="6" name="Footer Placeholder 5"/>
+          <p:cNvSpPr>
+            <a:spLocks noGrp="1"/>
+          </p:cNvSpPr>
+          <p:nvPr>
+            <p:ph type="ftr" sz="quarter" idx="12"/>
+          </p:nvPr>
+        </p:nvSpPr>
+        <p:spPr/>
+        <p:txBody>
+          <a:bodyPr/>
+          <a:lstStyle/>
+          <a:p>
+            <a:pPr>
+              <a:defRPr/>
+            </a:pPr>
+            <a:r>
+              <a:rPr lang="en-US" dirty="0" smtClean="0"/>
+              <a:t>Lecture 9</a:t>
+            </a:r>
+            <a:endParaRPr lang="en-US" dirty="0"/>
+          </a:p>
+        </p:txBody>
+      </p:sp>
+      <p:sp>
+        <p:nvSpPr>
+          <p:cNvPr id="7" name="Slide Number Placeholder 6"/>
+          <p:cNvSpPr>
+            <a:spLocks noGrp="1"/>
+          </p:cNvSpPr>
+          <p:nvPr>
+            <p:ph type="sldNum" sz="quarter" idx="13"/>
+          </p:nvPr>
+        </p:nvSpPr>
+        <p:spPr/>
+        <p:txBody>
+          <a:bodyPr/>
+          <a:lstStyle/>
+          <a:p>
+            <a:pPr>
+              <a:defRPr/>
+            </a:pPr>
+            <a:fld id="{F0410F35-0C47-794C-85F9-FC23048F5283}" type="slidenum">
+              <a:rPr lang="en-US" smtClean="0"/>
+              <a:pPr>
+                <a:defRPr/>
+              </a:pPr>
+              <a:t>69</a:t>
+            </a:fld>
+            <a:r>
+              <a:rPr lang="en-US" smtClean="0"/>
+              <a:t> of 102</a:t>
+            </a:r>
+            <a:endParaRPr lang="en-US" dirty="0"/>
+          </a:p>
+        </p:txBody>
+      </p:sp>
+    </p:spTree>
+    <p:extLst>
+      <p:ext uri="{BB962C8B-B14F-4D97-AF65-F5344CB8AC3E}">
+        <p14:creationId xmlns:p14="http://schemas.microsoft.com/office/powerpoint/2010/main" val="46725298"/>
+      </p:ext>
+    </p:extLst>
+  </p:cSld>
+  <p:clrMapOvr>
+    <a:masterClrMapping/>
+  </p:clrMapOvr>
+</p:notes>
+</file>
+
+<file path=ppt/notesSlides/notesSlide17.xml><?xml version="1.0" encoding="utf-8"?>
+<p:notes xmlns:a="http://schemas.openxmlformats.org/drawingml/2006/main" xmlns:r="http://schemas.openxmlformats.org/officeDocument/2006/relationships" xmlns:p="http://schemas.openxmlformats.org/presentationml/2006/main">
+  <p:cSld>
+    <p:spTree>
+      <p:nvGrpSpPr>
+        <p:cNvPr id="1" name=""/>
+        <p:cNvGrpSpPr/>
+        <p:nvPr/>
+      </p:nvGrpSpPr>
+      <p:grpSpPr>
+        <a:xfrm>
+          <a:off x="0" y="0"/>
+          <a:ext cx="0" cy="0"/>
+          <a:chOff x="0" y="0"/>
+          <a:chExt cx="0" cy="0"/>
+        </a:xfrm>
+      </p:grpSpPr>
+      <p:sp>
+        <p:nvSpPr>
+          <p:cNvPr id="2" name="Slide Image Placeholder 1"/>
+          <p:cNvSpPr>
+            <a:spLocks noGrp="1" noRot="1" noChangeAspect="1"/>
+          </p:cNvSpPr>
+          <p:nvPr>
+            <p:ph type="sldImg"/>
+          </p:nvPr>
+        </p:nvSpPr>
+        <p:spPr/>
+      </p:sp>
+      <p:sp>
+        <p:nvSpPr>
+          <p:cNvPr id="3" name="Notes Placeholder 2"/>
+          <p:cNvSpPr>
+            <a:spLocks noGrp="1"/>
+          </p:cNvSpPr>
+          <p:nvPr>
+            <p:ph type="body" idx="1"/>
+          </p:nvPr>
+        </p:nvSpPr>
+        <p:spPr/>
+        <p:txBody>
+          <a:bodyPr/>
+          <a:lstStyle/>
+          <a:p>
+            <a:endParaRPr lang="en-US" dirty="0"/>
+          </a:p>
+        </p:txBody>
+      </p:sp>
+      <p:sp>
+        <p:nvSpPr>
+          <p:cNvPr id="4" name="Header Placeholder 3"/>
+          <p:cNvSpPr>
+            <a:spLocks noGrp="1"/>
+          </p:cNvSpPr>
+          <p:nvPr>
+            <p:ph type="hdr" sz="quarter" idx="10"/>
+          </p:nvPr>
+        </p:nvSpPr>
+        <p:spPr/>
+        <p:txBody>
+          <a:bodyPr/>
+          <a:lstStyle/>
+          <a:p>
+            <a:pPr>
+              <a:defRPr/>
+            </a:pPr>
+            <a:r>
+              <a:rPr lang="en-US" dirty="0" smtClean="0"/>
+              <a:t>SE 433</a:t>
+            </a:r>
+            <a:endParaRPr lang="en-US" dirty="0"/>
+          </a:p>
+        </p:txBody>
+      </p:sp>
+      <p:sp>
+        <p:nvSpPr>
+          <p:cNvPr id="5" name="Date Placeholder 4"/>
+          <p:cNvSpPr>
+            <a:spLocks noGrp="1"/>
+          </p:cNvSpPr>
+          <p:nvPr>
+            <p:ph type="dt" idx="11"/>
+          </p:nvPr>
+        </p:nvSpPr>
+        <p:spPr/>
+        <p:txBody>
+          <a:bodyPr/>
+          <a:lstStyle/>
+          <a:p>
+            <a:pPr>
+              <a:defRPr/>
+            </a:pPr>
+            <a:r>
+              <a:rPr lang="en-US" smtClean="0"/>
+              <a:t>May 23, 2017</a:t>
+            </a:r>
+            <a:endParaRPr lang="en-US" dirty="0"/>
+          </a:p>
+        </p:txBody>
+      </p:sp>
+      <p:sp>
+        <p:nvSpPr>
+          <p:cNvPr id="6" name="Footer Placeholder 5"/>
+          <p:cNvSpPr>
+            <a:spLocks noGrp="1"/>
+          </p:cNvSpPr>
+          <p:nvPr>
+            <p:ph type="ftr" sz="quarter" idx="12"/>
+          </p:nvPr>
+        </p:nvSpPr>
+        <p:spPr/>
+        <p:txBody>
+          <a:bodyPr/>
+          <a:lstStyle/>
+          <a:p>
+            <a:pPr>
+              <a:defRPr/>
+            </a:pPr>
+            <a:r>
+              <a:rPr lang="en-US" dirty="0" smtClean="0"/>
+              <a:t>Lecture 9</a:t>
+            </a:r>
+            <a:endParaRPr lang="en-US" dirty="0"/>
+          </a:p>
+        </p:txBody>
+      </p:sp>
+      <p:sp>
+        <p:nvSpPr>
+          <p:cNvPr id="7" name="Slide Number Placeholder 6"/>
+          <p:cNvSpPr>
+            <a:spLocks noGrp="1"/>
+          </p:cNvSpPr>
+          <p:nvPr>
+            <p:ph type="sldNum" sz="quarter" idx="13"/>
+          </p:nvPr>
+        </p:nvSpPr>
+        <p:spPr/>
+        <p:txBody>
+          <a:bodyPr/>
+          <a:lstStyle/>
+          <a:p>
+            <a:pPr>
+              <a:defRPr/>
+            </a:pPr>
+            <a:fld id="{F0410F35-0C47-794C-85F9-FC23048F5283}" type="slidenum">
+              <a:rPr lang="en-US" smtClean="0"/>
+              <a:pPr>
+                <a:defRPr/>
+              </a:pPr>
+              <a:t>70</a:t>
+            </a:fld>
+            <a:r>
+              <a:rPr lang="en-US" smtClean="0"/>
+              <a:t> of 102</a:t>
+            </a:r>
+            <a:endParaRPr lang="en-US" dirty="0"/>
+          </a:p>
+        </p:txBody>
+      </p:sp>
+    </p:spTree>
+    <p:extLst>
+      <p:ext uri="{BB962C8B-B14F-4D97-AF65-F5344CB8AC3E}">
+        <p14:creationId xmlns:p14="http://schemas.microsoft.com/office/powerpoint/2010/main" val="801034363"/>
+      </p:ext>
+    </p:extLst>
+  </p:cSld>
+  <p:clrMapOvr>
+    <a:masterClrMapping/>
+  </p:clrMapOvr>
+</p:notes>
+</file>
+
+<file path=ppt/notesSlides/notesSlide18.xml><?xml version="1.0" encoding="utf-8"?>
+<p:notes xmlns:a="http://schemas.openxmlformats.org/drawingml/2006/main" xmlns:r="http://schemas.openxmlformats.org/officeDocument/2006/relationships" xmlns:p="http://schemas.openxmlformats.org/presentationml/2006/main">
+  <p:cSld>
+    <p:spTree>
+      <p:nvGrpSpPr>
+        <p:cNvPr id="1" name=""/>
+        <p:cNvGrpSpPr/>
+        <p:nvPr/>
+      </p:nvGrpSpPr>
+      <p:grpSpPr>
+        <a:xfrm>
+          <a:off x="0" y="0"/>
+          <a:ext cx="0" cy="0"/>
+          <a:chOff x="0" y="0"/>
+          <a:chExt cx="0" cy="0"/>
+        </a:xfrm>
+      </p:grpSpPr>
+      <p:sp>
+        <p:nvSpPr>
+          <p:cNvPr id="2" name="Slide Image Placeholder 1"/>
+          <p:cNvSpPr>
+            <a:spLocks noGrp="1" noRot="1" noChangeAspect="1"/>
+          </p:cNvSpPr>
+          <p:nvPr>
+            <p:ph type="sldImg"/>
+          </p:nvPr>
+        </p:nvSpPr>
+        <p:spPr/>
+      </p:sp>
+      <p:sp>
+        <p:nvSpPr>
+          <p:cNvPr id="3" name="Notes Placeholder 2"/>
+          <p:cNvSpPr>
+            <a:spLocks noGrp="1"/>
+          </p:cNvSpPr>
+          <p:nvPr>
+            <p:ph type="body" idx="1"/>
+          </p:nvPr>
+        </p:nvSpPr>
+        <p:spPr/>
+        <p:txBody>
+          <a:bodyPr/>
+          <a:lstStyle/>
+          <a:p>
+            <a:endParaRPr lang="en-US" dirty="0"/>
+          </a:p>
+        </p:txBody>
+      </p:sp>
+      <p:sp>
+        <p:nvSpPr>
+          <p:cNvPr id="4" name="Header Placeholder 3"/>
+          <p:cNvSpPr>
+            <a:spLocks noGrp="1"/>
+          </p:cNvSpPr>
+          <p:nvPr>
+            <p:ph type="hdr" sz="quarter" idx="10"/>
+          </p:nvPr>
+        </p:nvSpPr>
+        <p:spPr/>
+        <p:txBody>
+          <a:bodyPr/>
+          <a:lstStyle/>
+          <a:p>
+            <a:pPr>
+              <a:defRPr/>
+            </a:pPr>
+            <a:r>
+              <a:rPr lang="en-US" dirty="0" smtClean="0"/>
+              <a:t>SE 433</a:t>
+            </a:r>
+            <a:endParaRPr lang="en-US" dirty="0"/>
+          </a:p>
+        </p:txBody>
+      </p:sp>
+      <p:sp>
+        <p:nvSpPr>
+          <p:cNvPr id="5" name="Date Placeholder 4"/>
+          <p:cNvSpPr>
+            <a:spLocks noGrp="1"/>
+          </p:cNvSpPr>
+          <p:nvPr>
+            <p:ph type="dt" idx="11"/>
+          </p:nvPr>
+        </p:nvSpPr>
+        <p:spPr/>
+        <p:txBody>
+          <a:bodyPr/>
+          <a:lstStyle/>
+          <a:p>
+            <a:pPr>
+              <a:defRPr/>
+            </a:pPr>
+            <a:r>
+              <a:rPr lang="en-US" smtClean="0"/>
+              <a:t>May 23, 2017</a:t>
+            </a:r>
+            <a:endParaRPr lang="en-US" dirty="0"/>
+          </a:p>
+        </p:txBody>
+      </p:sp>
+      <p:sp>
+        <p:nvSpPr>
+          <p:cNvPr id="6" name="Footer Placeholder 5"/>
+          <p:cNvSpPr>
+            <a:spLocks noGrp="1"/>
+          </p:cNvSpPr>
+          <p:nvPr>
+            <p:ph type="ftr" sz="quarter" idx="12"/>
+          </p:nvPr>
+        </p:nvSpPr>
+        <p:spPr/>
+        <p:txBody>
+          <a:bodyPr/>
+          <a:lstStyle/>
+          <a:p>
+            <a:pPr>
+              <a:defRPr/>
+            </a:pPr>
+            <a:r>
+              <a:rPr lang="en-US" dirty="0" smtClean="0"/>
+              <a:t>Lecture 9</a:t>
+            </a:r>
+            <a:endParaRPr lang="en-US" dirty="0"/>
+          </a:p>
+        </p:txBody>
+      </p:sp>
+      <p:sp>
+        <p:nvSpPr>
+          <p:cNvPr id="7" name="Slide Number Placeholder 6"/>
+          <p:cNvSpPr>
+            <a:spLocks noGrp="1"/>
+          </p:cNvSpPr>
+          <p:nvPr>
+            <p:ph type="sldNum" sz="quarter" idx="13"/>
+          </p:nvPr>
+        </p:nvSpPr>
+        <p:spPr/>
+        <p:txBody>
+          <a:bodyPr/>
+          <a:lstStyle/>
+          <a:p>
+            <a:pPr>
+              <a:defRPr/>
+            </a:pPr>
+            <a:fld id="{F0410F35-0C47-794C-85F9-FC23048F5283}" type="slidenum">
+              <a:rPr lang="en-US" smtClean="0"/>
+              <a:pPr>
+                <a:defRPr/>
+              </a:pPr>
+              <a:t>71</a:t>
+            </a:fld>
+            <a:r>
+              <a:rPr lang="en-US" smtClean="0"/>
+              <a:t> of 102</a:t>
+            </a:r>
+            <a:endParaRPr lang="en-US" dirty="0"/>
+          </a:p>
+        </p:txBody>
+      </p:sp>
+    </p:spTree>
+    <p:extLst>
+      <p:ext uri="{BB962C8B-B14F-4D97-AF65-F5344CB8AC3E}">
+        <p14:creationId xmlns:p14="http://schemas.microsoft.com/office/powerpoint/2010/main" val="1590149017"/>
+      </p:ext>
+    </p:extLst>
+  </p:cSld>
+  <p:clrMapOvr>
+    <a:masterClrMapping/>
+  </p:clrMapOvr>
+</p:notes>
+</file>
+
+<file path=ppt/notesSlides/notesSlide19.xml><?xml version="1.0" encoding="utf-8"?>
+<p:notes xmlns:a="http://schemas.openxmlformats.org/drawingml/2006/main" xmlns:r="http://schemas.openxmlformats.org/officeDocument/2006/relationships" xmlns:p="http://schemas.openxmlformats.org/presentationml/2006/main">
+  <p:cSld>
+    <p:spTree>
+      <p:nvGrpSpPr>
+        <p:cNvPr id="1" name=""/>
+        <p:cNvGrpSpPr/>
+        <p:nvPr/>
+      </p:nvGrpSpPr>
+      <p:grpSpPr>
+        <a:xfrm>
+          <a:off x="0" y="0"/>
+          <a:ext cx="0" cy="0"/>
+          <a:chOff x="0" y="0"/>
+          <a:chExt cx="0" cy="0"/>
+        </a:xfrm>
+      </p:grpSpPr>
+      <p:sp>
+        <p:nvSpPr>
+          <p:cNvPr id="240642" name="Rectangle 2"/>
+          <p:cNvSpPr>
+            <a:spLocks noGrp="1" noRot="1" noChangeAspect="1" noChangeArrowheads="1" noTextEdit="1"/>
+          </p:cNvSpPr>
+          <p:nvPr>
+            <p:ph type="sldImg"/>
+          </p:nvPr>
+        </p:nvSpPr>
+        <p:spPr>
+          <a:ln/>
+        </p:spPr>
+      </p:sp>
+      <p:sp>
+        <p:nvSpPr>
+          <p:cNvPr id="240643" name="Rectangle 3"/>
+          <p:cNvSpPr>
+            <a:spLocks noGrp="1" noChangeArrowheads="1"/>
+          </p:cNvSpPr>
+          <p:nvPr>
+            <p:ph type="body" idx="1"/>
+          </p:nvPr>
+        </p:nvSpPr>
+        <p:spPr/>
+        <p:txBody>
+          <a:bodyPr/>
+          <a:lstStyle/>
+          <a:p>
+            <a:endParaRPr lang="en-US" dirty="0">
+              <a:latin typeface="Times New Roman" charset="0"/>
+            </a:endParaRPr>
+          </a:p>
+        </p:txBody>
+      </p:sp>
+      <p:sp>
+        <p:nvSpPr>
+          <p:cNvPr id="2" name="Date Placeholder 1"/>
+          <p:cNvSpPr>
+            <a:spLocks noGrp="1"/>
+          </p:cNvSpPr>
+          <p:nvPr>
+            <p:ph type="dt" idx="10"/>
+          </p:nvPr>
+        </p:nvSpPr>
+        <p:spPr/>
+        <p:txBody>
+          <a:bodyPr/>
+          <a:lstStyle/>
+          <a:p>
+            <a:pPr>
+              <a:defRPr/>
+            </a:pPr>
+            <a:r>
+              <a:rPr lang="en-US" smtClean="0"/>
+              <a:t>May 23, 2017</a:t>
+            </a:r>
+            <a:endParaRPr lang="en-US" dirty="0"/>
+          </a:p>
+        </p:txBody>
+      </p:sp>
+      <p:sp>
+        <p:nvSpPr>
+          <p:cNvPr id="3" name="Footer Placeholder 2"/>
+          <p:cNvSpPr>
+            <a:spLocks noGrp="1"/>
+          </p:cNvSpPr>
+          <p:nvPr>
+            <p:ph type="ftr" sz="quarter" idx="11"/>
+          </p:nvPr>
+        </p:nvSpPr>
+        <p:spPr/>
+        <p:txBody>
+          <a:bodyPr/>
+          <a:lstStyle/>
+          <a:p>
+            <a:pPr>
+              <a:defRPr/>
+            </a:pPr>
+            <a:r>
+              <a:rPr lang="en-US" dirty="0" smtClean="0"/>
+              <a:t>Lecture 9</a:t>
+            </a:r>
+            <a:endParaRPr lang="en-US" dirty="0"/>
+          </a:p>
+        </p:txBody>
+      </p:sp>
+      <p:sp>
+        <p:nvSpPr>
+          <p:cNvPr id="7" name="Header Placeholder 6"/>
+          <p:cNvSpPr>
+            <a:spLocks noGrp="1"/>
+          </p:cNvSpPr>
+          <p:nvPr>
+            <p:ph type="hdr" sz="quarter" idx="13"/>
+          </p:nvPr>
+        </p:nvSpPr>
+        <p:spPr/>
+        <p:txBody>
+          <a:bodyPr/>
+          <a:lstStyle/>
+          <a:p>
+            <a:pPr>
+              <a:defRPr/>
+            </a:pPr>
+            <a:r>
+              <a:rPr lang="en-US" dirty="0" smtClean="0"/>
+              <a:t>SE 433</a:t>
+            </a:r>
+            <a:endParaRPr lang="en-US" dirty="0"/>
+          </a:p>
+        </p:txBody>
+      </p:sp>
+      <p:sp>
+        <p:nvSpPr>
+          <p:cNvPr id="4" name="Slide Number Placeholder 3"/>
+          <p:cNvSpPr>
+            <a:spLocks noGrp="1"/>
+          </p:cNvSpPr>
+          <p:nvPr>
+            <p:ph type="sldNum" sz="quarter" idx="14"/>
+          </p:nvPr>
+        </p:nvSpPr>
+        <p:spPr/>
+        <p:txBody>
+          <a:bodyPr/>
+          <a:lstStyle/>
+          <a:p>
+            <a:pPr>
+              <a:defRPr/>
+            </a:pPr>
+            <a:fld id="{F0410F35-0C47-794C-85F9-FC23048F5283}" type="slidenum">
+              <a:rPr lang="en-US" smtClean="0"/>
+              <a:pPr>
+                <a:defRPr/>
+              </a:pPr>
+              <a:t>73</a:t>
+            </a:fld>
+            <a:r>
+              <a:rPr lang="en-US" smtClean="0"/>
+              <a:t> of 102</a:t>
+            </a:r>
+            <a:endParaRPr lang="en-US" dirty="0"/>
+          </a:p>
+        </p:txBody>
+      </p:sp>
+    </p:spTree>
+    <p:extLst>
+      <p:ext uri="{BB962C8B-B14F-4D97-AF65-F5344CB8AC3E}">
+        <p14:creationId xmlns:p14="http://schemas.microsoft.com/office/powerpoint/2010/main" val="3499381333"/>
+      </p:ext>
+    </p:extLst>
+  </p:cSld>
+  <p:clrMapOvr>
+    <a:masterClrMapping/>
+  </p:clrMapOvr>
+</p:notes>
+</file>
+
+<file path=ppt/notesSlides/notesSlide2.xml><?xml version="1.0" encoding="utf-8"?>
+<p:notes xmlns:a="http://schemas.openxmlformats.org/drawingml/2006/main" xmlns:r="http://schemas.openxmlformats.org/officeDocument/2006/relationships" xmlns:p="http://schemas.openxmlformats.org/presentationml/2006/main">
+  <p:cSld>
+    <p:spTree>
+      <p:nvGrpSpPr>
+        <p:cNvPr id="1" name=""/>
+        <p:cNvGrpSpPr/>
+        <p:nvPr/>
+      </p:nvGrpSpPr>
+      <p:grpSpPr>
+        <a:xfrm>
+          <a:off x="0" y="0"/>
+          <a:ext cx="0" cy="0"/>
+          <a:chOff x="0" y="0"/>
+          <a:chExt cx="0" cy="0"/>
+        </a:xfrm>
+      </p:grpSpPr>
+      <p:sp>
+        <p:nvSpPr>
+          <p:cNvPr id="2" name="Slide Image Placeholder 1"/>
+          <p:cNvSpPr>
+            <a:spLocks noGrp="1" noRot="1" noChangeAspect="1"/>
+          </p:cNvSpPr>
+          <p:nvPr>
+            <p:ph type="sldImg"/>
+          </p:nvPr>
+        </p:nvSpPr>
+        <p:spPr/>
+      </p:sp>
+      <p:sp>
+        <p:nvSpPr>
+          <p:cNvPr id="3" name="Notes Placeholder 2"/>
+          <p:cNvSpPr>
+            <a:spLocks noGrp="1"/>
+          </p:cNvSpPr>
+          <p:nvPr>
+            <p:ph type="body" idx="1"/>
+          </p:nvPr>
+        </p:nvSpPr>
+        <p:spPr/>
+        <p:txBody>
+          <a:bodyPr/>
+          <a:lstStyle/>
+          <a:p>
+            <a:endParaRPr lang="en-US" dirty="0"/>
+          </a:p>
+        </p:txBody>
+      </p:sp>
+      <p:sp>
+        <p:nvSpPr>
+          <p:cNvPr id="4" name="Header Placeholder 3"/>
+          <p:cNvSpPr>
+            <a:spLocks noGrp="1"/>
+          </p:cNvSpPr>
+          <p:nvPr>
+            <p:ph type="hdr" sz="quarter" idx="10"/>
+          </p:nvPr>
+        </p:nvSpPr>
+        <p:spPr/>
+        <p:txBody>
+          <a:bodyPr/>
+          <a:lstStyle/>
+          <a:p>
+            <a:pPr>
+              <a:defRPr/>
+            </a:pPr>
+            <a:r>
+              <a:rPr lang="en-US" dirty="0" smtClean="0"/>
+              <a:t>SE 433</a:t>
+            </a:r>
+            <a:endParaRPr lang="en-US" dirty="0"/>
+          </a:p>
+        </p:txBody>
+      </p:sp>
+      <p:sp>
+        <p:nvSpPr>
+          <p:cNvPr id="5" name="Date Placeholder 4"/>
+          <p:cNvSpPr>
+            <a:spLocks noGrp="1"/>
+          </p:cNvSpPr>
+          <p:nvPr>
+            <p:ph type="dt" idx="11"/>
+          </p:nvPr>
+        </p:nvSpPr>
+        <p:spPr/>
+        <p:txBody>
+          <a:bodyPr/>
+          <a:lstStyle/>
+          <a:p>
+            <a:pPr>
+              <a:defRPr/>
+            </a:pPr>
+            <a:r>
+              <a:rPr lang="en-US" smtClean="0"/>
+              <a:t>May 23, 2017</a:t>
+            </a:r>
+            <a:endParaRPr lang="en-US" dirty="0"/>
+          </a:p>
+        </p:txBody>
+      </p:sp>
+      <p:sp>
+        <p:nvSpPr>
+          <p:cNvPr id="6" name="Footer Placeholder 5"/>
+          <p:cNvSpPr>
+            <a:spLocks noGrp="1"/>
+          </p:cNvSpPr>
+          <p:nvPr>
+            <p:ph type="ftr" sz="quarter" idx="12"/>
+          </p:nvPr>
+        </p:nvSpPr>
+        <p:spPr/>
+        <p:txBody>
+          <a:bodyPr/>
+          <a:lstStyle/>
+          <a:p>
+            <a:pPr>
+              <a:defRPr/>
+            </a:pPr>
+            <a:r>
+              <a:rPr lang="en-US" dirty="0" smtClean="0"/>
+              <a:t>Lecture 9</a:t>
+            </a:r>
+            <a:endParaRPr lang="en-US" dirty="0"/>
+          </a:p>
+        </p:txBody>
+      </p:sp>
+      <p:sp>
+        <p:nvSpPr>
+          <p:cNvPr id="7" name="Slide Number Placeholder 6"/>
+          <p:cNvSpPr>
+            <a:spLocks noGrp="1"/>
+          </p:cNvSpPr>
+          <p:nvPr>
+            <p:ph type="sldNum" sz="quarter" idx="13"/>
+          </p:nvPr>
+        </p:nvSpPr>
+        <p:spPr/>
+        <p:txBody>
+          <a:bodyPr/>
+          <a:lstStyle/>
+          <a:p>
+            <a:pPr>
+              <a:defRPr/>
+            </a:pPr>
+            <a:fld id="{F0410F35-0C47-794C-85F9-FC23048F5283}" type="slidenum">
+              <a:rPr lang="en-US" smtClean="0"/>
+              <a:pPr>
+                <a:defRPr/>
+              </a:pPr>
+              <a:t>4</a:t>
+            </a:fld>
+            <a:r>
+              <a:rPr lang="en-US" smtClean="0"/>
+              <a:t> of 102</a:t>
+            </a:r>
+            <a:endParaRPr lang="en-US" dirty="0"/>
+          </a:p>
+        </p:txBody>
+      </p:sp>
+    </p:spTree>
+    <p:extLst>
+      <p:ext uri="{BB962C8B-B14F-4D97-AF65-F5344CB8AC3E}">
+        <p14:creationId xmlns:p14="http://schemas.microsoft.com/office/powerpoint/2010/main" val="2543550388"/>
+      </p:ext>
+    </p:extLst>
+  </p:cSld>
+  <p:clrMapOvr>
+    <a:masterClrMapping/>
+  </p:clrMapOvr>
+</p:notes>
+</file>
+
+<file path=ppt/notesSlides/notesSlide20.xml><?xml version="1.0" encoding="utf-8"?>
+<p:notes xmlns:a="http://schemas.openxmlformats.org/drawingml/2006/main" xmlns:r="http://schemas.openxmlformats.org/officeDocument/2006/relationships" xmlns:p="http://schemas.openxmlformats.org/presentationml/2006/main">
+  <p:cSld>
+    <p:spTree>
+      <p:nvGrpSpPr>
+        <p:cNvPr id="1" name=""/>
+        <p:cNvGrpSpPr/>
+        <p:nvPr/>
+      </p:nvGrpSpPr>
+      <p:grpSpPr>
+        <a:xfrm>
+          <a:off x="0" y="0"/>
+          <a:ext cx="0" cy="0"/>
+          <a:chOff x="0" y="0"/>
+          <a:chExt cx="0" cy="0"/>
+        </a:xfrm>
+      </p:grpSpPr>
+      <p:sp>
+        <p:nvSpPr>
+          <p:cNvPr id="242690" name="Rectangle 2"/>
+          <p:cNvSpPr>
+            <a:spLocks noGrp="1" noRot="1" noChangeAspect="1" noChangeArrowheads="1" noTextEdit="1"/>
+          </p:cNvSpPr>
+          <p:nvPr>
+            <p:ph type="sldImg"/>
+          </p:nvPr>
+        </p:nvSpPr>
+        <p:spPr>
+          <a:ln/>
+        </p:spPr>
+      </p:sp>
+      <p:sp>
+        <p:nvSpPr>
+          <p:cNvPr id="242691" name="Rectangle 3"/>
+          <p:cNvSpPr>
+            <a:spLocks noGrp="1" noChangeArrowheads="1"/>
+          </p:cNvSpPr>
+          <p:nvPr>
+            <p:ph type="body" idx="1"/>
+          </p:nvPr>
+        </p:nvSpPr>
+        <p:spPr/>
+        <p:txBody>
+          <a:bodyPr/>
+          <a:lstStyle/>
+          <a:p>
+            <a:endParaRPr lang="en-US" dirty="0">
+              <a:latin typeface="Times New Roman" charset="0"/>
+            </a:endParaRPr>
+          </a:p>
+        </p:txBody>
+      </p:sp>
+      <p:sp>
+        <p:nvSpPr>
+          <p:cNvPr id="2" name="Date Placeholder 1"/>
+          <p:cNvSpPr>
+            <a:spLocks noGrp="1"/>
+          </p:cNvSpPr>
+          <p:nvPr>
+            <p:ph type="dt" idx="10"/>
+          </p:nvPr>
+        </p:nvSpPr>
+        <p:spPr/>
+        <p:txBody>
+          <a:bodyPr/>
+          <a:lstStyle/>
+          <a:p>
+            <a:pPr>
+              <a:defRPr/>
+            </a:pPr>
+            <a:r>
+              <a:rPr lang="en-US" smtClean="0"/>
+              <a:t>May 23, 2017</a:t>
+            </a:r>
+            <a:endParaRPr lang="en-US" dirty="0"/>
+          </a:p>
+        </p:txBody>
+      </p:sp>
+      <p:sp>
+        <p:nvSpPr>
+          <p:cNvPr id="3" name="Footer Placeholder 2"/>
+          <p:cNvSpPr>
+            <a:spLocks noGrp="1"/>
+          </p:cNvSpPr>
+          <p:nvPr>
+            <p:ph type="ftr" sz="quarter" idx="11"/>
+          </p:nvPr>
+        </p:nvSpPr>
+        <p:spPr/>
+        <p:txBody>
+          <a:bodyPr/>
+          <a:lstStyle/>
+          <a:p>
+            <a:pPr>
+              <a:defRPr/>
+            </a:pPr>
+            <a:r>
+              <a:rPr lang="en-US" dirty="0" smtClean="0"/>
+              <a:t>Lecture 9</a:t>
+            </a:r>
+            <a:endParaRPr lang="en-US" dirty="0"/>
+          </a:p>
+        </p:txBody>
+      </p:sp>
+      <p:sp>
+        <p:nvSpPr>
+          <p:cNvPr id="7" name="Header Placeholder 6"/>
+          <p:cNvSpPr>
+            <a:spLocks noGrp="1"/>
+          </p:cNvSpPr>
+          <p:nvPr>
+            <p:ph type="hdr" sz="quarter" idx="13"/>
+          </p:nvPr>
+        </p:nvSpPr>
+        <p:spPr/>
+        <p:txBody>
+          <a:bodyPr/>
+          <a:lstStyle/>
+          <a:p>
+            <a:pPr>
+              <a:defRPr/>
+            </a:pPr>
+            <a:r>
+              <a:rPr lang="en-US" dirty="0" smtClean="0"/>
+              <a:t>SE 433</a:t>
+            </a:r>
+            <a:endParaRPr lang="en-US" dirty="0"/>
+          </a:p>
+        </p:txBody>
+      </p:sp>
+      <p:sp>
+        <p:nvSpPr>
+          <p:cNvPr id="4" name="Slide Number Placeholder 3"/>
+          <p:cNvSpPr>
+            <a:spLocks noGrp="1"/>
+          </p:cNvSpPr>
+          <p:nvPr>
+            <p:ph type="sldNum" sz="quarter" idx="14"/>
+          </p:nvPr>
+        </p:nvSpPr>
+        <p:spPr/>
+        <p:txBody>
+          <a:bodyPr/>
+          <a:lstStyle/>
+          <a:p>
+            <a:pPr>
+              <a:defRPr/>
+            </a:pPr>
+            <a:fld id="{F0410F35-0C47-794C-85F9-FC23048F5283}" type="slidenum">
+              <a:rPr lang="en-US" smtClean="0"/>
+              <a:pPr>
+                <a:defRPr/>
+              </a:pPr>
+              <a:t>74</a:t>
+            </a:fld>
+            <a:r>
+              <a:rPr lang="en-US" smtClean="0"/>
+              <a:t> of 102</a:t>
+            </a:r>
+            <a:endParaRPr lang="en-US" dirty="0"/>
+          </a:p>
+        </p:txBody>
+      </p:sp>
+    </p:spTree>
+    <p:extLst>
+      <p:ext uri="{BB962C8B-B14F-4D97-AF65-F5344CB8AC3E}">
+        <p14:creationId xmlns:p14="http://schemas.microsoft.com/office/powerpoint/2010/main" val="2111506748"/>
+      </p:ext>
+    </p:extLst>
+  </p:cSld>
+  <p:clrMapOvr>
+    <a:masterClrMapping/>
+  </p:clrMapOvr>
+</p:notes>
+</file>
+
+<file path=ppt/notesSlides/notesSlide21.xml><?xml version="1.0" encoding="utf-8"?>
+<p:notes xmlns:a="http://schemas.openxmlformats.org/drawingml/2006/main" xmlns:r="http://schemas.openxmlformats.org/officeDocument/2006/relationships" xmlns:p="http://schemas.openxmlformats.org/presentationml/2006/main">
+  <p:cSld>
+    <p:spTree>
+      <p:nvGrpSpPr>
+        <p:cNvPr id="1" name=""/>
+        <p:cNvGrpSpPr/>
+        <p:nvPr/>
+      </p:nvGrpSpPr>
+      <p:grpSpPr>
+        <a:xfrm>
+          <a:off x="0" y="0"/>
+          <a:ext cx="0" cy="0"/>
+          <a:chOff x="0" y="0"/>
+          <a:chExt cx="0" cy="0"/>
+        </a:xfrm>
+      </p:grpSpPr>
+      <p:sp>
+        <p:nvSpPr>
+          <p:cNvPr id="242690" name="Rectangle 2"/>
+          <p:cNvSpPr>
+            <a:spLocks noGrp="1" noRot="1" noChangeAspect="1" noChangeArrowheads="1" noTextEdit="1"/>
+          </p:cNvSpPr>
+          <p:nvPr>
+            <p:ph type="sldImg"/>
+          </p:nvPr>
+        </p:nvSpPr>
+        <p:spPr>
+          <a:ln/>
+        </p:spPr>
+      </p:sp>
+      <p:sp>
+        <p:nvSpPr>
+          <p:cNvPr id="242691" name="Rectangle 3"/>
+          <p:cNvSpPr>
+            <a:spLocks noGrp="1" noChangeArrowheads="1"/>
+          </p:cNvSpPr>
+          <p:nvPr>
+            <p:ph type="body" idx="1"/>
+          </p:nvPr>
+        </p:nvSpPr>
+        <p:spPr/>
+        <p:txBody>
+          <a:bodyPr/>
+          <a:lstStyle/>
+          <a:p>
+            <a:endParaRPr lang="en-US" dirty="0">
+              <a:latin typeface="Times New Roman" charset="0"/>
+            </a:endParaRPr>
+          </a:p>
+        </p:txBody>
+      </p:sp>
+      <p:sp>
+        <p:nvSpPr>
+          <p:cNvPr id="2" name="Date Placeholder 1"/>
+          <p:cNvSpPr>
+            <a:spLocks noGrp="1"/>
+          </p:cNvSpPr>
+          <p:nvPr>
+            <p:ph type="dt" idx="10"/>
+          </p:nvPr>
+        </p:nvSpPr>
+        <p:spPr/>
+        <p:txBody>
+          <a:bodyPr/>
+          <a:lstStyle/>
+          <a:p>
+            <a:pPr>
+              <a:defRPr/>
+            </a:pPr>
+            <a:r>
+              <a:rPr lang="en-US" smtClean="0"/>
+              <a:t>May 23, 2017</a:t>
+            </a:r>
+            <a:endParaRPr lang="en-US" dirty="0"/>
+          </a:p>
+        </p:txBody>
+      </p:sp>
+      <p:sp>
+        <p:nvSpPr>
+          <p:cNvPr id="3" name="Footer Placeholder 2"/>
+          <p:cNvSpPr>
+            <a:spLocks noGrp="1"/>
+          </p:cNvSpPr>
+          <p:nvPr>
+            <p:ph type="ftr" sz="quarter" idx="11"/>
+          </p:nvPr>
+        </p:nvSpPr>
+        <p:spPr/>
+        <p:txBody>
+          <a:bodyPr/>
+          <a:lstStyle/>
+          <a:p>
+            <a:pPr>
+              <a:defRPr/>
+            </a:pPr>
+            <a:r>
+              <a:rPr lang="en-US" dirty="0" smtClean="0"/>
+              <a:t>Lecture 9</a:t>
+            </a:r>
+            <a:endParaRPr lang="en-US" dirty="0"/>
+          </a:p>
+        </p:txBody>
+      </p:sp>
+      <p:sp>
+        <p:nvSpPr>
+          <p:cNvPr id="7" name="Header Placeholder 6"/>
+          <p:cNvSpPr>
+            <a:spLocks noGrp="1"/>
+          </p:cNvSpPr>
+          <p:nvPr>
+            <p:ph type="hdr" sz="quarter" idx="13"/>
+          </p:nvPr>
+        </p:nvSpPr>
+        <p:spPr/>
+        <p:txBody>
+          <a:bodyPr/>
+          <a:lstStyle/>
+          <a:p>
+            <a:pPr>
+              <a:defRPr/>
+            </a:pPr>
+            <a:r>
+              <a:rPr lang="en-US" dirty="0" smtClean="0"/>
+              <a:t>SE 433</a:t>
+            </a:r>
+            <a:endParaRPr lang="en-US" dirty="0"/>
+          </a:p>
+        </p:txBody>
+      </p:sp>
+      <p:sp>
+        <p:nvSpPr>
+          <p:cNvPr id="4" name="Slide Number Placeholder 3"/>
+          <p:cNvSpPr>
+            <a:spLocks noGrp="1"/>
+          </p:cNvSpPr>
+          <p:nvPr>
+            <p:ph type="sldNum" sz="quarter" idx="14"/>
+          </p:nvPr>
+        </p:nvSpPr>
+        <p:spPr/>
+        <p:txBody>
+          <a:bodyPr/>
+          <a:lstStyle/>
+          <a:p>
+            <a:pPr>
+              <a:defRPr/>
+            </a:pPr>
+            <a:fld id="{F0410F35-0C47-794C-85F9-FC23048F5283}" type="slidenum">
+              <a:rPr lang="en-US" smtClean="0"/>
+              <a:pPr>
+                <a:defRPr/>
+              </a:pPr>
+              <a:t>75</a:t>
+            </a:fld>
+            <a:r>
+              <a:rPr lang="en-US" smtClean="0"/>
+              <a:t> of 102</a:t>
+            </a:r>
+            <a:endParaRPr lang="en-US" dirty="0"/>
+          </a:p>
+        </p:txBody>
+      </p:sp>
+    </p:spTree>
+    <p:extLst>
+      <p:ext uri="{BB962C8B-B14F-4D97-AF65-F5344CB8AC3E}">
+        <p14:creationId xmlns:p14="http://schemas.microsoft.com/office/powerpoint/2010/main" val="1766110071"/>
+      </p:ext>
+    </p:extLst>
+  </p:cSld>
+  <p:clrMapOvr>
+    <a:masterClrMapping/>
+  </p:clrMapOvr>
+</p:notes>
+</file>
+
+<file path=ppt/notesSlides/notesSlide22.xml><?xml version="1.0" encoding="utf-8"?>
+<p:notes xmlns:a="http://schemas.openxmlformats.org/drawingml/2006/main" xmlns:r="http://schemas.openxmlformats.org/officeDocument/2006/relationships" xmlns:p="http://schemas.openxmlformats.org/presentationml/2006/main">
+  <p:cSld>
+    <p:spTree>
+      <p:nvGrpSpPr>
+        <p:cNvPr id="1" name=""/>
+        <p:cNvGrpSpPr/>
+        <p:nvPr/>
+      </p:nvGrpSpPr>
+      <p:grpSpPr>
+        <a:xfrm>
+          <a:off x="0" y="0"/>
+          <a:ext cx="0" cy="0"/>
+          <a:chOff x="0" y="0"/>
+          <a:chExt cx="0" cy="0"/>
+        </a:xfrm>
+      </p:grpSpPr>
+      <p:sp>
+        <p:nvSpPr>
+          <p:cNvPr id="242690" name="Rectangle 2"/>
+          <p:cNvSpPr>
+            <a:spLocks noGrp="1" noRot="1" noChangeAspect="1" noChangeArrowheads="1" noTextEdit="1"/>
+          </p:cNvSpPr>
+          <p:nvPr>
+            <p:ph type="sldImg"/>
+          </p:nvPr>
+        </p:nvSpPr>
+        <p:spPr>
+          <a:ln/>
+        </p:spPr>
+      </p:sp>
+      <p:sp>
+        <p:nvSpPr>
+          <p:cNvPr id="242691" name="Rectangle 3"/>
+          <p:cNvSpPr>
+            <a:spLocks noGrp="1" noChangeArrowheads="1"/>
+          </p:cNvSpPr>
+          <p:nvPr>
+            <p:ph type="body" idx="1"/>
+          </p:nvPr>
+        </p:nvSpPr>
+        <p:spPr/>
+        <p:txBody>
+          <a:bodyPr/>
+          <a:lstStyle/>
+          <a:p>
+            <a:endParaRPr lang="en-US" dirty="0">
+              <a:latin typeface="Times New Roman" charset="0"/>
+            </a:endParaRPr>
+          </a:p>
+        </p:txBody>
+      </p:sp>
+      <p:sp>
+        <p:nvSpPr>
+          <p:cNvPr id="2" name="Date Placeholder 1"/>
+          <p:cNvSpPr>
+            <a:spLocks noGrp="1"/>
+          </p:cNvSpPr>
+          <p:nvPr>
+            <p:ph type="dt" idx="10"/>
+          </p:nvPr>
+        </p:nvSpPr>
+        <p:spPr/>
+        <p:txBody>
+          <a:bodyPr/>
+          <a:lstStyle/>
+          <a:p>
+            <a:pPr>
+              <a:defRPr/>
+            </a:pPr>
+            <a:r>
+              <a:rPr lang="en-US" smtClean="0"/>
+              <a:t>May 23, 2017</a:t>
+            </a:r>
+            <a:endParaRPr lang="en-US" dirty="0"/>
+          </a:p>
+        </p:txBody>
+      </p:sp>
+      <p:sp>
+        <p:nvSpPr>
+          <p:cNvPr id="3" name="Footer Placeholder 2"/>
+          <p:cNvSpPr>
+            <a:spLocks noGrp="1"/>
+          </p:cNvSpPr>
+          <p:nvPr>
+            <p:ph type="ftr" sz="quarter" idx="11"/>
+          </p:nvPr>
+        </p:nvSpPr>
+        <p:spPr/>
+        <p:txBody>
+          <a:bodyPr/>
+          <a:lstStyle/>
+          <a:p>
+            <a:pPr>
+              <a:defRPr/>
+            </a:pPr>
+            <a:r>
+              <a:rPr lang="en-US" dirty="0" smtClean="0"/>
+              <a:t>Lecture 9</a:t>
+            </a:r>
+            <a:endParaRPr lang="en-US" dirty="0"/>
+          </a:p>
+        </p:txBody>
+      </p:sp>
+      <p:sp>
+        <p:nvSpPr>
+          <p:cNvPr id="7" name="Header Placeholder 6"/>
+          <p:cNvSpPr>
+            <a:spLocks noGrp="1"/>
+          </p:cNvSpPr>
+          <p:nvPr>
+            <p:ph type="hdr" sz="quarter" idx="13"/>
+          </p:nvPr>
+        </p:nvSpPr>
+        <p:spPr/>
+        <p:txBody>
+          <a:bodyPr/>
+          <a:lstStyle/>
+          <a:p>
+            <a:pPr>
+              <a:defRPr/>
+            </a:pPr>
+            <a:r>
+              <a:rPr lang="en-US" dirty="0" smtClean="0"/>
+              <a:t>SE 433</a:t>
+            </a:r>
+            <a:endParaRPr lang="en-US" dirty="0"/>
+          </a:p>
+        </p:txBody>
+      </p:sp>
+      <p:sp>
+        <p:nvSpPr>
+          <p:cNvPr id="4" name="Slide Number Placeholder 3"/>
+          <p:cNvSpPr>
+            <a:spLocks noGrp="1"/>
+          </p:cNvSpPr>
+          <p:nvPr>
+            <p:ph type="sldNum" sz="quarter" idx="14"/>
+          </p:nvPr>
+        </p:nvSpPr>
+        <p:spPr/>
+        <p:txBody>
+          <a:bodyPr/>
+          <a:lstStyle/>
+          <a:p>
+            <a:pPr>
+              <a:defRPr/>
+            </a:pPr>
+            <a:fld id="{F0410F35-0C47-794C-85F9-FC23048F5283}" type="slidenum">
+              <a:rPr lang="en-US" smtClean="0"/>
+              <a:pPr>
+                <a:defRPr/>
+              </a:pPr>
+              <a:t>76</a:t>
+            </a:fld>
+            <a:r>
+              <a:rPr lang="en-US" smtClean="0"/>
+              <a:t> of 102</a:t>
+            </a:r>
+            <a:endParaRPr lang="en-US" dirty="0"/>
+          </a:p>
+        </p:txBody>
+      </p:sp>
+    </p:spTree>
+    <p:extLst>
+      <p:ext uri="{BB962C8B-B14F-4D97-AF65-F5344CB8AC3E}">
+        <p14:creationId xmlns:p14="http://schemas.microsoft.com/office/powerpoint/2010/main" val="3092884696"/>
       </p:ext>
     </p:extLst>
   </p:cSld>
@@ -3848,23 +3655,21 @@
       </p:grpSpPr>
       <p:sp>
         <p:nvSpPr>
-          <p:cNvPr id="240642" name="Rectangle 2"/>
-          <p:cNvSpPr>
-            <a:spLocks noGrp="1" noRot="1" noChangeAspect="1" noChangeArrowheads="1" noTextEdit="1"/>
+          <p:cNvPr id="2" name="Slide Image Placeholder 1"/>
+          <p:cNvSpPr>
+            <a:spLocks noGrp="1" noRot="1" noChangeAspect="1"/>
           </p:cNvSpPr>
           <p:nvPr>
             <p:ph type="sldImg"/>
           </p:nvPr>
         </p:nvSpPr>
-        <p:spPr>
-          <a:ln/>
-        </p:spPr>
-      </p:sp>
-      <p:sp>
-        <p:nvSpPr>
-          <p:cNvPr id="240643" name="Rectangle 3"/>
-          <p:cNvSpPr>
-            <a:spLocks noGrp="1" noChangeArrowheads="1"/>
+        <p:spPr/>
+      </p:sp>
+      <p:sp>
+        <p:nvSpPr>
+          <p:cNvPr id="3" name="Notes Placeholder 2"/>
+          <p:cNvSpPr>
+            <a:spLocks noGrp="1"/>
           </p:cNvSpPr>
           <p:nvPr>
             <p:ph type="body" idx="1"/>
@@ -3875,20 +3680,18 @@
           <a:bodyPr/>
           <a:lstStyle/>
           <a:p>
-            <a:endParaRPr lang="en-US" dirty="0">
-              <a:latin typeface="Times New Roman" charset="0"/>
-            </a:endParaRPr>
-          </a:p>
-        </p:txBody>
-      </p:sp>
-      <p:sp>
-        <p:nvSpPr>
-          <p:cNvPr id="2" name="Date Placeholder 1"/>
-          <p:cNvSpPr>
-            <a:spLocks noGrp="1"/>
-          </p:cNvSpPr>
-          <p:nvPr>
-            <p:ph type="dt" idx="10"/>
+            <a:endParaRPr lang="en-US" dirty="0"/>
+          </a:p>
+        </p:txBody>
+      </p:sp>
+      <p:sp>
+        <p:nvSpPr>
+          <p:cNvPr id="4" name="Header Placeholder 3"/>
+          <p:cNvSpPr>
+            <a:spLocks noGrp="1"/>
+          </p:cNvSpPr>
+          <p:nvPr>
+            <p:ph type="hdr" sz="quarter" idx="10"/>
           </p:nvPr>
         </p:nvSpPr>
         <p:spPr/>
@@ -3900,8 +3703,8 @@
               <a:defRPr/>
             </a:pPr>
             <a:r>
-              <a:rPr lang="en-US" smtClean="0"/>
-              <a:t>May 23, 2017</a:t>
+              <a:rPr lang="en-US" dirty="0" smtClean="0"/>
+              <a:t>SE 433</a:t>
             </a:r>
             <a:endParaRPr lang="en-US" dirty="0"/>
           </a:p>
@@ -3909,12 +3712,12 @@
       </p:sp>
       <p:sp>
         <p:nvSpPr>
-          <p:cNvPr id="3" name="Footer Placeholder 2"/>
-          <p:cNvSpPr>
-            <a:spLocks noGrp="1"/>
-          </p:cNvSpPr>
-          <p:nvPr>
-            <p:ph type="ftr" sz="quarter" idx="11"/>
+          <p:cNvPr id="5" name="Date Placeholder 4"/>
+          <p:cNvSpPr>
+            <a:spLocks noGrp="1"/>
+          </p:cNvSpPr>
+          <p:nvPr>
+            <p:ph type="dt" idx="11"/>
           </p:nvPr>
         </p:nvSpPr>
         <p:spPr/>
@@ -3926,8 +3729,8 @@
               <a:defRPr/>
             </a:pPr>
             <a:r>
-              <a:rPr lang="en-US" dirty="0" smtClean="0"/>
-              <a:t>Lecture 9</a:t>
+              <a:rPr lang="en-US" smtClean="0"/>
+              <a:t>May 23, 2017</a:t>
             </a:r>
             <a:endParaRPr lang="en-US" dirty="0"/>
           </a:p>
@@ -3935,12 +3738,12 @@
       </p:sp>
       <p:sp>
         <p:nvSpPr>
-          <p:cNvPr id="7" name="Header Placeholder 6"/>
-          <p:cNvSpPr>
-            <a:spLocks noGrp="1"/>
-          </p:cNvSpPr>
-          <p:nvPr>
-            <p:ph type="hdr" sz="quarter" idx="13"/>
+          <p:cNvPr id="6" name="Footer Placeholder 5"/>
+          <p:cNvSpPr>
+            <a:spLocks noGrp="1"/>
+          </p:cNvSpPr>
+          <p:nvPr>
+            <p:ph type="ftr" sz="quarter" idx="12"/>
           </p:nvPr>
         </p:nvSpPr>
         <p:spPr/>
@@ -3953,7 +3756,7 @@
             </a:pPr>
             <a:r>
               <a:rPr lang="en-US" dirty="0" smtClean="0"/>
-              <a:t>SE 433</a:t>
+              <a:t>Lecture 9</a:t>
             </a:r>
             <a:endParaRPr lang="en-US" dirty="0"/>
           </a:p>
@@ -3961,12 +3764,12 @@
       </p:sp>
       <p:sp>
         <p:nvSpPr>
-          <p:cNvPr id="4" name="Slide Number Placeholder 3"/>
-          <p:cNvSpPr>
-            <a:spLocks noGrp="1"/>
-          </p:cNvSpPr>
-          <p:nvPr>
-            <p:ph type="sldNum" sz="quarter" idx="14"/>
+          <p:cNvPr id="7" name="Slide Number Placeholder 6"/>
+          <p:cNvSpPr>
+            <a:spLocks noGrp="1"/>
+          </p:cNvSpPr>
+          <p:nvPr>
+            <p:ph type="sldNum" sz="quarter" idx="13"/>
           </p:nvPr>
         </p:nvSpPr>
         <p:spPr/>
@@ -3982,7 +3785,7 @@
               <a:pPr>
                 <a:defRPr/>
               </a:pPr>
-              <a:t>69</a:t>
+              <a:t>77</a:t>
             </a:fld>
             <a:r>
               <a:rPr lang="en-US" smtClean="0"/>
@@ -3995,7 +3798,7 @@
     </p:spTree>
     <p:extLst>
       <p:ext uri="{BB962C8B-B14F-4D97-AF65-F5344CB8AC3E}">
-        <p14:creationId xmlns:p14="http://schemas.microsoft.com/office/powerpoint/2010/main" val="3499381333"/>
+        <p14:creationId xmlns:p14="http://schemas.microsoft.com/office/powerpoint/2010/main" val="2736442339"/>
       </p:ext>
     </p:extLst>
   </p:cSld>
@@ -4024,706 +3827,6 @@
       </p:grpSpPr>
       <p:sp>
         <p:nvSpPr>
-          <p:cNvPr id="242690" name="Rectangle 2"/>
-          <p:cNvSpPr>
-            <a:spLocks noGrp="1" noRot="1" noChangeAspect="1" noChangeArrowheads="1" noTextEdit="1"/>
-          </p:cNvSpPr>
-          <p:nvPr>
-            <p:ph type="sldImg"/>
-          </p:nvPr>
-        </p:nvSpPr>
-        <p:spPr>
-          <a:ln/>
-        </p:spPr>
-      </p:sp>
-      <p:sp>
-        <p:nvSpPr>
-          <p:cNvPr id="242691" name="Rectangle 3"/>
-          <p:cNvSpPr>
-            <a:spLocks noGrp="1" noChangeArrowheads="1"/>
-          </p:cNvSpPr>
-          <p:nvPr>
-            <p:ph type="body" idx="1"/>
-          </p:nvPr>
-        </p:nvSpPr>
-        <p:spPr/>
-        <p:txBody>
-          <a:bodyPr/>
-          <a:lstStyle/>
-          <a:p>
-            <a:endParaRPr lang="en-US" dirty="0">
-              <a:latin typeface="Times New Roman" charset="0"/>
-            </a:endParaRPr>
-          </a:p>
-        </p:txBody>
-      </p:sp>
-      <p:sp>
-        <p:nvSpPr>
-          <p:cNvPr id="2" name="Date Placeholder 1"/>
-          <p:cNvSpPr>
-            <a:spLocks noGrp="1"/>
-          </p:cNvSpPr>
-          <p:nvPr>
-            <p:ph type="dt" idx="10"/>
-          </p:nvPr>
-        </p:nvSpPr>
-        <p:spPr/>
-        <p:txBody>
-          <a:bodyPr/>
-          <a:lstStyle/>
-          <a:p>
-            <a:pPr>
-              <a:defRPr/>
-            </a:pPr>
-            <a:r>
-              <a:rPr lang="en-US" smtClean="0"/>
-              <a:t>May 23, 2017</a:t>
-            </a:r>
-            <a:endParaRPr lang="en-US" dirty="0"/>
-          </a:p>
-        </p:txBody>
-      </p:sp>
-      <p:sp>
-        <p:nvSpPr>
-          <p:cNvPr id="3" name="Footer Placeholder 2"/>
-          <p:cNvSpPr>
-            <a:spLocks noGrp="1"/>
-          </p:cNvSpPr>
-          <p:nvPr>
-            <p:ph type="ftr" sz="quarter" idx="11"/>
-          </p:nvPr>
-        </p:nvSpPr>
-        <p:spPr/>
-        <p:txBody>
-          <a:bodyPr/>
-          <a:lstStyle/>
-          <a:p>
-            <a:pPr>
-              <a:defRPr/>
-            </a:pPr>
-            <a:r>
-              <a:rPr lang="en-US" dirty="0" smtClean="0"/>
-              <a:t>Lecture 9</a:t>
-            </a:r>
-            <a:endParaRPr lang="en-US" dirty="0"/>
-          </a:p>
-        </p:txBody>
-      </p:sp>
-      <p:sp>
-        <p:nvSpPr>
-          <p:cNvPr id="7" name="Header Placeholder 6"/>
-          <p:cNvSpPr>
-            <a:spLocks noGrp="1"/>
-          </p:cNvSpPr>
-          <p:nvPr>
-            <p:ph type="hdr" sz="quarter" idx="13"/>
-          </p:nvPr>
-        </p:nvSpPr>
-        <p:spPr/>
-        <p:txBody>
-          <a:bodyPr/>
-          <a:lstStyle/>
-          <a:p>
-            <a:pPr>
-              <a:defRPr/>
-            </a:pPr>
-            <a:r>
-              <a:rPr lang="en-US" dirty="0" smtClean="0"/>
-              <a:t>SE 433</a:t>
-            </a:r>
-            <a:endParaRPr lang="en-US" dirty="0"/>
-          </a:p>
-        </p:txBody>
-      </p:sp>
-      <p:sp>
-        <p:nvSpPr>
-          <p:cNvPr id="4" name="Slide Number Placeholder 3"/>
-          <p:cNvSpPr>
-            <a:spLocks noGrp="1"/>
-          </p:cNvSpPr>
-          <p:nvPr>
-            <p:ph type="sldNum" sz="quarter" idx="14"/>
-          </p:nvPr>
-        </p:nvSpPr>
-        <p:spPr/>
-        <p:txBody>
-          <a:bodyPr/>
-          <a:lstStyle/>
-          <a:p>
-            <a:pPr>
-              <a:defRPr/>
-            </a:pPr>
-            <a:fld id="{F0410F35-0C47-794C-85F9-FC23048F5283}" type="slidenum">
-              <a:rPr lang="en-US" smtClean="0"/>
-              <a:pPr>
-                <a:defRPr/>
-              </a:pPr>
-              <a:t>70</a:t>
-            </a:fld>
-            <a:r>
-              <a:rPr lang="en-US" smtClean="0"/>
-              <a:t> of 102</a:t>
-            </a:r>
-            <a:endParaRPr lang="en-US" dirty="0"/>
-          </a:p>
-        </p:txBody>
-      </p:sp>
-    </p:spTree>
-    <p:extLst>
-      <p:ext uri="{BB962C8B-B14F-4D97-AF65-F5344CB8AC3E}">
-        <p14:creationId xmlns:p14="http://schemas.microsoft.com/office/powerpoint/2010/main" val="2111506748"/>
-      </p:ext>
-    </p:extLst>
-  </p:cSld>
-  <p:clrMapOvr>
-    <a:masterClrMapping/>
-  </p:clrMapOvr>
-</p:notes>
-</file>
-
-<file path=ppt/notesSlides/notesSlide25.xml><?xml version="1.0" encoding="utf-8"?>
-<p:notes xmlns:a="http://schemas.openxmlformats.org/drawingml/2006/main" xmlns:r="http://schemas.openxmlformats.org/officeDocument/2006/relationships" xmlns:p="http://schemas.openxmlformats.org/presentationml/2006/main">
-  <p:cSld>
-    <p:spTree>
-      <p:nvGrpSpPr>
-        <p:cNvPr id="1" name=""/>
-        <p:cNvGrpSpPr/>
-        <p:nvPr/>
-      </p:nvGrpSpPr>
-      <p:grpSpPr>
-        <a:xfrm>
-          <a:off x="0" y="0"/>
-          <a:ext cx="0" cy="0"/>
-          <a:chOff x="0" y="0"/>
-          <a:chExt cx="0" cy="0"/>
-        </a:xfrm>
-      </p:grpSpPr>
-      <p:sp>
-        <p:nvSpPr>
-          <p:cNvPr id="242690" name="Rectangle 2"/>
-          <p:cNvSpPr>
-            <a:spLocks noGrp="1" noRot="1" noChangeAspect="1" noChangeArrowheads="1" noTextEdit="1"/>
-          </p:cNvSpPr>
-          <p:nvPr>
-            <p:ph type="sldImg"/>
-          </p:nvPr>
-        </p:nvSpPr>
-        <p:spPr>
-          <a:ln/>
-        </p:spPr>
-      </p:sp>
-      <p:sp>
-        <p:nvSpPr>
-          <p:cNvPr id="242691" name="Rectangle 3"/>
-          <p:cNvSpPr>
-            <a:spLocks noGrp="1" noChangeArrowheads="1"/>
-          </p:cNvSpPr>
-          <p:nvPr>
-            <p:ph type="body" idx="1"/>
-          </p:nvPr>
-        </p:nvSpPr>
-        <p:spPr/>
-        <p:txBody>
-          <a:bodyPr/>
-          <a:lstStyle/>
-          <a:p>
-            <a:endParaRPr lang="en-US" dirty="0">
-              <a:latin typeface="Times New Roman" charset="0"/>
-            </a:endParaRPr>
-          </a:p>
-        </p:txBody>
-      </p:sp>
-      <p:sp>
-        <p:nvSpPr>
-          <p:cNvPr id="2" name="Date Placeholder 1"/>
-          <p:cNvSpPr>
-            <a:spLocks noGrp="1"/>
-          </p:cNvSpPr>
-          <p:nvPr>
-            <p:ph type="dt" idx="10"/>
-          </p:nvPr>
-        </p:nvSpPr>
-        <p:spPr/>
-        <p:txBody>
-          <a:bodyPr/>
-          <a:lstStyle/>
-          <a:p>
-            <a:pPr>
-              <a:defRPr/>
-            </a:pPr>
-            <a:r>
-              <a:rPr lang="en-US" smtClean="0"/>
-              <a:t>May 23, 2017</a:t>
-            </a:r>
-            <a:endParaRPr lang="en-US" dirty="0"/>
-          </a:p>
-        </p:txBody>
-      </p:sp>
-      <p:sp>
-        <p:nvSpPr>
-          <p:cNvPr id="3" name="Footer Placeholder 2"/>
-          <p:cNvSpPr>
-            <a:spLocks noGrp="1"/>
-          </p:cNvSpPr>
-          <p:nvPr>
-            <p:ph type="ftr" sz="quarter" idx="11"/>
-          </p:nvPr>
-        </p:nvSpPr>
-        <p:spPr/>
-        <p:txBody>
-          <a:bodyPr/>
-          <a:lstStyle/>
-          <a:p>
-            <a:pPr>
-              <a:defRPr/>
-            </a:pPr>
-            <a:r>
-              <a:rPr lang="en-US" dirty="0" smtClean="0"/>
-              <a:t>Lecture 9</a:t>
-            </a:r>
-            <a:endParaRPr lang="en-US" dirty="0"/>
-          </a:p>
-        </p:txBody>
-      </p:sp>
-      <p:sp>
-        <p:nvSpPr>
-          <p:cNvPr id="7" name="Header Placeholder 6"/>
-          <p:cNvSpPr>
-            <a:spLocks noGrp="1"/>
-          </p:cNvSpPr>
-          <p:nvPr>
-            <p:ph type="hdr" sz="quarter" idx="13"/>
-          </p:nvPr>
-        </p:nvSpPr>
-        <p:spPr/>
-        <p:txBody>
-          <a:bodyPr/>
-          <a:lstStyle/>
-          <a:p>
-            <a:pPr>
-              <a:defRPr/>
-            </a:pPr>
-            <a:r>
-              <a:rPr lang="en-US" dirty="0" smtClean="0"/>
-              <a:t>SE 433</a:t>
-            </a:r>
-            <a:endParaRPr lang="en-US" dirty="0"/>
-          </a:p>
-        </p:txBody>
-      </p:sp>
-      <p:sp>
-        <p:nvSpPr>
-          <p:cNvPr id="4" name="Slide Number Placeholder 3"/>
-          <p:cNvSpPr>
-            <a:spLocks noGrp="1"/>
-          </p:cNvSpPr>
-          <p:nvPr>
-            <p:ph type="sldNum" sz="quarter" idx="14"/>
-          </p:nvPr>
-        </p:nvSpPr>
-        <p:spPr/>
-        <p:txBody>
-          <a:bodyPr/>
-          <a:lstStyle/>
-          <a:p>
-            <a:pPr>
-              <a:defRPr/>
-            </a:pPr>
-            <a:fld id="{F0410F35-0C47-794C-85F9-FC23048F5283}" type="slidenum">
-              <a:rPr lang="en-US" smtClean="0"/>
-              <a:pPr>
-                <a:defRPr/>
-              </a:pPr>
-              <a:t>71</a:t>
-            </a:fld>
-            <a:r>
-              <a:rPr lang="en-US" smtClean="0"/>
-              <a:t> of 102</a:t>
-            </a:r>
-            <a:endParaRPr lang="en-US" dirty="0"/>
-          </a:p>
-        </p:txBody>
-      </p:sp>
-    </p:spTree>
-    <p:extLst>
-      <p:ext uri="{BB962C8B-B14F-4D97-AF65-F5344CB8AC3E}">
-        <p14:creationId xmlns:p14="http://schemas.microsoft.com/office/powerpoint/2010/main" val="1766110071"/>
-      </p:ext>
-    </p:extLst>
-  </p:cSld>
-  <p:clrMapOvr>
-    <a:masterClrMapping/>
-  </p:clrMapOvr>
-</p:notes>
-</file>
-
-<file path=ppt/notesSlides/notesSlide26.xml><?xml version="1.0" encoding="utf-8"?>
-<p:notes xmlns:a="http://schemas.openxmlformats.org/drawingml/2006/main" xmlns:r="http://schemas.openxmlformats.org/officeDocument/2006/relationships" xmlns:p="http://schemas.openxmlformats.org/presentationml/2006/main">
-  <p:cSld>
-    <p:spTree>
-      <p:nvGrpSpPr>
-        <p:cNvPr id="1" name=""/>
-        <p:cNvGrpSpPr/>
-        <p:nvPr/>
-      </p:nvGrpSpPr>
-      <p:grpSpPr>
-        <a:xfrm>
-          <a:off x="0" y="0"/>
-          <a:ext cx="0" cy="0"/>
-          <a:chOff x="0" y="0"/>
-          <a:chExt cx="0" cy="0"/>
-        </a:xfrm>
-      </p:grpSpPr>
-      <p:sp>
-        <p:nvSpPr>
-          <p:cNvPr id="242690" name="Rectangle 2"/>
-          <p:cNvSpPr>
-            <a:spLocks noGrp="1" noRot="1" noChangeAspect="1" noChangeArrowheads="1" noTextEdit="1"/>
-          </p:cNvSpPr>
-          <p:nvPr>
-            <p:ph type="sldImg"/>
-          </p:nvPr>
-        </p:nvSpPr>
-        <p:spPr>
-          <a:ln/>
-        </p:spPr>
-      </p:sp>
-      <p:sp>
-        <p:nvSpPr>
-          <p:cNvPr id="242691" name="Rectangle 3"/>
-          <p:cNvSpPr>
-            <a:spLocks noGrp="1" noChangeArrowheads="1"/>
-          </p:cNvSpPr>
-          <p:nvPr>
-            <p:ph type="body" idx="1"/>
-          </p:nvPr>
-        </p:nvSpPr>
-        <p:spPr/>
-        <p:txBody>
-          <a:bodyPr/>
-          <a:lstStyle/>
-          <a:p>
-            <a:endParaRPr lang="en-US" dirty="0">
-              <a:latin typeface="Times New Roman" charset="0"/>
-            </a:endParaRPr>
-          </a:p>
-        </p:txBody>
-      </p:sp>
-      <p:sp>
-        <p:nvSpPr>
-          <p:cNvPr id="2" name="Date Placeholder 1"/>
-          <p:cNvSpPr>
-            <a:spLocks noGrp="1"/>
-          </p:cNvSpPr>
-          <p:nvPr>
-            <p:ph type="dt" idx="10"/>
-          </p:nvPr>
-        </p:nvSpPr>
-        <p:spPr/>
-        <p:txBody>
-          <a:bodyPr/>
-          <a:lstStyle/>
-          <a:p>
-            <a:pPr>
-              <a:defRPr/>
-            </a:pPr>
-            <a:r>
-              <a:rPr lang="en-US" smtClean="0"/>
-              <a:t>May 23, 2017</a:t>
-            </a:r>
-            <a:endParaRPr lang="en-US" dirty="0"/>
-          </a:p>
-        </p:txBody>
-      </p:sp>
-      <p:sp>
-        <p:nvSpPr>
-          <p:cNvPr id="3" name="Footer Placeholder 2"/>
-          <p:cNvSpPr>
-            <a:spLocks noGrp="1"/>
-          </p:cNvSpPr>
-          <p:nvPr>
-            <p:ph type="ftr" sz="quarter" idx="11"/>
-          </p:nvPr>
-        </p:nvSpPr>
-        <p:spPr/>
-        <p:txBody>
-          <a:bodyPr/>
-          <a:lstStyle/>
-          <a:p>
-            <a:pPr>
-              <a:defRPr/>
-            </a:pPr>
-            <a:r>
-              <a:rPr lang="en-US" dirty="0" smtClean="0"/>
-              <a:t>Lecture 9</a:t>
-            </a:r>
-            <a:endParaRPr lang="en-US" dirty="0"/>
-          </a:p>
-        </p:txBody>
-      </p:sp>
-      <p:sp>
-        <p:nvSpPr>
-          <p:cNvPr id="7" name="Header Placeholder 6"/>
-          <p:cNvSpPr>
-            <a:spLocks noGrp="1"/>
-          </p:cNvSpPr>
-          <p:nvPr>
-            <p:ph type="hdr" sz="quarter" idx="13"/>
-          </p:nvPr>
-        </p:nvSpPr>
-        <p:spPr/>
-        <p:txBody>
-          <a:bodyPr/>
-          <a:lstStyle/>
-          <a:p>
-            <a:pPr>
-              <a:defRPr/>
-            </a:pPr>
-            <a:r>
-              <a:rPr lang="en-US" dirty="0" smtClean="0"/>
-              <a:t>SE 433</a:t>
-            </a:r>
-            <a:endParaRPr lang="en-US" dirty="0"/>
-          </a:p>
-        </p:txBody>
-      </p:sp>
-      <p:sp>
-        <p:nvSpPr>
-          <p:cNvPr id="4" name="Slide Number Placeholder 3"/>
-          <p:cNvSpPr>
-            <a:spLocks noGrp="1"/>
-          </p:cNvSpPr>
-          <p:nvPr>
-            <p:ph type="sldNum" sz="quarter" idx="14"/>
-          </p:nvPr>
-        </p:nvSpPr>
-        <p:spPr/>
-        <p:txBody>
-          <a:bodyPr/>
-          <a:lstStyle/>
-          <a:p>
-            <a:pPr>
-              <a:defRPr/>
-            </a:pPr>
-            <a:fld id="{F0410F35-0C47-794C-85F9-FC23048F5283}" type="slidenum">
-              <a:rPr lang="en-US" smtClean="0"/>
-              <a:pPr>
-                <a:defRPr/>
-              </a:pPr>
-              <a:t>72</a:t>
-            </a:fld>
-            <a:r>
-              <a:rPr lang="en-US" smtClean="0"/>
-              <a:t> of 102</a:t>
-            </a:r>
-            <a:endParaRPr lang="en-US" dirty="0"/>
-          </a:p>
-        </p:txBody>
-      </p:sp>
-    </p:spTree>
-    <p:extLst>
-      <p:ext uri="{BB962C8B-B14F-4D97-AF65-F5344CB8AC3E}">
-        <p14:creationId xmlns:p14="http://schemas.microsoft.com/office/powerpoint/2010/main" val="3092884696"/>
-      </p:ext>
-    </p:extLst>
-  </p:cSld>
-  <p:clrMapOvr>
-    <a:masterClrMapping/>
-  </p:clrMapOvr>
-</p:notes>
-</file>
-
-<file path=ppt/notesSlides/notesSlide27.xml><?xml version="1.0" encoding="utf-8"?>
-<p:notes xmlns:a="http://schemas.openxmlformats.org/drawingml/2006/main" xmlns:r="http://schemas.openxmlformats.org/officeDocument/2006/relationships" xmlns:p="http://schemas.openxmlformats.org/presentationml/2006/main">
-  <p:cSld>
-    <p:spTree>
-      <p:nvGrpSpPr>
-        <p:cNvPr id="1" name=""/>
-        <p:cNvGrpSpPr/>
-        <p:nvPr/>
-      </p:nvGrpSpPr>
-      <p:grpSpPr>
-        <a:xfrm>
-          <a:off x="0" y="0"/>
-          <a:ext cx="0" cy="0"/>
-          <a:chOff x="0" y="0"/>
-          <a:chExt cx="0" cy="0"/>
-        </a:xfrm>
-      </p:grpSpPr>
-      <p:sp>
-        <p:nvSpPr>
-          <p:cNvPr id="2" name="Slide Image Placeholder 1"/>
-          <p:cNvSpPr>
-            <a:spLocks noGrp="1" noRot="1" noChangeAspect="1"/>
-          </p:cNvSpPr>
-          <p:nvPr>
-            <p:ph type="sldImg"/>
-          </p:nvPr>
-        </p:nvSpPr>
-        <p:spPr/>
-      </p:sp>
-      <p:sp>
-        <p:nvSpPr>
-          <p:cNvPr id="3" name="Notes Placeholder 2"/>
-          <p:cNvSpPr>
-            <a:spLocks noGrp="1"/>
-          </p:cNvSpPr>
-          <p:nvPr>
-            <p:ph type="body" idx="1"/>
-          </p:nvPr>
-        </p:nvSpPr>
-        <p:spPr/>
-        <p:txBody>
-          <a:bodyPr/>
-          <a:lstStyle/>
-          <a:p>
-            <a:endParaRPr lang="en-US" dirty="0"/>
-          </a:p>
-        </p:txBody>
-      </p:sp>
-      <p:sp>
-        <p:nvSpPr>
-          <p:cNvPr id="4" name="Header Placeholder 3"/>
-          <p:cNvSpPr>
-            <a:spLocks noGrp="1"/>
-          </p:cNvSpPr>
-          <p:nvPr>
-            <p:ph type="hdr" sz="quarter" idx="10"/>
-          </p:nvPr>
-        </p:nvSpPr>
-        <p:spPr/>
-        <p:txBody>
-          <a:bodyPr/>
-          <a:lstStyle/>
-          <a:p>
-            <a:pPr>
-              <a:defRPr/>
-            </a:pPr>
-            <a:r>
-              <a:rPr lang="en-US" dirty="0" smtClean="0"/>
-              <a:t>SE 433</a:t>
-            </a:r>
-            <a:endParaRPr lang="en-US" dirty="0"/>
-          </a:p>
-        </p:txBody>
-      </p:sp>
-      <p:sp>
-        <p:nvSpPr>
-          <p:cNvPr id="5" name="Date Placeholder 4"/>
-          <p:cNvSpPr>
-            <a:spLocks noGrp="1"/>
-          </p:cNvSpPr>
-          <p:nvPr>
-            <p:ph type="dt" idx="11"/>
-          </p:nvPr>
-        </p:nvSpPr>
-        <p:spPr/>
-        <p:txBody>
-          <a:bodyPr/>
-          <a:lstStyle/>
-          <a:p>
-            <a:pPr>
-              <a:defRPr/>
-            </a:pPr>
-            <a:r>
-              <a:rPr lang="en-US" smtClean="0"/>
-              <a:t>May 23, 2017</a:t>
-            </a:r>
-            <a:endParaRPr lang="en-US" dirty="0"/>
-          </a:p>
-        </p:txBody>
-      </p:sp>
-      <p:sp>
-        <p:nvSpPr>
-          <p:cNvPr id="6" name="Footer Placeholder 5"/>
-          <p:cNvSpPr>
-            <a:spLocks noGrp="1"/>
-          </p:cNvSpPr>
-          <p:nvPr>
-            <p:ph type="ftr" sz="quarter" idx="12"/>
-          </p:nvPr>
-        </p:nvSpPr>
-        <p:spPr/>
-        <p:txBody>
-          <a:bodyPr/>
-          <a:lstStyle/>
-          <a:p>
-            <a:pPr>
-              <a:defRPr/>
-            </a:pPr>
-            <a:r>
-              <a:rPr lang="en-US" dirty="0" smtClean="0"/>
-              <a:t>Lecture 9</a:t>
-            </a:r>
-            <a:endParaRPr lang="en-US" dirty="0"/>
-          </a:p>
-        </p:txBody>
-      </p:sp>
-      <p:sp>
-        <p:nvSpPr>
-          <p:cNvPr id="7" name="Slide Number Placeholder 6"/>
-          <p:cNvSpPr>
-            <a:spLocks noGrp="1"/>
-          </p:cNvSpPr>
-          <p:nvPr>
-            <p:ph type="sldNum" sz="quarter" idx="13"/>
-          </p:nvPr>
-        </p:nvSpPr>
-        <p:spPr/>
-        <p:txBody>
-          <a:bodyPr/>
-          <a:lstStyle/>
-          <a:p>
-            <a:pPr>
-              <a:defRPr/>
-            </a:pPr>
-            <a:fld id="{F0410F35-0C47-794C-85F9-FC23048F5283}" type="slidenum">
-              <a:rPr lang="en-US" smtClean="0"/>
-              <a:pPr>
-                <a:defRPr/>
-              </a:pPr>
-              <a:t>73</a:t>
-            </a:fld>
-            <a:r>
-              <a:rPr lang="en-US" smtClean="0"/>
-              <a:t> of 102</a:t>
-            </a:r>
-            <a:endParaRPr lang="en-US" dirty="0"/>
-          </a:p>
-        </p:txBody>
-      </p:sp>
-    </p:spTree>
-    <p:extLst>
-      <p:ext uri="{BB962C8B-B14F-4D97-AF65-F5344CB8AC3E}">
-        <p14:creationId xmlns:p14="http://schemas.microsoft.com/office/powerpoint/2010/main" val="2736442339"/>
-      </p:ext>
-    </p:extLst>
-  </p:cSld>
-  <p:clrMapOvr>
-    <a:masterClrMapping/>
-  </p:clrMapOvr>
-</p:notes>
-</file>
-
-<file path=ppt/notesSlides/notesSlide28.xml><?xml version="1.0" encoding="utf-8"?>
-<p:notes xmlns:a="http://schemas.openxmlformats.org/drawingml/2006/main" xmlns:r="http://schemas.openxmlformats.org/officeDocument/2006/relationships" xmlns:p="http://schemas.openxmlformats.org/presentationml/2006/main">
-  <p:cSld>
-    <p:spTree>
-      <p:nvGrpSpPr>
-        <p:cNvPr id="1" name=""/>
-        <p:cNvGrpSpPr/>
-        <p:nvPr/>
-      </p:nvGrpSpPr>
-      <p:grpSpPr>
-        <a:xfrm>
-          <a:off x="0" y="0"/>
-          <a:ext cx="0" cy="0"/>
-          <a:chOff x="0" y="0"/>
-          <a:chExt cx="0" cy="0"/>
-        </a:xfrm>
-      </p:grpSpPr>
-      <p:sp>
-        <p:nvSpPr>
           <p:cNvPr id="48129" name="Rectangle 7"/>
           <p:cNvSpPr txBox="1">
             <a:spLocks noGrp="1" noChangeArrowheads="1"/>
@@ -4744,14 +3847,14 @@
           </a:ln>
           <a:extLst>
             <a:ext uri="{909E8E84-426E-40dd-AFC4-6F175D3DCCD1}">
-              <a14:hiddenFill xmlns:a14="http://schemas.microsoft.com/office/drawing/2010/main" xmlns="">
+              <a14:hiddenFill xmlns="" xmlns:a14="http://schemas.microsoft.com/office/drawing/2010/main">
                 <a:solidFill>
                   <a:srgbClr val="FFFFFF"/>
                 </a:solidFill>
               </a14:hiddenFill>
             </a:ext>
             <a:ext uri="{91240B29-F687-4f45-9708-019B960494DF}">
-              <a14:hiddenLine xmlns:a14="http://schemas.microsoft.com/office/drawing/2010/main" xmlns="" w="9525">
+              <a14:hiddenLine xmlns="" xmlns:a14="http://schemas.microsoft.com/office/drawing/2010/main" w="9525">
                 <a:solidFill>
                   <a:srgbClr val="000000"/>
                 </a:solidFill>
@@ -4879,7 +3982,7 @@
                 <a:latin typeface="Verdana" charset="0"/>
               </a:rPr>
               <a:pPr algn="r" eaLnBrk="1" hangingPunct="1"/>
-              <a:t>75</a:t>
+              <a:t>79</a:t>
             </a:fld>
             <a:endParaRPr lang="en-US" sz="1200" dirty="0">
               <a:latin typeface="Verdana" charset="0"/>
@@ -4927,14 +4030,14 @@
           </a:ln>
           <a:extLst>
             <a:ext uri="{909E8E84-426E-40dd-AFC4-6F175D3DCCD1}">
-              <a14:hiddenFill xmlns:a14="http://schemas.microsoft.com/office/drawing/2010/main" xmlns="">
+              <a14:hiddenFill xmlns="" xmlns:a14="http://schemas.microsoft.com/office/drawing/2010/main">
                 <a:solidFill>
                   <a:srgbClr val="FFFFFF"/>
                 </a:solidFill>
               </a14:hiddenFill>
             </a:ext>
             <a:ext uri="{FAA26D3D-D897-4be2-8F04-BA451C77F1D7}">
-              <ma14:placeholderFlag xmlns:ma14="http://schemas.microsoft.com/office/mac/drawingml/2011/main" xmlns="" val="1"/>
+              <ma14:placeholderFlag xmlns="" xmlns:ma14="http://schemas.microsoft.com/office/mac/drawingml/2011/main" val="1"/>
             </a:ext>
           </a:extLst>
         </p:spPr>
@@ -5050,7 +4153,7 @@
               <a:pPr>
                 <a:defRPr/>
               </a:pPr>
-              <a:t>75</a:t>
+              <a:t>79</a:t>
             </a:fld>
             <a:r>
               <a:rPr lang="en-US" smtClean="0"/>
@@ -10436,14 +9539,14 @@
           </a:ln>
           <a:extLst>
             <a:ext uri="{909E8E84-426E-40dd-AFC4-6F175D3DCCD1}">
-              <a14:hiddenFill xmlns:a14="http://schemas.microsoft.com/office/drawing/2010/main" xmlns="">
+              <a14:hiddenFill xmlns="" xmlns:a14="http://schemas.microsoft.com/office/drawing/2010/main">
                 <a:solidFill>
                   <a:srgbClr val="FFFFFF"/>
                 </a:solidFill>
               </a14:hiddenFill>
             </a:ext>
             <a:ext uri="{91240B29-F687-4f45-9708-019B960494DF}">
-              <a14:hiddenLine xmlns:a14="http://schemas.microsoft.com/office/drawing/2010/main" xmlns="" w="9525">
+              <a14:hiddenLine xmlns="" xmlns:a14="http://schemas.microsoft.com/office/drawing/2010/main" w="9525">
                 <a:solidFill>
                   <a:srgbClr val="000000"/>
                 </a:solidFill>
@@ -10511,14 +9614,14 @@
           </a:ln>
           <a:extLst>
             <a:ext uri="{909E8E84-426E-40dd-AFC4-6F175D3DCCD1}">
-              <a14:hiddenFill xmlns:a14="http://schemas.microsoft.com/office/drawing/2010/main" xmlns="">
+              <a14:hiddenFill xmlns="" xmlns:a14="http://schemas.microsoft.com/office/drawing/2010/main">
                 <a:solidFill>
                   <a:srgbClr val="FFFFFF"/>
                 </a:solidFill>
               </a14:hiddenFill>
             </a:ext>
             <a:ext uri="{91240B29-F687-4f45-9708-019B960494DF}">
-              <a14:hiddenLine xmlns:a14="http://schemas.microsoft.com/office/drawing/2010/main" xmlns="" w="9525">
+              <a14:hiddenLine xmlns="" xmlns:a14="http://schemas.microsoft.com/office/drawing/2010/main" w="9525">
                 <a:solidFill>
                   <a:srgbClr val="000000"/>
                 </a:solidFill>
@@ -11513,11 +10616,7 @@
           <a:p>
             <a:r>
               <a:rPr lang="en-US" sz="3200" dirty="0" smtClean="0"/>
-              <a:t>Functional </a:t>
-            </a:r>
-            <a:r>
-              <a:rPr lang="en-US" sz="3200" dirty="0" smtClean="0"/>
-              <a:t>System Testing</a:t>
+              <a:t>Functional System Testing</a:t>
             </a:r>
           </a:p>
           <a:p>
@@ -14144,7 +13243,7 @@
           <a:graphicData uri="http://schemas.openxmlformats.org/presentationml/2006/ole">
             <mc:AlternateContent xmlns:mc="http://schemas.openxmlformats.org/markup-compatibility/2006">
               <mc:Choice xmlns:v="urn:schemas-microsoft-com:vml" Requires="v">
-                <p:oleObj spid="_x0000_s1038" name="Visio" r:id="rId3" imgW="2206211" imgH="764469" progId="Visio.Drawing.11">
+                <p:oleObj spid="_x0000_s1040" name="Visio" r:id="rId3" imgW="2206211" imgH="764469" progId="Visio.Drawing.11">
                   <p:embed/>
                 </p:oleObj>
               </mc:Choice>
@@ -16231,7 +15330,6 @@
               <a:rPr lang="en-US" altLang="en-US" sz="2600" dirty="0"/>
               <a:t>or impact of failure.</a:t>
             </a:r>
-            <a:endParaRPr lang="en-US" altLang="en-US" sz="2600" dirty="0"/>
           </a:p>
         </p:txBody>
       </p:sp>
@@ -18212,14 +17310,14 @@
           </a:ln>
           <a:extLst>
             <a:ext uri="{909E8E84-426E-40dd-AFC4-6F175D3DCCD1}">
-              <a14:hiddenFill xmlns:a14="http://schemas.microsoft.com/office/drawing/2010/main" xmlns="">
+              <a14:hiddenFill xmlns="" xmlns:a14="http://schemas.microsoft.com/office/drawing/2010/main">
                 <a:solidFill>
                   <a:srgbClr val="FFFFFF"/>
                 </a:solidFill>
               </a14:hiddenFill>
             </a:ext>
             <a:ext uri="{91240B29-F687-4f45-9708-019B960494DF}">
-              <a14:hiddenLine xmlns:a14="http://schemas.microsoft.com/office/drawing/2010/main" xmlns="" w="9525">
+              <a14:hiddenLine xmlns="" xmlns:a14="http://schemas.microsoft.com/office/drawing/2010/main" w="9525">
                 <a:solidFill>
                   <a:srgbClr val="000000"/>
                 </a:solidFill>
@@ -18439,7 +17537,7 @@
           <a:lstStyle/>
           <a:p>
             <a:r>
-              <a:rPr lang="en-US" dirty="0" smtClean="0"/>
+              <a:rPr lang="en-US" dirty="0"/>
               <a:t>Non-Functional System Testing</a:t>
             </a:r>
             <a:endParaRPr lang="en-US" dirty="0"/>
@@ -18521,7 +17619,7 @@
       </p:grpSpPr>
       <p:sp>
         <p:nvSpPr>
-          <p:cNvPr id="2" name="Title 1"/>
+          <p:cNvPr id="5" name="Title 4"/>
           <p:cNvSpPr>
             <a:spLocks noGrp="1"/>
           </p:cNvSpPr>
@@ -18535,16 +17633,15 @@
           <a:lstStyle/>
           <a:p>
             <a:r>
-              <a:rPr lang="en-US" dirty="0" smtClean="0"/>
-              <a:t>Performance Testing </a:t>
-            </a:r>
-            <a:endParaRPr lang="en-US" dirty="0"/>
-          </a:p>
-        </p:txBody>
-      </p:sp>
-      <p:sp>
-        <p:nvSpPr>
-          <p:cNvPr id="3" name="Content Placeholder 2"/>
+              <a:rPr lang="en-US" dirty="0"/>
+              <a:t>Non-Functional System Testing</a:t>
+            </a:r>
+          </a:p>
+        </p:txBody>
+      </p:sp>
+      <p:sp>
+        <p:nvSpPr>
+          <p:cNvPr id="6" name="Content Placeholder 5"/>
           <p:cNvSpPr>
             <a:spLocks noGrp="1"/>
           </p:cNvSpPr>
@@ -18555,83 +17652,62 @@
         <p:spPr/>
         <p:txBody>
           <a:bodyPr>
-            <a:normAutofit lnSpcReduction="10000"/>
+            <a:normAutofit/>
           </a:bodyPr>
           <a:lstStyle/>
           <a:p>
             <a:r>
-              <a:rPr lang="en-US" dirty="0" smtClean="0"/>
-              <a:t>Stress Testing </a:t>
-            </a:r>
-          </a:p>
-          <a:p>
-            <a:pPr lvl="1"/>
-            <a:r>
-              <a:rPr lang="en-US" dirty="0" smtClean="0"/>
-              <a:t>Checks if the system can respond to many simultaneous requests</a:t>
-            </a:r>
-            <a:br>
-              <a:rPr lang="en-US" dirty="0" smtClean="0"/>
-            </a:br>
-            <a:r>
-              <a:rPr lang="en-US" dirty="0" smtClean="0"/>
-              <a:t>(maximum # of users, peak demands) </a:t>
-            </a:r>
-          </a:p>
-          <a:p>
-            <a:r>
-              <a:rPr lang="en-US" dirty="0" smtClean="0"/>
-              <a:t>Volume testing</a:t>
-            </a:r>
-          </a:p>
-          <a:p>
-            <a:pPr lvl="1"/>
-            <a:r>
-              <a:rPr lang="en-US" dirty="0" smtClean="0"/>
-              <a:t>Test what happens if large amounts of data are handled</a:t>
-            </a:r>
-          </a:p>
-          <a:p>
-            <a:r>
-              <a:rPr lang="en-US" dirty="0" smtClean="0"/>
-              <a:t>Configuration testing </a:t>
-            </a:r>
-          </a:p>
-          <a:p>
-            <a:pPr lvl="1"/>
-            <a:r>
-              <a:rPr lang="en-US" dirty="0" smtClean="0"/>
-              <a:t>Test the various software and hardware configurations </a:t>
-            </a:r>
-          </a:p>
-          <a:p>
-            <a:r>
-              <a:rPr lang="en-US" dirty="0" smtClean="0"/>
-              <a:t>Compatibility test</a:t>
-            </a:r>
-          </a:p>
-          <a:p>
-            <a:pPr lvl="1"/>
-            <a:r>
-              <a:rPr lang="en-US" dirty="0" smtClean="0"/>
-              <a:t>Test backward compatibility with existing systems </a:t>
-            </a:r>
-          </a:p>
-          <a:p>
-            <a:r>
-              <a:rPr lang="en-US" dirty="0" smtClean="0"/>
-              <a:t>Security testing </a:t>
-            </a:r>
-          </a:p>
-          <a:p>
-            <a:pPr lvl="1"/>
-            <a:r>
-              <a:rPr lang="en-US" dirty="0" smtClean="0"/>
-              <a:t>Try to violate security requirements </a:t>
-            </a:r>
-          </a:p>
-          <a:p>
-            <a:endParaRPr lang="en-US" dirty="0"/>
+              <a:rPr lang="en-US" dirty="0"/>
+              <a:t>Non-Functional Testing </a:t>
+            </a:r>
+            <a:r>
+              <a:rPr lang="en-US" dirty="0" smtClean="0"/>
+              <a:t>is </a:t>
+            </a:r>
+            <a:r>
+              <a:rPr lang="en-US" dirty="0"/>
+              <a:t>defined as a type of Software testing to check non-functional aspects (performance, usability, reliability, </a:t>
+            </a:r>
+            <a:r>
+              <a:rPr lang="en-US" dirty="0" smtClean="0"/>
+              <a:t>etc.) </a:t>
+            </a:r>
+            <a:r>
+              <a:rPr lang="en-US" dirty="0"/>
+              <a:t>of a software </a:t>
+            </a:r>
+            <a:r>
+              <a:rPr lang="en-US" dirty="0" smtClean="0"/>
+              <a:t>system.</a:t>
+            </a:r>
+          </a:p>
+          <a:p>
+            <a:r>
+              <a:rPr lang="en-US" dirty="0" smtClean="0"/>
+              <a:t>It </a:t>
+            </a:r>
+            <a:r>
+              <a:rPr lang="en-US" dirty="0"/>
+              <a:t>is designed to test the readiness of a system as per nonfunctional </a:t>
+            </a:r>
+            <a:r>
+              <a:rPr lang="en-US" dirty="0" smtClean="0"/>
+              <a:t>aspects </a:t>
+            </a:r>
+            <a:r>
+              <a:rPr lang="en-US" dirty="0"/>
+              <a:t>which are never addressed by functional testing.</a:t>
+            </a:r>
+          </a:p>
+          <a:p>
+            <a:r>
+              <a:rPr lang="en-US" dirty="0" smtClean="0"/>
+              <a:t>Non-functional </a:t>
+            </a:r>
+            <a:r>
+              <a:rPr lang="en-US" dirty="0"/>
+              <a:t>testing is equally important as functional testing and affects client satisfaction.</a:t>
+            </a:r>
           </a:p>
         </p:txBody>
       </p:sp>
@@ -18650,7 +17726,7 @@
           <a:bodyPr/>
           <a:lstStyle/>
           <a:p>
-            <a:fld id="{B543A0FD-1CA6-4228-86A2-78061B4844C8}" type="slidenum">
+            <a:fld id="{B8DACC02-A2BD-4578-8E03-6D891060A695}" type="slidenum">
               <a:rPr lang="en-US" smtClean="0"/>
               <a:t>52</a:t>
             </a:fld>
@@ -18661,20 +17737,13 @@
     </p:spTree>
     <p:extLst>
       <p:ext uri="{BB962C8B-B14F-4D97-AF65-F5344CB8AC3E}">
-        <p14:creationId xmlns:p14="http://schemas.microsoft.com/office/powerpoint/2010/main" val="2352415844"/>
+        <p14:creationId xmlns:p14="http://schemas.microsoft.com/office/powerpoint/2010/main" val="2161723675"/>
       </p:ext>
     </p:extLst>
   </p:cSld>
   <p:clrMapOvr>
     <a:masterClrMapping/>
   </p:clrMapOvr>
-  <p:timing>
-    <p:tnLst>
-      <p:par>
-        <p:cTn id="1" dur="indefinite" restart="never" nodeType="tmRoot"/>
-      </p:par>
-    </p:tnLst>
-  </p:timing>
 </p:sld>
 </file>
 
@@ -18731,72 +17800,79 @@
         <p:spPr/>
         <p:txBody>
           <a:bodyPr>
-            <a:normAutofit/>
+            <a:normAutofit lnSpcReduction="10000"/>
           </a:bodyPr>
           <a:lstStyle/>
           <a:p>
             <a:r>
               <a:rPr lang="en-US" dirty="0" smtClean="0"/>
-              <a:t>Timing testing</a:t>
+              <a:t>Stress Testing </a:t>
             </a:r>
           </a:p>
           <a:p>
             <a:pPr lvl="1"/>
             <a:r>
               <a:rPr lang="en-US" dirty="0" smtClean="0"/>
-              <a:t>Evaluate response times and time to perform a function </a:t>
-            </a:r>
-          </a:p>
-          <a:p>
-            <a:r>
-              <a:rPr lang="en-US" dirty="0" smtClean="0"/>
-              <a:t>Environmental test </a:t>
+              <a:t>Checks if the system can respond to many simultaneous requests</a:t>
+            </a:r>
+            <a:br>
+              <a:rPr lang="en-US" dirty="0" smtClean="0"/>
+            </a:br>
+            <a:r>
+              <a:rPr lang="en-US" dirty="0" smtClean="0"/>
+              <a:t>(maximum # of users, peak demands) </a:t>
+            </a:r>
+          </a:p>
+          <a:p>
+            <a:r>
+              <a:rPr lang="en-US" dirty="0" smtClean="0"/>
+              <a:t>Volume testing</a:t>
             </a:r>
           </a:p>
           <a:p>
             <a:pPr lvl="1"/>
             <a:r>
               <a:rPr lang="en-US" dirty="0" smtClean="0"/>
-              <a:t>Test tolerances for heat, humidity, motion, portability </a:t>
-            </a:r>
-          </a:p>
-          <a:p>
-            <a:r>
-              <a:rPr lang="en-US" dirty="0" smtClean="0"/>
-              <a:t>Quality testing</a:t>
+              <a:t>Test what happens if large amounts of data are handled</a:t>
+            </a:r>
+          </a:p>
+          <a:p>
+            <a:r>
+              <a:rPr lang="en-US" dirty="0" smtClean="0"/>
+              <a:t>Configuration testing </a:t>
             </a:r>
           </a:p>
           <a:p>
             <a:pPr lvl="1"/>
             <a:r>
               <a:rPr lang="en-US" dirty="0" smtClean="0"/>
-              <a:t>Test reliability, maintainability &amp; availability of the system</a:t>
-            </a:r>
-          </a:p>
-          <a:p>
-            <a:r>
-              <a:rPr lang="en-US" dirty="0" smtClean="0"/>
-              <a:t>Recovery testing </a:t>
+              <a:t>Test the various software and hardware configurations </a:t>
+            </a:r>
+          </a:p>
+          <a:p>
+            <a:r>
+              <a:rPr lang="en-US" dirty="0" smtClean="0"/>
+              <a:t>Compatibility test</a:t>
             </a:r>
           </a:p>
           <a:p>
             <a:pPr lvl="1"/>
             <a:r>
               <a:rPr lang="en-US" dirty="0" smtClean="0"/>
-              <a:t>Tests system’s response to presence of errors or loss of data. </a:t>
-            </a:r>
-          </a:p>
-          <a:p>
-            <a:r>
-              <a:rPr lang="en-US" dirty="0" smtClean="0"/>
-              <a:t>Human factors testing</a:t>
+              <a:t>Test backward compatibility with existing systems </a:t>
+            </a:r>
+          </a:p>
+          <a:p>
+            <a:r>
+              <a:rPr lang="en-US" dirty="0" smtClean="0"/>
+              <a:t>Security testing </a:t>
             </a:r>
           </a:p>
           <a:p>
             <a:pPr lvl="1"/>
             <a:r>
               <a:rPr lang="en-US" dirty="0" smtClean="0"/>
-              <a:t>Tests user interface with user </a:t>
+              <a:t>Try to violate security requirements </a:t>
             </a:r>
           </a:p>
           <a:p>
@@ -18830,7 +17906,7 @@
     </p:spTree>
     <p:extLst>
       <p:ext uri="{BB962C8B-B14F-4D97-AF65-F5344CB8AC3E}">
-        <p14:creationId xmlns:p14="http://schemas.microsoft.com/office/powerpoint/2010/main" val="2727535138"/>
+        <p14:creationId xmlns:p14="http://schemas.microsoft.com/office/powerpoint/2010/main" val="1947982396"/>
       </p:ext>
     </p:extLst>
   </p:cSld>
@@ -18880,15 +17956,16 @@
           <a:lstStyle/>
           <a:p>
             <a:r>
-              <a:rPr lang="en-US" sz="4000" dirty="0"/>
-              <a:t>Test Cases for Performance Testing </a:t>
-            </a:r>
-          </a:p>
-        </p:txBody>
-      </p:sp>
-      <p:sp>
-        <p:nvSpPr>
-          <p:cNvPr id="11" name="Content Placeholder 10"/>
+              <a:rPr lang="en-US" dirty="0" smtClean="0"/>
+              <a:t>Performance Testing </a:t>
+            </a:r>
+            <a:endParaRPr lang="en-US" dirty="0"/>
+          </a:p>
+        </p:txBody>
+      </p:sp>
+      <p:sp>
+        <p:nvSpPr>
+          <p:cNvPr id="3" name="Content Placeholder 2"/>
           <p:cNvSpPr>
             <a:spLocks noGrp="1"/>
           </p:cNvSpPr>
@@ -18899,157 +17976,82 @@
         <p:spPr/>
         <p:txBody>
           <a:bodyPr>
-            <a:normAutofit fontScale="92500" lnSpcReduction="10000"/>
+            <a:normAutofit/>
           </a:bodyPr>
           <a:lstStyle/>
           <a:p>
             <a:r>
-              <a:rPr lang="en-US" dirty="0"/>
-              <a:t>Goal: Try to violate non-functional </a:t>
-            </a:r>
-            <a:r>
-              <a:rPr lang="en-US" dirty="0" smtClean="0"/>
-              <a:t>requirements</a:t>
-            </a:r>
-          </a:p>
-          <a:p>
-            <a:r>
-              <a:rPr lang="en-US" dirty="0" smtClean="0"/>
-              <a:t>Push </a:t>
-            </a:r>
-            <a:r>
-              <a:rPr lang="en-US" dirty="0"/>
-              <a:t>the (integrated) system to its limits. </a:t>
-            </a:r>
-          </a:p>
-          <a:p>
-            <a:r>
-              <a:rPr lang="en-US" dirty="0" smtClean="0"/>
-              <a:t>Goal</a:t>
-            </a:r>
-            <a:r>
-              <a:rPr lang="en-US" dirty="0"/>
-              <a:t>: Try to break the subsystem </a:t>
-            </a:r>
-          </a:p>
-          <a:p>
-            <a:r>
-              <a:rPr lang="en-US" dirty="0" smtClean="0"/>
-              <a:t>Test </a:t>
-            </a:r>
-            <a:r>
-              <a:rPr lang="en-US" dirty="0"/>
-              <a:t>how the system behaves when overloaded</a:t>
-            </a:r>
-            <a:r>
-              <a:rPr lang="en-US" dirty="0" smtClean="0"/>
-              <a:t>.</a:t>
+              <a:rPr lang="en-US" dirty="0" smtClean="0"/>
+              <a:t>Timing testing</a:t>
             </a:r>
           </a:p>
           <a:p>
             <a:pPr lvl="1"/>
             <a:r>
               <a:rPr lang="en-US" dirty="0" smtClean="0"/>
-              <a:t>Can </a:t>
-            </a:r>
-            <a:r>
-              <a:rPr lang="en-US" dirty="0"/>
-              <a:t>bottlenecks be identified? (First candidates for redesign in </a:t>
-            </a:r>
-            <a:r>
-              <a:rPr lang="en-US" dirty="0" smtClean="0"/>
-              <a:t>the </a:t>
-            </a:r>
-            <a:r>
-              <a:rPr lang="en-US" dirty="0"/>
-              <a:t>next </a:t>
-            </a:r>
-            <a:r>
-              <a:rPr lang="en-US" dirty="0" smtClean="0"/>
-              <a:t>iteration)</a:t>
-            </a:r>
-          </a:p>
-          <a:p>
-            <a:r>
-              <a:rPr lang="en-US" dirty="0" smtClean="0"/>
-              <a:t>Try </a:t>
-            </a:r>
-            <a:r>
-              <a:rPr lang="en-US" dirty="0"/>
-              <a:t>unusual orders of execution </a:t>
+              <a:t>Evaluate response times and time to perform a function </a:t>
+            </a:r>
+          </a:p>
+          <a:p>
+            <a:r>
+              <a:rPr lang="en-US" dirty="0" smtClean="0"/>
+              <a:t>Environmental test </a:t>
             </a:r>
           </a:p>
           <a:p>
             <a:pPr lvl="1"/>
             <a:r>
               <a:rPr lang="en-US" dirty="0" smtClean="0"/>
-              <a:t>Call a receive</a:t>
-            </a:r>
-            <a:r>
-              <a:rPr lang="en-US" dirty="0"/>
-              <a:t>() </a:t>
-            </a:r>
-            <a:r>
-              <a:rPr lang="en-US" dirty="0" smtClean="0"/>
-              <a:t>before send</a:t>
-            </a:r>
-            <a:r>
-              <a:rPr lang="en-US" dirty="0"/>
-              <a:t>(</a:t>
-            </a:r>
-            <a:r>
-              <a:rPr lang="en-US" dirty="0" smtClean="0"/>
-              <a:t>)</a:t>
-            </a:r>
+              <a:t>Test tolerances for heat, humidity, motion, portability </a:t>
+            </a:r>
+          </a:p>
+          <a:p>
+            <a:r>
+              <a:rPr lang="en-US" dirty="0" smtClean="0"/>
+              <a:t>Quality testing</a:t>
+            </a:r>
+          </a:p>
+          <a:p>
+            <a:pPr lvl="1"/>
+            <a:r>
+              <a:rPr lang="en-US" dirty="0" smtClean="0"/>
+              <a:t>Test reliability, maintainability &amp; availability of the system</a:t>
+            </a:r>
+          </a:p>
+          <a:p>
+            <a:r>
+              <a:rPr lang="en-US" dirty="0" smtClean="0"/>
+              <a:t>Recovery testing </a:t>
+            </a:r>
+          </a:p>
+          <a:p>
+            <a:pPr lvl="1"/>
+            <a:r>
+              <a:rPr lang="en-US" dirty="0" smtClean="0"/>
+              <a:t>Tests system’s response to presence of errors or loss of data. </a:t>
+            </a:r>
+          </a:p>
+          <a:p>
+            <a:r>
+              <a:rPr lang="en-US" dirty="0" smtClean="0"/>
+              <a:t>Human factors testing</a:t>
+            </a:r>
+          </a:p>
+          <a:p>
+            <a:pPr lvl="1"/>
+            <a:r>
+              <a:rPr lang="en-US" dirty="0" smtClean="0"/>
+              <a:t>Tests user interface with user </a:t>
+            </a:r>
+          </a:p>
+          <a:p>
             <a:endParaRPr lang="en-US" dirty="0"/>
           </a:p>
-          <a:p>
-            <a:r>
-              <a:rPr lang="en-US" dirty="0" smtClean="0"/>
-              <a:t>Check </a:t>
-            </a:r>
-            <a:r>
-              <a:rPr lang="en-US" dirty="0"/>
-              <a:t>the system’s response to large volumes of data </a:t>
-            </a:r>
-          </a:p>
-          <a:p>
-            <a:pPr lvl="1"/>
-            <a:r>
-              <a:rPr lang="en-US" dirty="0"/>
-              <a:t>If the system is supposed to handle 1000 items, try it with 1001 items. </a:t>
-            </a:r>
-          </a:p>
-          <a:p>
-            <a:r>
-              <a:rPr lang="en-US" dirty="0" smtClean="0"/>
-              <a:t>What </a:t>
-            </a:r>
-            <a:r>
-              <a:rPr lang="en-US" dirty="0"/>
-              <a:t>is the amount of time spent in different use cases? </a:t>
-            </a:r>
-            <a:endParaRPr lang="en-US" dirty="0" smtClean="0"/>
-          </a:p>
-          <a:p>
-            <a:pPr lvl="1"/>
-            <a:r>
-              <a:rPr lang="en-US" dirty="0" smtClean="0"/>
-              <a:t>Are </a:t>
-            </a:r>
-            <a:r>
-              <a:rPr lang="en-US" dirty="0"/>
-              <a:t>typical cases executed in a timely fashion? </a:t>
-            </a:r>
-          </a:p>
-          <a:p>
-            <a:endParaRPr lang="en-US" dirty="0"/>
-          </a:p>
-        </p:txBody>
-      </p:sp>
-      <p:sp>
-        <p:nvSpPr>
-          <p:cNvPr id="3" name="Slide Number Placeholder 2"/>
+        </p:txBody>
+      </p:sp>
+      <p:sp>
+        <p:nvSpPr>
+          <p:cNvPr id="4" name="Slide Number Placeholder 3"/>
           <p:cNvSpPr>
             <a:spLocks noGrp="1"/>
           </p:cNvSpPr>
@@ -19073,21 +18075,13 @@
     </p:spTree>
     <p:extLst>
       <p:ext uri="{BB962C8B-B14F-4D97-AF65-F5344CB8AC3E}">
-        <p14:creationId xmlns:p14="http://schemas.microsoft.com/office/powerpoint/2010/main" val="2996060211"/>
+        <p14:creationId xmlns:p14="http://schemas.microsoft.com/office/powerpoint/2010/main" val="1168126151"/>
       </p:ext>
     </p:extLst>
   </p:cSld>
   <p:clrMapOvr>
     <a:masterClrMapping/>
   </p:clrMapOvr>
-  <mc:AlternateContent xmlns:mc="http://schemas.openxmlformats.org/markup-compatibility/2006" xmlns:p14="http://schemas.microsoft.com/office/powerpoint/2010/main">
-    <mc:Choice Requires="p14">
-      <p:transition spd="slow" p14:dur="2000"/>
-    </mc:Choice>
-    <mc:Fallback xmlns="">
-      <p:transition xmlns:p14="http://schemas.microsoft.com/office/powerpoint/2010/main" spd="slow"/>
-    </mc:Fallback>
-  </mc:AlternateContent>
   <p:timing>
     <p:tnLst>
       <p:par>
@@ -19117,7 +18111,7 @@
       </p:grpSpPr>
       <p:sp>
         <p:nvSpPr>
-          <p:cNvPr id="25604" name="Title 1"/>
+          <p:cNvPr id="5" name="Title 4"/>
           <p:cNvSpPr>
             <a:spLocks noGrp="1"/>
           </p:cNvSpPr>
@@ -19131,73 +18125,85 @@
           <a:lstStyle/>
           <a:p>
             <a:r>
-              <a:rPr lang="en-US" dirty="0" smtClean="0"/>
-              <a:t>Global Properties</a:t>
-            </a:r>
-            <a:endParaRPr lang="en-US" dirty="0"/>
-          </a:p>
-        </p:txBody>
-      </p:sp>
-      <p:sp>
-        <p:nvSpPr>
-          <p:cNvPr id="25605" name="Content Placeholder 2"/>
-          <p:cNvSpPr>
-            <a:spLocks noGrp="1"/>
-          </p:cNvSpPr>
-          <p:nvPr>
-            <p:ph type="body" idx="1"/>
-          </p:nvPr>
-        </p:nvSpPr>
-        <p:spPr/>
-        <p:txBody>
-          <a:bodyPr/>
-          <a:lstStyle/>
-          <a:p>
-            <a:r>
-              <a:rPr lang="en-US" dirty="0" smtClean="0"/>
-              <a:t>Some system properties are inherently global</a:t>
+              <a:rPr lang="en-US" dirty="0"/>
+              <a:t>Non-Functional System Testing</a:t>
+            </a:r>
+          </a:p>
+        </p:txBody>
+      </p:sp>
+      <p:sp>
+        <p:nvSpPr>
+          <p:cNvPr id="6" name="Content Placeholder 5"/>
+          <p:cNvSpPr>
+            <a:spLocks noGrp="1"/>
+          </p:cNvSpPr>
+          <p:nvPr>
+            <p:ph idx="1"/>
+          </p:nvPr>
+        </p:nvSpPr>
+        <p:spPr/>
+        <p:txBody>
+          <a:bodyPr>
+            <a:normAutofit/>
+          </a:bodyPr>
+          <a:lstStyle/>
+          <a:p>
+            <a:r>
+              <a:rPr lang="en-US" dirty="0"/>
+              <a:t>Performance Testing:</a:t>
             </a:r>
           </a:p>
           <a:p>
             <a:pPr lvl="1"/>
             <a:r>
               <a:rPr lang="en-US" dirty="0" smtClean="0"/>
-              <a:t>Performance, latency, reliability, ... </a:t>
+              <a:t>Evaluates </a:t>
+            </a:r>
+            <a:r>
+              <a:rPr lang="en-US" dirty="0"/>
+              <a:t>the overall performance of the system.</a:t>
+            </a:r>
+          </a:p>
+          <a:p>
+            <a:r>
+              <a:rPr lang="en-US" dirty="0" smtClean="0"/>
+              <a:t>Key </a:t>
+            </a:r>
+            <a:r>
+              <a:rPr lang="en-US" dirty="0"/>
+              <a:t>elements are as follows:</a:t>
             </a:r>
           </a:p>
           <a:p>
             <a:pPr lvl="1"/>
             <a:r>
               <a:rPr lang="en-US" dirty="0" smtClean="0"/>
-              <a:t>Early and incremental testing is still necessary, but provide only estimates</a:t>
-            </a:r>
-          </a:p>
-          <a:p>
-            <a:r>
-              <a:rPr lang="en-US" dirty="0" smtClean="0"/>
-              <a:t>A major focus of system testing</a:t>
+              <a:t>Validates </a:t>
+            </a:r>
+            <a:r>
+              <a:rPr lang="en-US" dirty="0"/>
+              <a:t>that the system meets the expected response time.</a:t>
             </a:r>
           </a:p>
           <a:p>
             <a:pPr lvl="1"/>
             <a:r>
-              <a:rPr lang="en-US" dirty="0" smtClean="0"/>
-              <a:t>The only opportunity to verify global properties against actual system specifications</a:t>
+              <a:rPr lang="en-US" dirty="0"/>
+              <a:t>Evaluates that the significant elements of the application meet the desired response time.</a:t>
             </a:r>
           </a:p>
           <a:p>
             <a:pPr lvl="1"/>
             <a:r>
-              <a:rPr lang="en-US" dirty="0" smtClean="0"/>
-              <a:t>Especially to find unanticipated effects, e.g., an unexpected performance bottleneck</a:t>
-            </a:r>
-            <a:endParaRPr lang="en-US" dirty="0"/>
-          </a:p>
-        </p:txBody>
-      </p:sp>
-      <p:sp>
-        <p:nvSpPr>
-          <p:cNvPr id="2" name="Slide Number Placeholder 1"/>
+              <a:rPr lang="en-US" dirty="0"/>
+              <a:t>It can also be conducted as a part of integration testing and system testing.</a:t>
+            </a:r>
+          </a:p>
+        </p:txBody>
+      </p:sp>
+      <p:sp>
+        <p:nvSpPr>
+          <p:cNvPr id="4" name="Slide Number Placeholder 3"/>
           <p:cNvSpPr>
             <a:spLocks noGrp="1"/>
           </p:cNvSpPr>
@@ -19210,7 +18216,7 @@
           <a:bodyPr/>
           <a:lstStyle/>
           <a:p>
-            <a:fld id="{B543A0FD-1CA6-4228-86A2-78061B4844C8}" type="slidenum">
+            <a:fld id="{B8DACC02-A2BD-4578-8E03-6D891060A695}" type="slidenum">
               <a:rPr lang="en-US" smtClean="0"/>
               <a:t>55</a:t>
             </a:fld>
@@ -19221,28 +18227,13 @@
     </p:spTree>
     <p:extLst>
       <p:ext uri="{BB962C8B-B14F-4D97-AF65-F5344CB8AC3E}">
-        <p14:creationId xmlns:p14="http://schemas.microsoft.com/office/powerpoint/2010/main" val="708564919"/>
+        <p14:creationId xmlns:p14="http://schemas.microsoft.com/office/powerpoint/2010/main" val="2203917722"/>
       </p:ext>
     </p:extLst>
   </p:cSld>
   <p:clrMapOvr>
     <a:masterClrMapping/>
   </p:clrMapOvr>
-  <mc:AlternateContent xmlns:mc="http://schemas.openxmlformats.org/markup-compatibility/2006" xmlns:p14="http://schemas.microsoft.com/office/powerpoint/2010/main">
-    <mc:Choice Requires="p14">
-      <p:transition spd="slow" p14:dur="2000"/>
-    </mc:Choice>
-    <mc:Fallback xmlns="">
-      <p:transition spd="slow"/>
-    </mc:Fallback>
-  </mc:AlternateContent>
-  <p:timing>
-    <p:tnLst>
-      <p:par>
-        <p:cTn id="1" dur="indefinite" restart="never" nodeType="tmRoot"/>
-      </p:par>
-    </p:tnLst>
-  </p:timing>
 </p:sld>
 </file>
 
@@ -19265,7 +18256,7 @@
       </p:grpSpPr>
       <p:sp>
         <p:nvSpPr>
-          <p:cNvPr id="26628" name="Title 1"/>
+          <p:cNvPr id="5" name="Title 4"/>
           <p:cNvSpPr>
             <a:spLocks noGrp="1"/>
           </p:cNvSpPr>
@@ -19279,80 +18270,115 @@
           <a:lstStyle/>
           <a:p>
             <a:r>
-              <a:rPr lang="en-US" dirty="0" smtClean="0"/>
-              <a:t>Context-Dependent Properties</a:t>
-            </a:r>
+              <a:rPr lang="en-US" dirty="0"/>
+              <a:t>Non-Functional System Testing</a:t>
+            </a:r>
+          </a:p>
+        </p:txBody>
+      </p:sp>
+      <p:sp>
+        <p:nvSpPr>
+          <p:cNvPr id="6" name="Content Placeholder 5"/>
+          <p:cNvSpPr>
+            <a:spLocks noGrp="1"/>
+          </p:cNvSpPr>
+          <p:nvPr>
+            <p:ph idx="1"/>
+          </p:nvPr>
+        </p:nvSpPr>
+        <p:spPr/>
+        <p:txBody>
+          <a:bodyPr>
+            <a:normAutofit lnSpcReduction="10000"/>
+          </a:bodyPr>
+          <a:lstStyle/>
+          <a:p>
+            <a:r>
+              <a:rPr lang="en-US" dirty="0"/>
+              <a:t>Load Testing:</a:t>
+            </a:r>
+          </a:p>
+          <a:p>
+            <a:pPr lvl="1"/>
+            <a:r>
+              <a:rPr lang="en-US" dirty="0" smtClean="0"/>
+              <a:t>Evaluates </a:t>
+            </a:r>
+            <a:r>
+              <a:rPr lang="en-US" dirty="0"/>
+              <a:t>whether the system’s performance is as expected under normal and expected conditions.</a:t>
+            </a:r>
+          </a:p>
+          <a:p>
+            <a:r>
+              <a:rPr lang="en-US" dirty="0" smtClean="0"/>
+              <a:t>Key </a:t>
+            </a:r>
+            <a:r>
+              <a:rPr lang="en-US" dirty="0"/>
+              <a:t>points are:</a:t>
+            </a:r>
+          </a:p>
+          <a:p>
+            <a:pPr lvl="1"/>
+            <a:r>
+              <a:rPr lang="en-US" dirty="0" smtClean="0"/>
+              <a:t>Validates </a:t>
+            </a:r>
+            <a:r>
+              <a:rPr lang="en-US" dirty="0"/>
+              <a:t>that the system performs as expected when concurrent users access the application and get the expected response time.</a:t>
+            </a:r>
+          </a:p>
+          <a:p>
+            <a:pPr lvl="1"/>
+            <a:r>
+              <a:rPr lang="en-US" dirty="0"/>
+              <a:t>This test is repeated with multiple users to get the response time and throughput.</a:t>
+            </a:r>
+          </a:p>
+          <a:p>
+            <a:pPr lvl="1"/>
+            <a:r>
+              <a:rPr lang="en-US" dirty="0"/>
+              <a:t>At the time of testing, the database should be realistic.</a:t>
+            </a:r>
+          </a:p>
+          <a:p>
+            <a:pPr lvl="1"/>
+            <a:r>
+              <a:rPr lang="en-US" dirty="0"/>
+              <a:t>The test should be conducted on a dedicated server which stimulates the actual environment</a:t>
+            </a:r>
+            <a:r>
+              <a:rPr lang="en-US" dirty="0" smtClean="0"/>
+              <a:t>.</a:t>
+            </a:r>
+          </a:p>
+          <a:p>
+            <a:r>
+              <a:rPr lang="en-US" dirty="0" smtClean="0"/>
+              <a:t>How </a:t>
+            </a:r>
+            <a:r>
+              <a:rPr lang="en-US" dirty="0"/>
+              <a:t>many hits/requests should the system be able to handle?</a:t>
+            </a:r>
+          </a:p>
+          <a:p>
+            <a:r>
+              <a:rPr lang="en-US" dirty="0"/>
+              <a:t>What should be its performance under these circumstances?</a:t>
+            </a:r>
+          </a:p>
+          <a:p>
             <a:endParaRPr lang="en-US" dirty="0"/>
           </a:p>
         </p:txBody>
       </p:sp>
       <p:sp>
         <p:nvSpPr>
-          <p:cNvPr id="26629" name="Content Placeholder 2"/>
-          <p:cNvSpPr>
-            <a:spLocks noGrp="1"/>
-          </p:cNvSpPr>
-          <p:nvPr>
-            <p:ph type="body" idx="1"/>
-          </p:nvPr>
-        </p:nvSpPr>
-        <p:spPr/>
-        <p:txBody>
-          <a:bodyPr/>
-          <a:lstStyle/>
-          <a:p>
-            <a:r>
-              <a:rPr lang="en-US" dirty="0" smtClean="0"/>
-              <a:t>Beyond system-global: Some properties depend on the system context and use</a:t>
-            </a:r>
-          </a:p>
-          <a:p>
-            <a:pPr lvl="1"/>
-            <a:r>
-              <a:rPr lang="en-US" dirty="0" smtClean="0"/>
-              <a:t>Example: Performance properties depend on environment and configuration </a:t>
-            </a:r>
-          </a:p>
-          <a:p>
-            <a:pPr lvl="1"/>
-            <a:r>
-              <a:rPr lang="en-US" dirty="0" smtClean="0"/>
-              <a:t>Example: Privacy depends both on system and how it is used</a:t>
-            </a:r>
-          </a:p>
-          <a:p>
-            <a:pPr lvl="2"/>
-            <a:r>
-              <a:rPr lang="en-US" dirty="0" smtClean="0"/>
-              <a:t>Medical records system must protect against unauthorized use, and authorization must be provided only as needed</a:t>
-            </a:r>
-          </a:p>
-          <a:p>
-            <a:pPr lvl="1"/>
-            <a:r>
-              <a:rPr lang="en-US" dirty="0" smtClean="0"/>
-              <a:t>Example: Security depends on threat profiles</a:t>
-            </a:r>
-          </a:p>
-          <a:p>
-            <a:pPr lvl="2"/>
-            <a:r>
-              <a:rPr lang="en-US" dirty="0" smtClean="0"/>
-              <a:t>And threats change! </a:t>
-            </a:r>
-          </a:p>
-          <a:p>
-            <a:r>
-              <a:rPr lang="en-US" dirty="0" smtClean="0"/>
-              <a:t>Testing is just one part of the approach </a:t>
-            </a:r>
-            <a:endParaRPr lang="en-US" dirty="0"/>
-          </a:p>
-        </p:txBody>
-      </p:sp>
-      <p:sp>
-        <p:nvSpPr>
-          <p:cNvPr id="2" name="Slide Number Placeholder 1"/>
+          <p:cNvPr id="4" name="Slide Number Placeholder 3"/>
           <p:cNvSpPr>
             <a:spLocks noGrp="1"/>
           </p:cNvSpPr>
@@ -19365,7 +18391,7 @@
           <a:bodyPr/>
           <a:lstStyle/>
           <a:p>
-            <a:fld id="{B543A0FD-1CA6-4228-86A2-78061B4844C8}" type="slidenum">
+            <a:fld id="{B8DACC02-A2BD-4578-8E03-6D891060A695}" type="slidenum">
               <a:rPr lang="en-US" smtClean="0"/>
               <a:t>56</a:t>
             </a:fld>
@@ -19376,28 +18402,13 @@
     </p:spTree>
     <p:extLst>
       <p:ext uri="{BB962C8B-B14F-4D97-AF65-F5344CB8AC3E}">
-        <p14:creationId xmlns:p14="http://schemas.microsoft.com/office/powerpoint/2010/main" val="792298811"/>
+        <p14:creationId xmlns:p14="http://schemas.microsoft.com/office/powerpoint/2010/main" val="4238809836"/>
       </p:ext>
     </p:extLst>
   </p:cSld>
   <p:clrMapOvr>
     <a:masterClrMapping/>
   </p:clrMapOvr>
-  <mc:AlternateContent xmlns:mc="http://schemas.openxmlformats.org/markup-compatibility/2006" xmlns:p14="http://schemas.microsoft.com/office/powerpoint/2010/main">
-    <mc:Choice Requires="p14">
-      <p:transition spd="slow" p14:dur="2000"/>
-    </mc:Choice>
-    <mc:Fallback xmlns="">
-      <p:transition spd="slow"/>
-    </mc:Fallback>
-  </mc:AlternateContent>
-  <p:timing>
-    <p:tnLst>
-      <p:par>
-        <p:cTn id="1" dur="indefinite" restart="never" nodeType="tmRoot"/>
-      </p:par>
-    </p:tnLst>
-  </p:timing>
 </p:sld>
 </file>
 
@@ -19420,7 +18431,7 @@
       </p:grpSpPr>
       <p:sp>
         <p:nvSpPr>
-          <p:cNvPr id="27652" name="Title 1"/>
+          <p:cNvPr id="5" name="Title 4"/>
           <p:cNvSpPr>
             <a:spLocks noGrp="1"/>
           </p:cNvSpPr>
@@ -19430,20 +18441,19 @@
         </p:nvSpPr>
         <p:spPr/>
         <p:txBody>
-          <a:bodyPr anchor="ctr"/>
-          <a:lstStyle/>
-          <a:p>
-            <a:pPr eaLnBrk="1" hangingPunct="1"/>
-            <a:r>
-              <a:rPr lang="en-US" sz="4000" dirty="0"/>
-              <a:t>Establishing an Operational Envelope</a:t>
-            </a:r>
-          </a:p>
-        </p:txBody>
-      </p:sp>
-      <p:sp>
-        <p:nvSpPr>
-          <p:cNvPr id="27653" name="Content Placeholder 2"/>
+          <a:bodyPr/>
+          <a:lstStyle/>
+          <a:p>
+            <a:r>
+              <a:rPr lang="en-US" dirty="0"/>
+              <a:t>Non-Functional System Testing</a:t>
+            </a:r>
+          </a:p>
+        </p:txBody>
+      </p:sp>
+      <p:sp>
+        <p:nvSpPr>
+          <p:cNvPr id="6" name="Content Placeholder 5"/>
           <p:cNvSpPr>
             <a:spLocks noGrp="1"/>
           </p:cNvSpPr>
@@ -19453,85 +18463,76 @@
         </p:nvSpPr>
         <p:spPr/>
         <p:txBody>
-          <a:bodyPr/>
-          <a:lstStyle/>
-          <a:p>
-            <a:pPr marL="342900" indent="-342900"/>
+          <a:bodyPr>
+            <a:normAutofit/>
+          </a:bodyPr>
+          <a:lstStyle/>
+          <a:p>
             <a:r>
               <a:rPr lang="en-US" dirty="0"/>
-              <a:t>When a property (e.g., performance or real-time response) is parameterized by use ... </a:t>
-            </a:r>
-          </a:p>
-          <a:p>
-            <a:pPr marL="742950" lvl="1" indent="-285750"/>
+              <a:t>Stress Testing:</a:t>
+            </a:r>
+          </a:p>
+          <a:p>
+            <a:pPr lvl="1"/>
             <a:r>
               <a:rPr lang="en-US" dirty="0"/>
-              <a:t>requests per second, size of database, ... </a:t>
-            </a:r>
-          </a:p>
-          <a:p>
-            <a:pPr marL="342900" indent="-342900"/>
+              <a:t>Evaluates whether the system’s performance is as expected when it is low on resources.</a:t>
+            </a:r>
+          </a:p>
+          <a:p>
+            <a:r>
+              <a:rPr lang="en-US" dirty="0" smtClean="0"/>
+              <a:t>Key </a:t>
+            </a:r>
             <a:r>
               <a:rPr lang="en-US" dirty="0"/>
-              <a:t>Extensive stress testing is required</a:t>
-            </a:r>
-          </a:p>
-          <a:p>
-            <a:pPr marL="742950" lvl="1" indent="-285750"/>
+              <a:t>points are:</a:t>
+            </a:r>
+          </a:p>
+          <a:p>
+            <a:pPr lvl="1"/>
+            <a:r>
+              <a:rPr lang="en-US" dirty="0" smtClean="0"/>
+              <a:t>Test </a:t>
+            </a:r>
             <a:r>
               <a:rPr lang="en-US" dirty="0"/>
-              <a:t>varying parameters within the envelope, near the bounds, and beyond</a:t>
-            </a:r>
-          </a:p>
-          <a:p>
-            <a:pPr marL="342900" indent="-342900"/>
+              <a:t>on low memory or low disc space on clients/servers that reveal the defects which cannot be found under normal conditions.</a:t>
+            </a:r>
+          </a:p>
+          <a:p>
+            <a:pPr lvl="1"/>
             <a:r>
               <a:rPr lang="en-US" dirty="0"/>
-              <a:t>Goal: A well-understood model of how the property varies with the parameter</a:t>
-            </a:r>
-          </a:p>
-          <a:p>
-            <a:pPr marL="742950" lvl="1" indent="-285750"/>
+              <a:t>Multiple users perform the same transactions on the same data.</a:t>
+            </a:r>
+          </a:p>
+          <a:p>
+            <a:pPr lvl="1"/>
             <a:r>
               <a:rPr lang="en-US" dirty="0"/>
-              <a:t>How sensitive is the property to the parameter?</a:t>
-            </a:r>
-          </a:p>
-          <a:p>
-            <a:pPr marL="742950" lvl="1" indent="-285750"/>
+              <a:t>Multiple clients are connected to the servers with different workloads.</a:t>
+            </a:r>
+          </a:p>
+          <a:p>
+            <a:pPr lvl="1"/>
             <a:r>
               <a:rPr lang="en-US" dirty="0"/>
-              <a:t>Where is the </a:t>
-            </a:r>
-            <a:r>
-              <a:rPr lang="ja-JP" altLang="en-US" dirty="0"/>
-              <a:t>“</a:t>
-            </a:r>
-            <a:r>
-              <a:rPr lang="en-US" altLang="ja-JP" dirty="0"/>
-              <a:t>edge of the envelope</a:t>
-            </a:r>
-            <a:r>
-              <a:rPr lang="ja-JP" altLang="en-US" dirty="0"/>
-              <a:t>”</a:t>
-            </a:r>
-            <a:r>
-              <a:rPr lang="en-US" altLang="ja-JP" dirty="0"/>
-              <a:t>? </a:t>
-            </a:r>
-          </a:p>
-          <a:p>
-            <a:pPr marL="742950" lvl="1" indent="-285750"/>
+              <a:t>Reduce the Think Time to “Zero” to stress the servers to their maximum stress.</a:t>
+            </a:r>
+          </a:p>
+          <a:p>
             <a:r>
               <a:rPr lang="en-US" dirty="0"/>
-              <a:t>What can we expect when the envelope is exceeded?</a:t>
-            </a:r>
-          </a:p>
-        </p:txBody>
-      </p:sp>
-      <p:sp>
-        <p:nvSpPr>
-          <p:cNvPr id="2" name="Slide Number Placeholder 1"/>
+              <a:t>Think Time: Just like the time interval between typing your user and password.</a:t>
+            </a:r>
+          </a:p>
+        </p:txBody>
+      </p:sp>
+      <p:sp>
+        <p:nvSpPr>
+          <p:cNvPr id="4" name="Slide Number Placeholder 3"/>
           <p:cNvSpPr>
             <a:spLocks noGrp="1"/>
           </p:cNvSpPr>
@@ -19544,7 +18545,7 @@
           <a:bodyPr/>
           <a:lstStyle/>
           <a:p>
-            <a:fld id="{B543A0FD-1CA6-4228-86A2-78061B4844C8}" type="slidenum">
+            <a:fld id="{B8DACC02-A2BD-4578-8E03-6D891060A695}" type="slidenum">
               <a:rPr lang="en-US" smtClean="0"/>
               <a:t>57</a:t>
             </a:fld>
@@ -19555,28 +18556,13 @@
     </p:spTree>
     <p:extLst>
       <p:ext uri="{BB962C8B-B14F-4D97-AF65-F5344CB8AC3E}">
-        <p14:creationId xmlns:p14="http://schemas.microsoft.com/office/powerpoint/2010/main" val="117161082"/>
+        <p14:creationId xmlns:p14="http://schemas.microsoft.com/office/powerpoint/2010/main" val="3101173400"/>
       </p:ext>
     </p:extLst>
   </p:cSld>
   <p:clrMapOvr>
     <a:masterClrMapping/>
   </p:clrMapOvr>
-  <mc:AlternateContent xmlns:mc="http://schemas.openxmlformats.org/markup-compatibility/2006" xmlns:p14="http://schemas.microsoft.com/office/powerpoint/2010/main">
-    <mc:Choice Requires="p14">
-      <p:transition spd="slow" p14:dur="2000"/>
-    </mc:Choice>
-    <mc:Fallback xmlns="">
-      <p:transition spd="slow"/>
-    </mc:Fallback>
-  </mc:AlternateContent>
-  <p:timing>
-    <p:tnLst>
-      <p:par>
-        <p:cTn id="1" dur="indefinite" restart="never" nodeType="tmRoot"/>
-      </p:par>
-    </p:tnLst>
-  </p:timing>
 </p:sld>
 </file>
 
@@ -19710,7 +18696,7 @@
     </p:spTree>
     <p:extLst>
       <p:ext uri="{BB962C8B-B14F-4D97-AF65-F5344CB8AC3E}">
-        <p14:creationId xmlns:p14="http://schemas.microsoft.com/office/powerpoint/2010/main" val="1373320313"/>
+        <p14:creationId xmlns:p14="http://schemas.microsoft.com/office/powerpoint/2010/main" val="3982646491"/>
       </p:ext>
     </p:extLst>
   </p:cSld>
@@ -19754,7 +18740,7 @@
       </p:grpSpPr>
       <p:sp>
         <p:nvSpPr>
-          <p:cNvPr id="29700" name="Title 5"/>
+          <p:cNvPr id="5" name="Title 4"/>
           <p:cNvSpPr>
             <a:spLocks noGrp="1"/>
           </p:cNvSpPr>
@@ -19768,21 +18754,20 @@
           <a:lstStyle/>
           <a:p>
             <a:r>
-              <a:rPr lang="en-US" dirty="0" smtClean="0"/>
-              <a:t>Acceptance Testing</a:t>
-            </a:r>
-            <a:endParaRPr lang="en-US" dirty="0"/>
-          </a:p>
-        </p:txBody>
-      </p:sp>
-      <p:sp>
-        <p:nvSpPr>
-          <p:cNvPr id="29701" name="Content Placeholder 6"/>
-          <p:cNvSpPr>
-            <a:spLocks noGrp="1"/>
-          </p:cNvSpPr>
-          <p:nvPr>
-            <p:ph type="body" idx="1"/>
+              <a:rPr lang="en-US" dirty="0"/>
+              <a:t>Non-Functional System Testing</a:t>
+            </a:r>
+          </a:p>
+        </p:txBody>
+      </p:sp>
+      <p:sp>
+        <p:nvSpPr>
+          <p:cNvPr id="6" name="Content Placeholder 5"/>
+          <p:cNvSpPr>
+            <a:spLocks noGrp="1"/>
+          </p:cNvSpPr>
+          <p:nvPr>
+            <p:ph idx="1"/>
           </p:nvPr>
         </p:nvSpPr>
         <p:spPr/>
@@ -19793,76 +18778,60 @@
           <a:lstStyle/>
           <a:p>
             <a:r>
-              <a:rPr lang="en-US" dirty="0" smtClean="0"/>
-              <a:t>Estimating dependability</a:t>
-            </a:r>
-          </a:p>
-          <a:p>
-            <a:r>
-              <a:rPr lang="en-US" dirty="0" smtClean="0"/>
-              <a:t>Measuring quality, not searching for faults</a:t>
+              <a:rPr lang="en-US" dirty="0"/>
+              <a:t>Volume Testing:</a:t>
             </a:r>
           </a:p>
           <a:p>
             <a:pPr lvl="1"/>
             <a:r>
               <a:rPr lang="en-US" dirty="0" smtClean="0"/>
-              <a:t>Fundamentally different goal than systematic testing</a:t>
-            </a:r>
-          </a:p>
-          <a:p>
-            <a:r>
-              <a:rPr lang="en-US" dirty="0" smtClean="0"/>
-              <a:t>Quantitative dependability goals are statistical</a:t>
+              <a:t>Evaluates </a:t>
+            </a:r>
+            <a:r>
+              <a:rPr lang="en-US" dirty="0"/>
+              <a:t>the behavior of the software when a large volume of data is involved.</a:t>
+            </a:r>
+          </a:p>
+          <a:p>
+            <a:r>
+              <a:rPr lang="en-US" dirty="0" smtClean="0"/>
+              <a:t>Key </a:t>
+            </a:r>
+            <a:r>
+              <a:rPr lang="en-US" dirty="0"/>
+              <a:t>points are:</a:t>
             </a:r>
           </a:p>
           <a:p>
             <a:pPr lvl="1"/>
             <a:r>
               <a:rPr lang="en-US" dirty="0" smtClean="0"/>
-              <a:t>Reliability</a:t>
+              <a:t>When </a:t>
+            </a:r>
+            <a:r>
+              <a:rPr lang="en-US" dirty="0"/>
+              <a:t>the software is subject to large amounts of data, checks the limit where the software fails.</a:t>
             </a:r>
           </a:p>
           <a:p>
             <a:pPr lvl="1"/>
             <a:r>
-              <a:rPr lang="en-US" dirty="0" smtClean="0"/>
-              <a:t>Availability</a:t>
-            </a:r>
-          </a:p>
-          <a:p>
-            <a:pPr lvl="1"/>
-            <a:r>
-              <a:rPr lang="en-US" dirty="0" smtClean="0"/>
-              <a:t>Mean time to failure</a:t>
-            </a:r>
-          </a:p>
-          <a:p>
-            <a:pPr lvl="1"/>
-            <a:r>
-              <a:rPr lang="en-US" dirty="0" smtClean="0"/>
-              <a:t>...</a:t>
-            </a:r>
-          </a:p>
-          <a:p>
-            <a:r>
-              <a:rPr lang="en-US" dirty="0" smtClean="0"/>
-              <a:t>Requires valid statistical samples from operational profile</a:t>
-            </a:r>
-          </a:p>
-          <a:p>
-            <a:pPr lvl="1"/>
-            <a:r>
-              <a:rPr lang="en-US" dirty="0" smtClean="0"/>
-              <a:t>Fundamentally different from systematic testing</a:t>
-            </a:r>
-            <a:endParaRPr lang="en-US" dirty="0"/>
-          </a:p>
-        </p:txBody>
-      </p:sp>
-      <p:sp>
-        <p:nvSpPr>
-          <p:cNvPr id="2" name="Slide Number Placeholder 1"/>
+              <a:rPr lang="en-US" dirty="0"/>
+              <a:t>Maximum database size is created and multiple clients query the database or create a larger report.</a:t>
+            </a:r>
+          </a:p>
+          <a:p>
+            <a:r>
+              <a:rPr lang="en-US" dirty="0"/>
+              <a:t>Example– If the application is processing the database to create a report, a volume test would be to use a large result set and check if the report is printed correctly.</a:t>
+            </a:r>
+          </a:p>
+        </p:txBody>
+      </p:sp>
+      <p:sp>
+        <p:nvSpPr>
+          <p:cNvPr id="4" name="Slide Number Placeholder 3"/>
           <p:cNvSpPr>
             <a:spLocks noGrp="1"/>
           </p:cNvSpPr>
@@ -19875,7 +18844,7 @@
           <a:bodyPr/>
           <a:lstStyle/>
           <a:p>
-            <a:fld id="{B543A0FD-1CA6-4228-86A2-78061B4844C8}" type="slidenum">
+            <a:fld id="{B8DACC02-A2BD-4578-8E03-6D891060A695}" type="slidenum">
               <a:rPr lang="en-US" smtClean="0"/>
               <a:t>59</a:t>
             </a:fld>
@@ -19886,28 +18855,13 @@
     </p:spTree>
     <p:extLst>
       <p:ext uri="{BB962C8B-B14F-4D97-AF65-F5344CB8AC3E}">
-        <p14:creationId xmlns:p14="http://schemas.microsoft.com/office/powerpoint/2010/main" val="1188679818"/>
+        <p14:creationId xmlns:p14="http://schemas.microsoft.com/office/powerpoint/2010/main" val="3328478787"/>
       </p:ext>
     </p:extLst>
   </p:cSld>
   <p:clrMapOvr>
     <a:masterClrMapping/>
   </p:clrMapOvr>
-  <mc:AlternateContent xmlns:mc="http://schemas.openxmlformats.org/markup-compatibility/2006" xmlns:p14="http://schemas.microsoft.com/office/powerpoint/2010/main">
-    <mc:Choice Requires="p14">
-      <p:transition spd="slow" p14:dur="2000"/>
-    </mc:Choice>
-    <mc:Fallback xmlns="">
-      <p:transition spd="slow"/>
-    </mc:Fallback>
-  </mc:AlternateContent>
-  <p:timing>
-    <p:tnLst>
-      <p:par>
-        <p:cTn id="1" dur="indefinite" restart="never" nodeType="tmRoot"/>
-      </p:par>
-    </p:tnLst>
-  </p:timing>
 </p:sld>
 </file>
 
@@ -20119,7 +19073,7 @@
       </p:grpSpPr>
       <p:sp>
         <p:nvSpPr>
-          <p:cNvPr id="31748" name="Title 1"/>
+          <p:cNvPr id="5" name="Title 4"/>
           <p:cNvSpPr>
             <a:spLocks noGrp="1"/>
           </p:cNvSpPr>
@@ -20133,16 +19087,15 @@
           <a:lstStyle/>
           <a:p>
             <a:r>
-              <a:rPr lang="en-US" dirty="0" smtClean="0"/>
-              <a:t>Statistical Sampling</a:t>
-            </a:r>
-            <a:endParaRPr lang="en-US" dirty="0"/>
-          </a:p>
-        </p:txBody>
-      </p:sp>
-      <p:sp>
-        <p:nvSpPr>
-          <p:cNvPr id="31749" name="Content Placeholder 2"/>
+              <a:rPr lang="en-US" dirty="0"/>
+              <a:t>Non-Functional System Testing</a:t>
+            </a:r>
+          </a:p>
+        </p:txBody>
+      </p:sp>
+      <p:sp>
+        <p:nvSpPr>
+          <p:cNvPr id="6" name="Content Placeholder 5"/>
           <p:cNvSpPr>
             <a:spLocks noGrp="1"/>
           </p:cNvSpPr>
@@ -20150,74 +19103,76 @@
             <p:ph idx="1"/>
           </p:nvPr>
         </p:nvSpPr>
-        <p:spPr>
-          <a:xfrm>
-            <a:off x="526211" y="1492370"/>
-            <a:ext cx="10922077" cy="4684593"/>
-          </a:xfrm>
-        </p:spPr>
-        <p:txBody>
-          <a:bodyPr/>
-          <a:lstStyle/>
-          <a:p>
-            <a:r>
-              <a:rPr lang="en-US" dirty="0" smtClean="0"/>
-              <a:t>We need a valid operational profile (model)</a:t>
+        <p:spPr/>
+        <p:txBody>
+          <a:bodyPr>
+            <a:normAutofit/>
+          </a:bodyPr>
+          <a:lstStyle/>
+          <a:p>
+            <a:r>
+              <a:rPr lang="en-US" dirty="0"/>
+              <a:t>Usability Testing:</a:t>
             </a:r>
           </a:p>
           <a:p>
             <a:pPr lvl="1"/>
             <a:r>
               <a:rPr lang="en-US" dirty="0" smtClean="0"/>
-              <a:t>Sometimes from an older version of the system</a:t>
+              <a:t>Evaluates </a:t>
+            </a:r>
+            <a:r>
+              <a:rPr lang="en-US" dirty="0"/>
+              <a:t>the system for human use or checks if it is fit for use.</a:t>
+            </a:r>
+          </a:p>
+          <a:p>
+            <a:r>
+              <a:rPr lang="en-US" dirty="0" smtClean="0"/>
+              <a:t>Key </a:t>
+            </a:r>
+            <a:r>
+              <a:rPr lang="en-US" dirty="0"/>
+              <a:t>points are:</a:t>
             </a:r>
           </a:p>
           <a:p>
             <a:pPr lvl="1"/>
             <a:r>
               <a:rPr lang="en-US" dirty="0" smtClean="0"/>
-              <a:t>Sometimes from operational environment (e.g., for an embedded controller)</a:t>
+              <a:t>Is </a:t>
+            </a:r>
+            <a:r>
+              <a:rPr lang="en-US" dirty="0"/>
+              <a:t>the output correct and meaningful and is it the same as which was expected as per the business?</a:t>
             </a:r>
           </a:p>
           <a:p>
             <a:pPr lvl="1"/>
             <a:r>
-              <a:rPr lang="en-US" dirty="0" smtClean="0"/>
-              <a:t>Sensitivity testing reveals which parameters are most important, and which can be rough guesses</a:t>
-            </a:r>
-          </a:p>
-          <a:p>
-            <a:r>
-              <a:rPr lang="en-US" dirty="0" smtClean="0"/>
-              <a:t>And a clear, precise definition of what is being measured</a:t>
+              <a:rPr lang="en-US" dirty="0"/>
+              <a:t>Are the errors diagnosed correctly?</a:t>
             </a:r>
           </a:p>
           <a:p>
             <a:pPr lvl="1"/>
             <a:r>
-              <a:rPr lang="en-US" dirty="0" smtClean="0"/>
-              <a:t>Failure rate?  Per session, per hour, per operation?</a:t>
-            </a:r>
-          </a:p>
-          <a:p>
-            <a:r>
-              <a:rPr lang="en-US" dirty="0" smtClean="0"/>
-              <a:t>And many, many random samples</a:t>
+              <a:rPr lang="en-US" dirty="0"/>
+              <a:t>Is the GUI correct and consistent with the standard?</a:t>
             </a:r>
           </a:p>
           <a:p>
             <a:pPr lvl="1"/>
             <a:r>
-              <a:rPr lang="en-US" dirty="0" smtClean="0"/>
-              <a:t>Especially for high reliability measures</a:t>
-            </a:r>
-            <a:endParaRPr lang="en-US" dirty="0"/>
-          </a:p>
-        </p:txBody>
-      </p:sp>
-      <p:sp>
-        <p:nvSpPr>
-          <p:cNvPr id="2" name="Slide Number Placeholder 1"/>
+              <a:rPr lang="en-US" dirty="0"/>
+              <a:t>Is the application easy for use?</a:t>
+            </a:r>
+          </a:p>
+        </p:txBody>
+      </p:sp>
+      <p:sp>
+        <p:nvSpPr>
+          <p:cNvPr id="4" name="Slide Number Placeholder 3"/>
           <p:cNvSpPr>
             <a:spLocks noGrp="1"/>
           </p:cNvSpPr>
@@ -20230,7 +19185,7 @@
           <a:bodyPr/>
           <a:lstStyle/>
           <a:p>
-            <a:fld id="{B543A0FD-1CA6-4228-86A2-78061B4844C8}" type="slidenum">
+            <a:fld id="{B8DACC02-A2BD-4578-8E03-6D891060A695}" type="slidenum">
               <a:rPr lang="en-US" smtClean="0"/>
               <a:t>60</a:t>
             </a:fld>
@@ -20241,7 +19196,479 @@
     </p:spTree>
     <p:extLst>
       <p:ext uri="{BB962C8B-B14F-4D97-AF65-F5344CB8AC3E}">
-        <p14:creationId xmlns:p14="http://schemas.microsoft.com/office/powerpoint/2010/main" val="2393530869"/>
+        <p14:creationId xmlns:p14="http://schemas.microsoft.com/office/powerpoint/2010/main" val="802140120"/>
+      </p:ext>
+    </p:extLst>
+  </p:cSld>
+  <p:clrMapOvr>
+    <a:masterClrMapping/>
+  </p:clrMapOvr>
+</p:sld>
+</file>
+
+<file path=ppt/slides/slide61.xml><?xml version="1.0" encoding="utf-8"?>
+<p:sld xmlns:a="http://schemas.openxmlformats.org/drawingml/2006/main" xmlns:r="http://schemas.openxmlformats.org/officeDocument/2006/relationships" xmlns:p="http://schemas.openxmlformats.org/presentationml/2006/main">
+  <p:cSld>
+    <p:spTree>
+      <p:nvGrpSpPr>
+        <p:cNvPr id="1" name=""/>
+        <p:cNvGrpSpPr/>
+        <p:nvPr/>
+      </p:nvGrpSpPr>
+      <p:grpSpPr>
+        <a:xfrm>
+          <a:off x="0" y="0"/>
+          <a:ext cx="0" cy="0"/>
+          <a:chOff x="0" y="0"/>
+          <a:chExt cx="0" cy="0"/>
+        </a:xfrm>
+      </p:grpSpPr>
+      <p:sp>
+        <p:nvSpPr>
+          <p:cNvPr id="5" name="Title 4"/>
+          <p:cNvSpPr>
+            <a:spLocks noGrp="1"/>
+          </p:cNvSpPr>
+          <p:nvPr>
+            <p:ph type="title"/>
+          </p:nvPr>
+        </p:nvSpPr>
+        <p:spPr/>
+        <p:txBody>
+          <a:bodyPr/>
+          <a:lstStyle/>
+          <a:p>
+            <a:r>
+              <a:rPr lang="en-US" dirty="0"/>
+              <a:t>Non-Functional System Testing</a:t>
+            </a:r>
+          </a:p>
+        </p:txBody>
+      </p:sp>
+      <p:sp>
+        <p:nvSpPr>
+          <p:cNvPr id="6" name="Content Placeholder 5"/>
+          <p:cNvSpPr>
+            <a:spLocks noGrp="1"/>
+          </p:cNvSpPr>
+          <p:nvPr>
+            <p:ph idx="1"/>
+          </p:nvPr>
+        </p:nvSpPr>
+        <p:spPr/>
+        <p:txBody>
+          <a:bodyPr>
+            <a:normAutofit/>
+          </a:bodyPr>
+          <a:lstStyle/>
+          <a:p>
+            <a:r>
+              <a:rPr lang="en-US" dirty="0"/>
+              <a:t>Compatibility Testing:</a:t>
+            </a:r>
+          </a:p>
+          <a:p>
+            <a:r>
+              <a:rPr lang="en-US" dirty="0" smtClean="0"/>
+              <a:t>Evaluates </a:t>
+            </a:r>
+            <a:r>
+              <a:rPr lang="en-US" dirty="0"/>
+              <a:t>that the application is compatible with other hardware /software with minimum and maximum configuration.</a:t>
+            </a:r>
+          </a:p>
+          <a:p>
+            <a:r>
+              <a:rPr lang="en-US" dirty="0" smtClean="0"/>
+              <a:t>Key </a:t>
+            </a:r>
+            <a:r>
+              <a:rPr lang="en-US" dirty="0"/>
+              <a:t>points are:</a:t>
+            </a:r>
+          </a:p>
+          <a:p>
+            <a:pPr lvl="1"/>
+            <a:r>
+              <a:rPr lang="en-US" dirty="0" smtClean="0"/>
+              <a:t>Test </a:t>
+            </a:r>
+            <a:r>
+              <a:rPr lang="en-US" dirty="0"/>
+              <a:t>each hardware with minimum and maximum configuration.</a:t>
+            </a:r>
+          </a:p>
+          <a:p>
+            <a:pPr lvl="1"/>
+            <a:r>
+              <a:rPr lang="en-US" dirty="0"/>
+              <a:t>Test with different browsers.</a:t>
+            </a:r>
+          </a:p>
+          <a:p>
+            <a:pPr lvl="1"/>
+            <a:r>
+              <a:rPr lang="en-US" dirty="0"/>
+              <a:t>Test cases are the same as those that were executed during functional testing.</a:t>
+            </a:r>
+          </a:p>
+          <a:p>
+            <a:pPr lvl="1"/>
+            <a:r>
+              <a:rPr lang="en-US" dirty="0"/>
+              <a:t>In case the number of hardware and software are too many, then we can use Orthogonal Array Testing (OAT) techniques to arrive at the test cases to have maximum coverage.</a:t>
+            </a:r>
+          </a:p>
+        </p:txBody>
+      </p:sp>
+      <p:sp>
+        <p:nvSpPr>
+          <p:cNvPr id="4" name="Slide Number Placeholder 3"/>
+          <p:cNvSpPr>
+            <a:spLocks noGrp="1"/>
+          </p:cNvSpPr>
+          <p:nvPr>
+            <p:ph type="sldNum" sz="quarter" idx="12"/>
+          </p:nvPr>
+        </p:nvSpPr>
+        <p:spPr/>
+        <p:txBody>
+          <a:bodyPr/>
+          <a:lstStyle/>
+          <a:p>
+            <a:fld id="{B8DACC02-A2BD-4578-8E03-6D891060A695}" type="slidenum">
+              <a:rPr lang="en-US" smtClean="0"/>
+              <a:t>61</a:t>
+            </a:fld>
+            <a:endParaRPr lang="en-US"/>
+          </a:p>
+        </p:txBody>
+      </p:sp>
+    </p:spTree>
+    <p:extLst>
+      <p:ext uri="{BB962C8B-B14F-4D97-AF65-F5344CB8AC3E}">
+        <p14:creationId xmlns:p14="http://schemas.microsoft.com/office/powerpoint/2010/main" val="459302528"/>
+      </p:ext>
+    </p:extLst>
+  </p:cSld>
+  <p:clrMapOvr>
+    <a:masterClrMapping/>
+  </p:clrMapOvr>
+</p:sld>
+</file>
+
+<file path=ppt/slides/slide62.xml><?xml version="1.0" encoding="utf-8"?>
+<p:sld xmlns:a="http://schemas.openxmlformats.org/drawingml/2006/main" xmlns:r="http://schemas.openxmlformats.org/officeDocument/2006/relationships" xmlns:p="http://schemas.openxmlformats.org/presentationml/2006/main">
+  <p:cSld>
+    <p:spTree>
+      <p:nvGrpSpPr>
+        <p:cNvPr id="1" name=""/>
+        <p:cNvGrpSpPr/>
+        <p:nvPr/>
+      </p:nvGrpSpPr>
+      <p:grpSpPr>
+        <a:xfrm>
+          <a:off x="0" y="0"/>
+          <a:ext cx="0" cy="0"/>
+          <a:chOff x="0" y="0"/>
+          <a:chExt cx="0" cy="0"/>
+        </a:xfrm>
+      </p:grpSpPr>
+      <p:sp>
+        <p:nvSpPr>
+          <p:cNvPr id="5" name="Title 4"/>
+          <p:cNvSpPr>
+            <a:spLocks noGrp="1"/>
+          </p:cNvSpPr>
+          <p:nvPr>
+            <p:ph type="title"/>
+          </p:nvPr>
+        </p:nvSpPr>
+        <p:spPr/>
+        <p:txBody>
+          <a:bodyPr/>
+          <a:lstStyle/>
+          <a:p>
+            <a:r>
+              <a:rPr lang="en-US" dirty="0"/>
+              <a:t>Non-Functional System Testing</a:t>
+            </a:r>
+          </a:p>
+        </p:txBody>
+      </p:sp>
+      <p:sp>
+        <p:nvSpPr>
+          <p:cNvPr id="6" name="Content Placeholder 5"/>
+          <p:cNvSpPr>
+            <a:spLocks noGrp="1"/>
+          </p:cNvSpPr>
+          <p:nvPr>
+            <p:ph idx="1"/>
+          </p:nvPr>
+        </p:nvSpPr>
+        <p:spPr/>
+        <p:txBody>
+          <a:bodyPr>
+            <a:normAutofit/>
+          </a:bodyPr>
+          <a:lstStyle/>
+          <a:p>
+            <a:r>
+              <a:rPr lang="en-US" dirty="0"/>
+              <a:t>Recovery Testing:</a:t>
+            </a:r>
+          </a:p>
+          <a:p>
+            <a:pPr lvl="1"/>
+            <a:r>
+              <a:rPr lang="en-US" dirty="0" smtClean="0"/>
+              <a:t>Evaluates </a:t>
+            </a:r>
+            <a:r>
+              <a:rPr lang="en-US" dirty="0"/>
+              <a:t>that the application terminates gracefully in case of any failure and the data is recovered appropriately from any hardware and software failures.</a:t>
+            </a:r>
+          </a:p>
+          <a:p>
+            <a:r>
+              <a:rPr lang="en-US" dirty="0" smtClean="0"/>
+              <a:t>The </a:t>
+            </a:r>
+            <a:r>
+              <a:rPr lang="en-US" dirty="0"/>
+              <a:t>tests are not limited to the below points:</a:t>
+            </a:r>
+          </a:p>
+          <a:p>
+            <a:pPr lvl="1"/>
+            <a:r>
+              <a:rPr lang="en-US" dirty="0" smtClean="0"/>
+              <a:t>Power </a:t>
+            </a:r>
+            <a:r>
+              <a:rPr lang="en-US" dirty="0"/>
+              <a:t>interruption, to the client while doing CURD activities.</a:t>
+            </a:r>
+          </a:p>
+          <a:p>
+            <a:pPr lvl="1"/>
+            <a:r>
+              <a:rPr lang="en-US" dirty="0"/>
+              <a:t>Invalid database-pointers and keys.</a:t>
+            </a:r>
+          </a:p>
+          <a:p>
+            <a:pPr lvl="1"/>
+            <a:r>
+              <a:rPr lang="en-US" dirty="0"/>
+              <a:t>Database process is aborted or prematurely terminated.</a:t>
+            </a:r>
+          </a:p>
+          <a:p>
+            <a:pPr lvl="1"/>
+            <a:r>
+              <a:rPr lang="en-US" dirty="0"/>
+              <a:t>Database pointers, fields and keys are corrupted manually and directly within the database.</a:t>
+            </a:r>
+          </a:p>
+          <a:p>
+            <a:pPr lvl="1"/>
+            <a:r>
+              <a:rPr lang="en-US" dirty="0"/>
+              <a:t>Physically disconnect the communication, power turn off, turn down the routers and network servers.</a:t>
+            </a:r>
+          </a:p>
+        </p:txBody>
+      </p:sp>
+      <p:sp>
+        <p:nvSpPr>
+          <p:cNvPr id="4" name="Slide Number Placeholder 3"/>
+          <p:cNvSpPr>
+            <a:spLocks noGrp="1"/>
+          </p:cNvSpPr>
+          <p:nvPr>
+            <p:ph type="sldNum" sz="quarter" idx="12"/>
+          </p:nvPr>
+        </p:nvSpPr>
+        <p:spPr/>
+        <p:txBody>
+          <a:bodyPr/>
+          <a:lstStyle/>
+          <a:p>
+            <a:fld id="{B8DACC02-A2BD-4578-8E03-6D891060A695}" type="slidenum">
+              <a:rPr lang="en-US" smtClean="0"/>
+              <a:t>62</a:t>
+            </a:fld>
+            <a:endParaRPr lang="en-US"/>
+          </a:p>
+        </p:txBody>
+      </p:sp>
+    </p:spTree>
+    <p:extLst>
+      <p:ext uri="{BB962C8B-B14F-4D97-AF65-F5344CB8AC3E}">
+        <p14:creationId xmlns:p14="http://schemas.microsoft.com/office/powerpoint/2010/main" val="265330079"/>
+      </p:ext>
+    </p:extLst>
+  </p:cSld>
+  <p:clrMapOvr>
+    <a:masterClrMapping/>
+  </p:clrMapOvr>
+</p:sld>
+</file>
+
+<file path=ppt/slides/slide63.xml><?xml version="1.0" encoding="utf-8"?>
+<p:sld xmlns:a="http://schemas.openxmlformats.org/drawingml/2006/main" xmlns:r="http://schemas.openxmlformats.org/officeDocument/2006/relationships" xmlns:p="http://schemas.openxmlformats.org/presentationml/2006/main">
+  <p:cSld>
+    <p:spTree>
+      <p:nvGrpSpPr>
+        <p:cNvPr id="1" name=""/>
+        <p:cNvGrpSpPr/>
+        <p:nvPr/>
+      </p:nvGrpSpPr>
+      <p:grpSpPr>
+        <a:xfrm>
+          <a:off x="0" y="0"/>
+          <a:ext cx="0" cy="0"/>
+          <a:chOff x="0" y="0"/>
+          <a:chExt cx="0" cy="0"/>
+        </a:xfrm>
+      </p:grpSpPr>
+      <p:sp>
+        <p:nvSpPr>
+          <p:cNvPr id="36868" name="Title 1"/>
+          <p:cNvSpPr>
+            <a:spLocks noGrp="1"/>
+          </p:cNvSpPr>
+          <p:nvPr>
+            <p:ph type="title"/>
+          </p:nvPr>
+        </p:nvSpPr>
+        <p:spPr/>
+        <p:txBody>
+          <a:bodyPr/>
+          <a:lstStyle/>
+          <a:p>
+            <a:r>
+              <a:rPr lang="en-US" dirty="0" smtClean="0"/>
+              <a:t>Accessibility Testing</a:t>
+            </a:r>
+            <a:endParaRPr lang="en-US" dirty="0"/>
+          </a:p>
+        </p:txBody>
+      </p:sp>
+      <p:sp>
+        <p:nvSpPr>
+          <p:cNvPr id="36869" name="Content Placeholder 2"/>
+          <p:cNvSpPr>
+            <a:spLocks noGrp="1"/>
+          </p:cNvSpPr>
+          <p:nvPr>
+            <p:ph type="body" idx="1"/>
+          </p:nvPr>
+        </p:nvSpPr>
+        <p:spPr/>
+        <p:txBody>
+          <a:bodyPr/>
+          <a:lstStyle/>
+          <a:p>
+            <a:r>
+              <a:rPr lang="en-US" dirty="0" smtClean="0"/>
+              <a:t>Check usability by people with disabilities</a:t>
+            </a:r>
+          </a:p>
+          <a:p>
+            <a:pPr lvl="1"/>
+            <a:r>
+              <a:rPr lang="en-US" dirty="0" smtClean="0"/>
+              <a:t>Blind and low vision, deaf, color-blind, ...</a:t>
+            </a:r>
+          </a:p>
+          <a:p>
+            <a:r>
+              <a:rPr lang="en-US" dirty="0" smtClean="0"/>
+              <a:t>Use accessibility guidelines</a:t>
+            </a:r>
+          </a:p>
+          <a:p>
+            <a:pPr lvl="1"/>
+            <a:r>
+              <a:rPr lang="en-US" dirty="0" smtClean="0"/>
+              <a:t>Direct usability testing with all relevant groups is usually impractical; checking compliance to guidelines is practical and often reveals problems</a:t>
+            </a:r>
+          </a:p>
+          <a:p>
+            <a:r>
+              <a:rPr lang="en-US" dirty="0" smtClean="0"/>
+              <a:t>Example: W3C Web Content Accessibility Guidelines</a:t>
+            </a:r>
+          </a:p>
+          <a:p>
+            <a:pPr lvl="1"/>
+            <a:r>
+              <a:rPr lang="en-US" dirty="0" smtClean="0"/>
+              <a:t>Parts can be checked automatically</a:t>
+            </a:r>
+          </a:p>
+          <a:p>
+            <a:pPr lvl="1"/>
+            <a:r>
+              <a:rPr lang="en-US" dirty="0" smtClean="0"/>
+              <a:t>but manual check is still required</a:t>
+            </a:r>
+          </a:p>
+          <a:p>
+            <a:pPr lvl="2"/>
+            <a:r>
+              <a:rPr lang="en-US" dirty="0" smtClean="0"/>
+              <a:t>e.g., is the </a:t>
+            </a:r>
+            <a:r>
+              <a:rPr lang="ja-JP" altLang="en-US" dirty="0" smtClean="0"/>
+              <a:t>“</a:t>
+            </a:r>
+            <a:r>
+              <a:rPr lang="en-US" altLang="ja-JP" dirty="0" smtClean="0"/>
+              <a:t>alt</a:t>
+            </a:r>
+            <a:r>
+              <a:rPr lang="ja-JP" altLang="en-US" dirty="0" smtClean="0"/>
+              <a:t>”</a:t>
+            </a:r>
+            <a:r>
+              <a:rPr lang="en-US" altLang="ja-JP" dirty="0" smtClean="0"/>
+              <a:t> tag of the image meaningful? </a:t>
+            </a:r>
+            <a:endParaRPr lang="en-US" dirty="0"/>
+          </a:p>
+        </p:txBody>
+      </p:sp>
+      <p:sp>
+        <p:nvSpPr>
+          <p:cNvPr id="2" name="Slide Number Placeholder 1"/>
+          <p:cNvSpPr>
+            <a:spLocks noGrp="1"/>
+          </p:cNvSpPr>
+          <p:nvPr>
+            <p:ph type="sldNum" sz="quarter" idx="12"/>
+          </p:nvPr>
+        </p:nvSpPr>
+        <p:spPr/>
+        <p:txBody>
+          <a:bodyPr/>
+          <a:lstStyle/>
+          <a:p>
+            <a:fld id="{B543A0FD-1CA6-4228-86A2-78061B4844C8}" type="slidenum">
+              <a:rPr lang="en-US" smtClean="0"/>
+              <a:t>63</a:t>
+            </a:fld>
+            <a:endParaRPr lang="en-US"/>
+          </a:p>
+        </p:txBody>
+      </p:sp>
+    </p:spTree>
+    <p:extLst>
+      <p:ext uri="{BB962C8B-B14F-4D97-AF65-F5344CB8AC3E}">
+        <p14:creationId xmlns:p14="http://schemas.microsoft.com/office/powerpoint/2010/main" val="3243954703"/>
       </p:ext>
     </p:extLst>
   </p:cSld>
@@ -20266,504 +19693,6 @@
 </p:sld>
 </file>
 
-<file path=ppt/slides/slide61.xml><?xml version="1.0" encoding="utf-8"?>
-<p:sld xmlns:a="http://schemas.openxmlformats.org/drawingml/2006/main" xmlns:r="http://schemas.openxmlformats.org/officeDocument/2006/relationships" xmlns:p="http://schemas.openxmlformats.org/presentationml/2006/main">
-  <p:cSld>
-    <p:spTree>
-      <p:nvGrpSpPr>
-        <p:cNvPr id="1" name=""/>
-        <p:cNvGrpSpPr/>
-        <p:nvPr/>
-      </p:nvGrpSpPr>
-      <p:grpSpPr>
-        <a:xfrm>
-          <a:off x="0" y="0"/>
-          <a:ext cx="0" cy="0"/>
-          <a:chOff x="0" y="0"/>
-          <a:chExt cx="0" cy="0"/>
-        </a:xfrm>
-      </p:grpSpPr>
-      <p:sp>
-        <p:nvSpPr>
-          <p:cNvPr id="32772" name="Title 1"/>
-          <p:cNvSpPr>
-            <a:spLocks noGrp="1"/>
-          </p:cNvSpPr>
-          <p:nvPr>
-            <p:ph type="title"/>
-          </p:nvPr>
-        </p:nvSpPr>
-        <p:spPr/>
-        <p:txBody>
-          <a:bodyPr/>
-          <a:lstStyle/>
-          <a:p>
-            <a:r>
-              <a:rPr lang="en-US" dirty="0" smtClean="0"/>
-              <a:t>Is Statistical Testing Worthwhile?</a:t>
-            </a:r>
-            <a:endParaRPr lang="en-US" dirty="0"/>
-          </a:p>
-        </p:txBody>
-      </p:sp>
-      <p:sp>
-        <p:nvSpPr>
-          <p:cNvPr id="32773" name="Content Placeholder 2"/>
-          <p:cNvSpPr>
-            <a:spLocks noGrp="1"/>
-          </p:cNvSpPr>
-          <p:nvPr>
-            <p:ph idx="1"/>
-          </p:nvPr>
-        </p:nvSpPr>
-        <p:spPr>
-          <a:xfrm>
-            <a:off x="457200" y="1526876"/>
-            <a:ext cx="10896600" cy="4829474"/>
-          </a:xfrm>
-        </p:spPr>
-        <p:txBody>
-          <a:bodyPr/>
-          <a:lstStyle/>
-          <a:p>
-            <a:r>
-              <a:rPr lang="en-US" dirty="0" smtClean="0"/>
-              <a:t>Necessary for ... </a:t>
-            </a:r>
-          </a:p>
-          <a:p>
-            <a:pPr lvl="1"/>
-            <a:r>
-              <a:rPr lang="en-US" dirty="0" smtClean="0"/>
-              <a:t>Critical systems (safety critical, infrastructure, ...)</a:t>
-            </a:r>
-          </a:p>
-          <a:p>
-            <a:r>
-              <a:rPr lang="en-US" dirty="0" smtClean="0"/>
-              <a:t>But difficult or impossible when ... </a:t>
-            </a:r>
-          </a:p>
-          <a:p>
-            <a:pPr lvl="1"/>
-            <a:r>
-              <a:rPr lang="en-US" dirty="0" smtClean="0"/>
-              <a:t>Operational profile is unavailable or just a guess</a:t>
-            </a:r>
-          </a:p>
-          <a:p>
-            <a:pPr lvl="2"/>
-            <a:r>
-              <a:rPr lang="en-US" dirty="0" smtClean="0"/>
-              <a:t>Often for new functionality involving human interaction</a:t>
-            </a:r>
-          </a:p>
-          <a:p>
-            <a:pPr lvl="3"/>
-            <a:r>
-              <a:rPr lang="en-US" dirty="0" smtClean="0"/>
-              <a:t>But we may factor critical functions from overall use to obtain a good model of only the critical properties</a:t>
-            </a:r>
-          </a:p>
-          <a:p>
-            <a:pPr lvl="1"/>
-            <a:r>
-              <a:rPr lang="en-US" dirty="0" smtClean="0"/>
-              <a:t>Reliability requirement is very high</a:t>
-            </a:r>
-          </a:p>
-          <a:p>
-            <a:pPr lvl="2"/>
-            <a:r>
-              <a:rPr lang="en-US" dirty="0" smtClean="0"/>
-              <a:t>Required sample size (number of test cases) might require years of test execution</a:t>
-            </a:r>
-          </a:p>
-          <a:p>
-            <a:pPr lvl="2"/>
-            <a:r>
-              <a:rPr lang="en-US" dirty="0" smtClean="0"/>
-              <a:t>Ultra-reliability can seldom be demonstrated by testing</a:t>
-            </a:r>
-            <a:endParaRPr lang="en-US" dirty="0"/>
-          </a:p>
-        </p:txBody>
-      </p:sp>
-      <p:sp>
-        <p:nvSpPr>
-          <p:cNvPr id="2" name="Slide Number Placeholder 1"/>
-          <p:cNvSpPr>
-            <a:spLocks noGrp="1"/>
-          </p:cNvSpPr>
-          <p:nvPr>
-            <p:ph type="sldNum" sz="quarter" idx="12"/>
-          </p:nvPr>
-        </p:nvSpPr>
-        <p:spPr/>
-        <p:txBody>
-          <a:bodyPr/>
-          <a:lstStyle/>
-          <a:p>
-            <a:fld id="{B543A0FD-1CA6-4228-86A2-78061B4844C8}" type="slidenum">
-              <a:rPr lang="en-US" smtClean="0"/>
-              <a:t>61</a:t>
-            </a:fld>
-            <a:endParaRPr lang="en-US"/>
-          </a:p>
-        </p:txBody>
-      </p:sp>
-    </p:spTree>
-    <p:extLst>
-      <p:ext uri="{BB962C8B-B14F-4D97-AF65-F5344CB8AC3E}">
-        <p14:creationId xmlns:p14="http://schemas.microsoft.com/office/powerpoint/2010/main" val="1562111294"/>
-      </p:ext>
-    </p:extLst>
-  </p:cSld>
-  <p:clrMapOvr>
-    <a:masterClrMapping/>
-  </p:clrMapOvr>
-  <mc:AlternateContent xmlns:mc="http://schemas.openxmlformats.org/markup-compatibility/2006" xmlns:p14="http://schemas.microsoft.com/office/powerpoint/2010/main">
-    <mc:Choice Requires="p14">
-      <p:transition spd="slow" p14:dur="2000"/>
-    </mc:Choice>
-    <mc:Fallback xmlns="">
-      <p:transition spd="slow"/>
-    </mc:Fallback>
-  </mc:AlternateContent>
-  <p:timing>
-    <p:tnLst>
-      <p:par>
-        <p:cTn id="1" dur="indefinite" restart="never" nodeType="tmRoot"/>
-      </p:par>
-    </p:tnLst>
-  </p:timing>
-</p:sld>
-</file>
-
-<file path=ppt/slides/slide62.xml><?xml version="1.0" encoding="utf-8"?>
-<p:sld xmlns:a="http://schemas.openxmlformats.org/drawingml/2006/main" xmlns:r="http://schemas.openxmlformats.org/officeDocument/2006/relationships" xmlns:p="http://schemas.openxmlformats.org/presentationml/2006/main">
-  <p:cSld>
-    <p:spTree>
-      <p:nvGrpSpPr>
-        <p:cNvPr id="1" name=""/>
-        <p:cNvGrpSpPr/>
-        <p:nvPr/>
-      </p:nvGrpSpPr>
-      <p:grpSpPr>
-        <a:xfrm>
-          <a:off x="0" y="0"/>
-          <a:ext cx="0" cy="0"/>
-          <a:chOff x="0" y="0"/>
-          <a:chExt cx="0" cy="0"/>
-        </a:xfrm>
-      </p:grpSpPr>
-      <p:sp>
-        <p:nvSpPr>
-          <p:cNvPr id="33796" name="Title 1"/>
-          <p:cNvSpPr>
-            <a:spLocks noGrp="1"/>
-          </p:cNvSpPr>
-          <p:nvPr>
-            <p:ph type="title"/>
-          </p:nvPr>
-        </p:nvSpPr>
-        <p:spPr/>
-        <p:txBody>
-          <a:bodyPr/>
-          <a:lstStyle/>
-          <a:p>
-            <a:r>
-              <a:rPr lang="en-US" dirty="0" smtClean="0"/>
-              <a:t>Process-Based Measures</a:t>
-            </a:r>
-            <a:endParaRPr lang="en-US" dirty="0"/>
-          </a:p>
-        </p:txBody>
-      </p:sp>
-      <p:sp>
-        <p:nvSpPr>
-          <p:cNvPr id="33797" name="Content Placeholder 2"/>
-          <p:cNvSpPr>
-            <a:spLocks noGrp="1"/>
-          </p:cNvSpPr>
-          <p:nvPr>
-            <p:ph idx="1"/>
-          </p:nvPr>
-        </p:nvSpPr>
-        <p:spPr/>
-        <p:txBody>
-          <a:bodyPr/>
-          <a:lstStyle/>
-          <a:p>
-            <a:r>
-              <a:rPr lang="en-US" dirty="0" smtClean="0"/>
-              <a:t>Less rigorous than statistical testing</a:t>
-            </a:r>
-          </a:p>
-          <a:p>
-            <a:pPr lvl="1"/>
-            <a:r>
-              <a:rPr lang="en-US" dirty="0" smtClean="0"/>
-              <a:t>Based on similarity with prior projects</a:t>
-            </a:r>
-          </a:p>
-          <a:p>
-            <a:r>
-              <a:rPr lang="en-US" dirty="0" smtClean="0"/>
-              <a:t>System testing process</a:t>
-            </a:r>
-          </a:p>
-          <a:p>
-            <a:pPr lvl="1"/>
-            <a:r>
-              <a:rPr lang="en-US" dirty="0" smtClean="0"/>
-              <a:t>Expected history of bugs found and resolved</a:t>
-            </a:r>
-          </a:p>
-          <a:p>
-            <a:r>
-              <a:rPr lang="en-US" dirty="0" smtClean="0"/>
-              <a:t>Alpha, beta testing</a:t>
-            </a:r>
-          </a:p>
-          <a:p>
-            <a:pPr lvl="1"/>
-            <a:r>
-              <a:rPr lang="en-US" dirty="0" smtClean="0"/>
-              <a:t>Alpha testing:  Real users, controlled environment</a:t>
-            </a:r>
-          </a:p>
-          <a:p>
-            <a:pPr lvl="1"/>
-            <a:r>
-              <a:rPr lang="en-US" dirty="0" smtClean="0"/>
-              <a:t>Beta testing: Real users, real (uncontrolled) environment</a:t>
-            </a:r>
-          </a:p>
-          <a:p>
-            <a:pPr lvl="1"/>
-            <a:r>
-              <a:rPr lang="en-US" dirty="0" smtClean="0"/>
-              <a:t>May statistically sample users rather than uses</a:t>
-            </a:r>
-          </a:p>
-          <a:p>
-            <a:pPr lvl="1"/>
-            <a:r>
-              <a:rPr lang="en-US" dirty="0" smtClean="0"/>
-              <a:t>Expected history of bug reports</a:t>
-            </a:r>
-            <a:endParaRPr lang="en-US" dirty="0"/>
-          </a:p>
-        </p:txBody>
-      </p:sp>
-      <p:sp>
-        <p:nvSpPr>
-          <p:cNvPr id="2" name="Slide Number Placeholder 1"/>
-          <p:cNvSpPr>
-            <a:spLocks noGrp="1"/>
-          </p:cNvSpPr>
-          <p:nvPr>
-            <p:ph type="sldNum" sz="quarter" idx="12"/>
-          </p:nvPr>
-        </p:nvSpPr>
-        <p:spPr/>
-        <p:txBody>
-          <a:bodyPr/>
-          <a:lstStyle/>
-          <a:p>
-            <a:fld id="{B543A0FD-1CA6-4228-86A2-78061B4844C8}" type="slidenum">
-              <a:rPr lang="en-US" smtClean="0"/>
-              <a:t>62</a:t>
-            </a:fld>
-            <a:endParaRPr lang="en-US"/>
-          </a:p>
-        </p:txBody>
-      </p:sp>
-    </p:spTree>
-    <p:extLst>
-      <p:ext uri="{BB962C8B-B14F-4D97-AF65-F5344CB8AC3E}">
-        <p14:creationId xmlns:p14="http://schemas.microsoft.com/office/powerpoint/2010/main" val="1628619638"/>
-      </p:ext>
-    </p:extLst>
-  </p:cSld>
-  <p:clrMapOvr>
-    <a:masterClrMapping/>
-  </p:clrMapOvr>
-  <mc:AlternateContent xmlns:mc="http://schemas.openxmlformats.org/markup-compatibility/2006" xmlns:p14="http://schemas.microsoft.com/office/powerpoint/2010/main">
-    <mc:Choice Requires="p14">
-      <p:transition spd="slow" p14:dur="2000"/>
-    </mc:Choice>
-    <mc:Fallback xmlns="">
-      <p:transition spd="slow"/>
-    </mc:Fallback>
-  </mc:AlternateContent>
-  <p:timing>
-    <p:tnLst>
-      <p:par>
-        <p:cTn id="1" dur="indefinite" restart="never" nodeType="tmRoot"/>
-      </p:par>
-    </p:tnLst>
-  </p:timing>
-</p:sld>
-</file>
-
-<file path=ppt/slides/slide63.xml><?xml version="1.0" encoding="utf-8"?>
-<p:sld xmlns:a="http://schemas.openxmlformats.org/drawingml/2006/main" xmlns:r="http://schemas.openxmlformats.org/officeDocument/2006/relationships" xmlns:p="http://schemas.openxmlformats.org/presentationml/2006/main">
-  <p:cSld>
-    <p:spTree>
-      <p:nvGrpSpPr>
-        <p:cNvPr id="1" name=""/>
-        <p:cNvGrpSpPr/>
-        <p:nvPr/>
-      </p:nvGrpSpPr>
-      <p:grpSpPr>
-        <a:xfrm>
-          <a:off x="0" y="0"/>
-          <a:ext cx="0" cy="0"/>
-          <a:chOff x="0" y="0"/>
-          <a:chExt cx="0" cy="0"/>
-        </a:xfrm>
-      </p:grpSpPr>
-      <p:sp>
-        <p:nvSpPr>
-          <p:cNvPr id="1608706" name="Rectangle 2"/>
-          <p:cNvSpPr>
-            <a:spLocks noGrp="1" noChangeArrowheads="1"/>
-          </p:cNvSpPr>
-          <p:nvPr>
-            <p:ph type="title"/>
-          </p:nvPr>
-        </p:nvSpPr>
-        <p:spPr/>
-        <p:txBody>
-          <a:bodyPr/>
-          <a:lstStyle/>
-          <a:p>
-            <a:r>
-              <a:rPr lang="en-US" dirty="0" smtClean="0"/>
-              <a:t>UI testing ("acceptance")</a:t>
-            </a:r>
-            <a:endParaRPr lang="en-US" dirty="0"/>
-          </a:p>
-        </p:txBody>
-      </p:sp>
-      <p:sp>
-        <p:nvSpPr>
-          <p:cNvPr id="1608707" name="Rectangle 3"/>
-          <p:cNvSpPr>
-            <a:spLocks noGrp="1" noChangeArrowheads="1"/>
-          </p:cNvSpPr>
-          <p:nvPr>
-            <p:ph idx="1"/>
-          </p:nvPr>
-        </p:nvSpPr>
-        <p:spPr/>
-        <p:txBody>
-          <a:bodyPr/>
-          <a:lstStyle/>
-          <a:p>
-            <a:r>
-              <a:rPr lang="en-US" dirty="0" smtClean="0"/>
-              <a:t>Automated UI testing ("automation")</a:t>
-            </a:r>
-          </a:p>
-          <a:p>
-            <a:pPr lvl="1"/>
-            <a:r>
-              <a:rPr lang="en-US" dirty="0" smtClean="0"/>
-              <a:t>Scripts and such that use your app and look for failures</a:t>
-            </a:r>
-          </a:p>
-          <a:p>
-            <a:pPr lvl="1"/>
-            <a:r>
-              <a:rPr lang="en-US" dirty="0" smtClean="0"/>
-              <a:t>A black-box system test</a:t>
-            </a:r>
-          </a:p>
-          <a:p>
-            <a:r>
-              <a:rPr lang="en-US" dirty="0" smtClean="0"/>
-              <a:t>Manual tests</a:t>
-            </a:r>
-          </a:p>
-          <a:p>
-            <a:pPr lvl="1"/>
-            <a:r>
-              <a:rPr lang="en-US" dirty="0" smtClean="0"/>
-              <a:t>Human beings click through predetermined paths</a:t>
-            </a:r>
-          </a:p>
-          <a:p>
-            <a:pPr lvl="1"/>
-            <a:r>
-              <a:rPr lang="en-US" dirty="0" smtClean="0"/>
-              <a:t>Need to write down the specific tests each time</a:t>
-            </a:r>
-          </a:p>
-          <a:p>
-            <a:r>
-              <a:rPr lang="en-US" dirty="0" smtClean="0"/>
-              <a:t>Ad-hoc tests</a:t>
-            </a:r>
-          </a:p>
-          <a:p>
-            <a:pPr lvl="1"/>
-            <a:r>
-              <a:rPr lang="en-US" dirty="0" smtClean="0"/>
-              <a:t>Human beings are "turned loose" on the app to see if they can break it</a:t>
-            </a:r>
-          </a:p>
-          <a:p>
-            <a:endParaRPr lang="en-US" dirty="0"/>
-          </a:p>
-        </p:txBody>
-      </p:sp>
-      <p:sp>
-        <p:nvSpPr>
-          <p:cNvPr id="2" name="Slide Number Placeholder 1"/>
-          <p:cNvSpPr>
-            <a:spLocks noGrp="1"/>
-          </p:cNvSpPr>
-          <p:nvPr>
-            <p:ph type="sldNum" sz="quarter" idx="12"/>
-          </p:nvPr>
-        </p:nvSpPr>
-        <p:spPr/>
-        <p:txBody>
-          <a:bodyPr/>
-          <a:lstStyle/>
-          <a:p>
-            <a:fld id="{B543A0FD-1CA6-4228-86A2-78061B4844C8}" type="slidenum">
-              <a:rPr lang="en-US" smtClean="0"/>
-              <a:t>63</a:t>
-            </a:fld>
-            <a:endParaRPr lang="en-US"/>
-          </a:p>
-        </p:txBody>
-      </p:sp>
-    </p:spTree>
-    <p:extLst>
-      <p:ext uri="{BB962C8B-B14F-4D97-AF65-F5344CB8AC3E}">
-        <p14:creationId xmlns:p14="http://schemas.microsoft.com/office/powerpoint/2010/main" val="2895998461"/>
-      </p:ext>
-    </p:extLst>
-  </p:cSld>
-  <p:clrMapOvr>
-    <a:masterClrMapping/>
-  </p:clrMapOvr>
-  <mc:AlternateContent xmlns:mc="http://schemas.openxmlformats.org/markup-compatibility/2006" xmlns:p14="http://schemas.microsoft.com/office/powerpoint/2010/main">
-    <mc:Choice Requires="p14">
-      <p:transition spd="slow" p14:dur="2000"/>
-    </mc:Choice>
-    <mc:Fallback xmlns="">
-      <p:transition spd="slow"/>
-    </mc:Fallback>
-  </mc:AlternateContent>
-</p:sld>
-</file>
-
 <file path=ppt/slides/slide64.xml><?xml version="1.0" encoding="utf-8"?>
 <p:sld xmlns:a="http://schemas.openxmlformats.org/drawingml/2006/main" xmlns:r="http://schemas.openxmlformats.org/officeDocument/2006/relationships" xmlns:p="http://schemas.openxmlformats.org/presentationml/2006/main">
   <p:cSld>
@@ -20783,7 +19712,7 @@
       </p:grpSpPr>
       <p:sp>
         <p:nvSpPr>
-          <p:cNvPr id="35844" name="Rectangle 6"/>
+          <p:cNvPr id="4" name="Title 3"/>
           <p:cNvSpPr>
             <a:spLocks noGrp="1"/>
           </p:cNvSpPr>
@@ -20798,7 +19727,7 @@
           <a:p>
             <a:r>
               <a:rPr lang="en-US" dirty="0" smtClean="0"/>
-              <a:t>Usability Test</a:t>
+              <a:t>Installation Testing</a:t>
             </a:r>
             <a:endParaRPr lang="en-US" dirty="0"/>
           </a:p>
@@ -20806,7 +19735,7 @@
       </p:sp>
       <p:sp>
         <p:nvSpPr>
-          <p:cNvPr id="35845" name="Rectangle 7"/>
+          <p:cNvPr id="5" name="Content Placeholder 4"/>
           <p:cNvSpPr>
             <a:spLocks noGrp="1"/>
           </p:cNvSpPr>
@@ -20821,55 +19750,44 @@
           <a:p>
             <a:r>
               <a:rPr lang="en-US" dirty="0" smtClean="0"/>
-              <a:t>A usable product </a:t>
+              <a:t>Before the testing</a:t>
             </a:r>
           </a:p>
           <a:p>
             <a:pPr lvl="1"/>
             <a:r>
               <a:rPr lang="en-US" dirty="0" smtClean="0"/>
-              <a:t>is quickly learned</a:t>
+              <a:t>Configure the system</a:t>
             </a:r>
           </a:p>
           <a:p>
             <a:pPr lvl="1"/>
             <a:r>
               <a:rPr lang="en-US" dirty="0" smtClean="0"/>
-              <a:t>allows users to work efficiently</a:t>
+              <a:t>Attach proper number and kind of devices</a:t>
             </a:r>
           </a:p>
           <a:p>
             <a:pPr lvl="1"/>
             <a:r>
               <a:rPr lang="en-US" dirty="0" smtClean="0"/>
-              <a:t>is pleasant to use </a:t>
-            </a:r>
-          </a:p>
-          <a:p>
-            <a:r>
-              <a:rPr lang="en-US" dirty="0" smtClean="0"/>
-              <a:t>Objective criteria</a:t>
+              <a:t>Establish communication with other system</a:t>
+            </a:r>
+          </a:p>
+          <a:p>
+            <a:r>
+              <a:rPr lang="en-US" dirty="0" smtClean="0"/>
+              <a:t>The testing</a:t>
             </a:r>
           </a:p>
           <a:p>
             <a:pPr lvl="1"/>
             <a:r>
               <a:rPr lang="en-US" dirty="0" smtClean="0"/>
-              <a:t>Time and number of operations to perform a task</a:t>
-            </a:r>
-          </a:p>
-          <a:p>
-            <a:pPr lvl="1"/>
-            <a:r>
-              <a:rPr lang="en-US" dirty="0" smtClean="0"/>
-              <a:t>Frequency of user error</a:t>
-            </a:r>
-          </a:p>
-          <a:p>
-            <a:r>
-              <a:rPr lang="en-US" dirty="0" smtClean="0"/>
-              <a:t>Plus overall, subjective satisfaction</a:t>
-            </a:r>
+              <a:t>Regression tests: to verify that the system has been installed properly and works</a:t>
+            </a:r>
+          </a:p>
+          <a:p>
             <a:endParaRPr lang="en-US" dirty="0"/>
           </a:p>
         </p:txBody>
@@ -20900,25 +19818,38 @@
     </p:spTree>
     <p:extLst>
       <p:ext uri="{BB962C8B-B14F-4D97-AF65-F5344CB8AC3E}">
-        <p14:creationId xmlns:p14="http://schemas.microsoft.com/office/powerpoint/2010/main" val="3673895428"/>
+        <p14:creationId xmlns:p14="http://schemas.microsoft.com/office/powerpoint/2010/main" val="3160143134"/>
       </p:ext>
     </p:extLst>
   </p:cSld>
   <p:clrMapOvr>
     <a:masterClrMapping/>
   </p:clrMapOvr>
-  <mc:AlternateContent xmlns:mc="http://schemas.openxmlformats.org/markup-compatibility/2006" xmlns:p14="http://schemas.microsoft.com/office/powerpoint/2010/main">
-    <mc:Choice Requires="p14">
-      <p:transition spd="slow" p14:dur="2000"/>
-    </mc:Choice>
-    <mc:Fallback xmlns="">
-      <p:transition spd="slow"/>
-    </mc:Fallback>
-  </mc:AlternateContent>
+  <p:transition/>
   <p:timing>
     <p:tnLst>
       <p:par>
-        <p:cTn id="1" dur="indefinite" restart="never" nodeType="tmRoot"/>
+        <p:cTn id="1" dur="indefinite" restart="never" nodeType="tmRoot">
+          <p:childTnLst>
+            <p:seq concurrent="1" nextAc="seek">
+              <p:cTn id="2" dur="0" nodeType="mainSeq"/>
+              <p:prevCondLst>
+                <p:cond evt="onPrev" delay="0">
+                  <p:tgtEl>
+                    <p:sldTgt/>
+                  </p:tgtEl>
+                </p:cond>
+              </p:prevCondLst>
+              <p:nextCondLst>
+                <p:cond evt="onNext" delay="0">
+                  <p:tgtEl>
+                    <p:sldTgt/>
+                  </p:tgtEl>
+                </p:cond>
+              </p:nextCondLst>
+            </p:seq>
+          </p:childTnLst>
+        </p:cTn>
       </p:par>
     </p:tnLst>
   </p:timing>
@@ -20944,7 +19875,7 @@
       </p:grpSpPr>
       <p:sp>
         <p:nvSpPr>
-          <p:cNvPr id="1605634" name="Rectangle 2"/>
+          <p:cNvPr id="1608706" name="Rectangle 2"/>
           <p:cNvSpPr>
             <a:spLocks noGrp="1" noChangeArrowheads="1"/>
           </p:cNvSpPr>
@@ -20958,49 +19889,81 @@
           <a:lstStyle/>
           <a:p>
             <a:r>
-              <a:rPr lang="en-US" dirty="0"/>
-              <a:t>Load testing</a:t>
-            </a:r>
-          </a:p>
-        </p:txBody>
-      </p:sp>
-      <p:sp>
-        <p:nvSpPr>
-          <p:cNvPr id="1605635" name="Rectangle 3"/>
+              <a:rPr lang="en-US" dirty="0" smtClean="0"/>
+              <a:t>UI testing ("acceptance")</a:t>
+            </a:r>
+            <a:endParaRPr lang="en-US" dirty="0"/>
+          </a:p>
+        </p:txBody>
+      </p:sp>
+      <p:sp>
+        <p:nvSpPr>
+          <p:cNvPr id="1608707" name="Rectangle 3"/>
           <p:cNvSpPr>
             <a:spLocks noGrp="1" noChangeArrowheads="1"/>
           </p:cNvSpPr>
           <p:nvPr>
-            <p:ph type="body" idx="1"/>
-          </p:nvPr>
-        </p:nvSpPr>
-        <p:spPr/>
-        <p:txBody>
-          <a:bodyPr/>
-          <a:lstStyle/>
-          <a:p>
-            <a:r>
-              <a:rPr lang="en-US" dirty="0"/>
-              <a:t>load testing</a:t>
+            <p:ph idx="1"/>
+          </p:nvPr>
+        </p:nvSpPr>
+        <p:spPr/>
+        <p:txBody>
+          <a:bodyPr/>
+          <a:lstStyle/>
+          <a:p>
+            <a:r>
+              <a:rPr lang="en-US" dirty="0" smtClean="0"/>
+              <a:t>Automated UI testing ("automation")</a:t>
             </a:r>
           </a:p>
           <a:p>
             <a:pPr lvl="1"/>
             <a:r>
-              <a:rPr lang="en-US" dirty="0"/>
-              <a:t>How many hits/requests should the system be able to handle?</a:t>
+              <a:rPr lang="en-US" dirty="0" smtClean="0"/>
+              <a:t>Scripts and such that use your app and look for failures</a:t>
             </a:r>
           </a:p>
           <a:p>
             <a:pPr lvl="1"/>
             <a:r>
-              <a:rPr lang="en-US" dirty="0"/>
-              <a:t>What should be its performance under these circumstances</a:t>
-            </a:r>
-            <a:r>
-              <a:rPr lang="en-US" dirty="0" smtClean="0"/>
-              <a:t>?</a:t>
-            </a:r>
+              <a:rPr lang="en-US" dirty="0" smtClean="0"/>
+              <a:t>A black-box system test</a:t>
+            </a:r>
+          </a:p>
+          <a:p>
+            <a:r>
+              <a:rPr lang="en-US" dirty="0" smtClean="0"/>
+              <a:t>Manual tests</a:t>
+            </a:r>
+          </a:p>
+          <a:p>
+            <a:pPr lvl="1"/>
+            <a:r>
+              <a:rPr lang="en-US" dirty="0" smtClean="0"/>
+              <a:t>Human beings click through predetermined paths</a:t>
+            </a:r>
+          </a:p>
+          <a:p>
+            <a:pPr lvl="1"/>
+            <a:r>
+              <a:rPr lang="en-US" dirty="0" smtClean="0"/>
+              <a:t>Need to write down the specific tests each time</a:t>
+            </a:r>
+          </a:p>
+          <a:p>
+            <a:r>
+              <a:rPr lang="en-US" dirty="0" smtClean="0"/>
+              <a:t>Ad-hoc tests</a:t>
+            </a:r>
+          </a:p>
+          <a:p>
+            <a:pPr lvl="1"/>
+            <a:r>
+              <a:rPr lang="en-US" dirty="0" smtClean="0"/>
+              <a:t>Human beings are "turned loose" on the app to see if they can break it</a:t>
+            </a:r>
+          </a:p>
+          <a:p>
             <a:endParaRPr lang="en-US" dirty="0"/>
           </a:p>
         </p:txBody>
@@ -21031,7 +19994,7 @@
     </p:spTree>
     <p:extLst>
       <p:ext uri="{BB962C8B-B14F-4D97-AF65-F5344CB8AC3E}">
-        <p14:creationId xmlns:p14="http://schemas.microsoft.com/office/powerpoint/2010/main" val="3072383892"/>
+        <p14:creationId xmlns:p14="http://schemas.microsoft.com/office/powerpoint/2010/main" val="4166670406"/>
       </p:ext>
     </p:extLst>
   </p:cSld>
@@ -21068,7 +20031,7 @@
       </p:grpSpPr>
       <p:sp>
         <p:nvSpPr>
-          <p:cNvPr id="36868" name="Title 1"/>
+          <p:cNvPr id="35844" name="Rectangle 6"/>
           <p:cNvSpPr>
             <a:spLocks noGrp="1"/>
           </p:cNvSpPr>
@@ -21083,7 +20046,7 @@
           <a:p>
             <a:r>
               <a:rPr lang="en-US" dirty="0" smtClean="0"/>
-              <a:t>Accessibility Testing</a:t>
+              <a:t>Usability Test</a:t>
             </a:r>
             <a:endParaRPr lang="en-US" dirty="0"/>
           </a:p>
@@ -21091,85 +20054,69 @@
       </p:sp>
       <p:sp>
         <p:nvSpPr>
-          <p:cNvPr id="36869" name="Content Placeholder 2"/>
-          <p:cNvSpPr>
-            <a:spLocks noGrp="1"/>
-          </p:cNvSpPr>
-          <p:nvPr>
-            <p:ph type="body" idx="1"/>
-          </p:nvPr>
-        </p:nvSpPr>
-        <p:spPr/>
-        <p:txBody>
-          <a:bodyPr/>
-          <a:lstStyle/>
-          <a:p>
-            <a:r>
-              <a:rPr lang="en-US" dirty="0" smtClean="0"/>
-              <a:t>Check usability by people with disabilities</a:t>
+          <p:cNvPr id="35845" name="Rectangle 7"/>
+          <p:cNvSpPr>
+            <a:spLocks noGrp="1"/>
+          </p:cNvSpPr>
+          <p:nvPr>
+            <p:ph idx="1"/>
+          </p:nvPr>
+        </p:nvSpPr>
+        <p:spPr/>
+        <p:txBody>
+          <a:bodyPr/>
+          <a:lstStyle/>
+          <a:p>
+            <a:r>
+              <a:rPr lang="en-US" dirty="0" smtClean="0"/>
+              <a:t>A usable product </a:t>
             </a:r>
           </a:p>
           <a:p>
             <a:pPr lvl="1"/>
             <a:r>
               <a:rPr lang="en-US" dirty="0" smtClean="0"/>
-              <a:t>Blind and low vision, deaf, color-blind, ...</a:t>
-            </a:r>
-          </a:p>
-          <a:p>
-            <a:r>
-              <a:rPr lang="en-US" dirty="0" smtClean="0"/>
-              <a:t>Use accessibility guidelines</a:t>
+              <a:t>is quickly learned</a:t>
             </a:r>
           </a:p>
           <a:p>
             <a:pPr lvl="1"/>
             <a:r>
               <a:rPr lang="en-US" dirty="0" smtClean="0"/>
-              <a:t>Direct usability testing with all relevant groups is usually impractical; checking compliance to guidelines is practical and often reveals problems</a:t>
-            </a:r>
-          </a:p>
-          <a:p>
-            <a:r>
-              <a:rPr lang="en-US" dirty="0" smtClean="0"/>
-              <a:t>Example: W3C Web Content Accessibility Guidelines</a:t>
+              <a:t>allows users to work efficiently</a:t>
             </a:r>
           </a:p>
           <a:p>
             <a:pPr lvl="1"/>
             <a:r>
               <a:rPr lang="en-US" dirty="0" smtClean="0"/>
-              <a:t>Parts can be checked automatically</a:t>
+              <a:t>is pleasant to use </a:t>
+            </a:r>
+          </a:p>
+          <a:p>
+            <a:r>
+              <a:rPr lang="en-US" dirty="0" smtClean="0"/>
+              <a:t>Objective criteria</a:t>
             </a:r>
           </a:p>
           <a:p>
             <a:pPr lvl="1"/>
             <a:r>
               <a:rPr lang="en-US" dirty="0" smtClean="0"/>
-              <a:t>but manual check is still required</a:t>
-            </a:r>
-          </a:p>
-          <a:p>
-            <a:pPr lvl="2"/>
-            <a:r>
-              <a:rPr lang="en-US" dirty="0" smtClean="0"/>
-              <a:t>e.g., is the </a:t>
-            </a:r>
-            <a:r>
-              <a:rPr lang="ja-JP" altLang="en-US" dirty="0" smtClean="0"/>
-              <a:t>“</a:t>
-            </a:r>
-            <a:r>
-              <a:rPr lang="en-US" altLang="ja-JP" dirty="0" smtClean="0"/>
-              <a:t>alt</a:t>
-            </a:r>
-            <a:r>
-              <a:rPr lang="ja-JP" altLang="en-US" dirty="0" smtClean="0"/>
-              <a:t>”</a:t>
-            </a:r>
-            <a:r>
-              <a:rPr lang="en-US" altLang="ja-JP" dirty="0" smtClean="0"/>
-              <a:t> tag of the image meaningful? </a:t>
+              <a:t>Time and number of operations to perform a task</a:t>
+            </a:r>
+          </a:p>
+          <a:p>
+            <a:pPr lvl="1"/>
+            <a:r>
+              <a:rPr lang="en-US" dirty="0" smtClean="0"/>
+              <a:t>Frequency of user error</a:t>
+            </a:r>
+          </a:p>
+          <a:p>
+            <a:r>
+              <a:rPr lang="en-US" dirty="0" smtClean="0"/>
+              <a:t>Plus overall, subjective satisfaction</a:t>
             </a:r>
             <a:endParaRPr lang="en-US" dirty="0"/>
           </a:p>
@@ -21201,7 +20148,7 @@
     </p:spTree>
     <p:extLst>
       <p:ext uri="{BB962C8B-B14F-4D97-AF65-F5344CB8AC3E}">
-        <p14:creationId xmlns:p14="http://schemas.microsoft.com/office/powerpoint/2010/main" val="419109984"/>
+        <p14:creationId xmlns:p14="http://schemas.microsoft.com/office/powerpoint/2010/main" val="3388600323"/>
       </p:ext>
     </p:extLst>
   </p:cSld>
@@ -21245,7 +20192,7 @@
       </p:grpSpPr>
       <p:sp>
         <p:nvSpPr>
-          <p:cNvPr id="4" name="Title 3"/>
+          <p:cNvPr id="2" name="Title 1"/>
           <p:cNvSpPr>
             <a:spLocks noGrp="1"/>
           </p:cNvSpPr>
@@ -21259,8 +20206,12 @@
           <a:lstStyle/>
           <a:p>
             <a:r>
-              <a:rPr lang="en-US" dirty="0" smtClean="0"/>
-              <a:t>Installation Testing</a:t>
+              <a:rPr lang="en-US" dirty="0"/>
+              <a:t>Non-Functional System </a:t>
+            </a:r>
+            <a:r>
+              <a:rPr lang="en-US" dirty="0" smtClean="0"/>
+              <a:t>Testing Tools</a:t>
             </a:r>
             <a:endParaRPr lang="en-US" dirty="0"/>
           </a:p>
@@ -21268,7 +20219,7 @@
       </p:sp>
       <p:sp>
         <p:nvSpPr>
-          <p:cNvPr id="5" name="Content Placeholder 4"/>
+          <p:cNvPr id="3" name="Content Placeholder 2"/>
           <p:cNvSpPr>
             <a:spLocks noGrp="1"/>
           </p:cNvSpPr>
@@ -21278,56 +20229,123 @@
         </p:nvSpPr>
         <p:spPr/>
         <p:txBody>
-          <a:bodyPr/>
-          <a:lstStyle/>
-          <a:p>
-            <a:r>
-              <a:rPr lang="en-US" dirty="0" smtClean="0"/>
-              <a:t>Before the testing</a:t>
+          <a:bodyPr>
+            <a:normAutofit fontScale="92500" lnSpcReduction="20000"/>
+          </a:bodyPr>
+          <a:lstStyle/>
+          <a:p>
+            <a:r>
+              <a:rPr lang="en-US" dirty="0" smtClean="0"/>
+              <a:t>There </a:t>
+            </a:r>
+            <a:r>
+              <a:rPr lang="en-US" dirty="0"/>
+              <a:t>are several tools available in the market for Performance (Load &amp; Stress) testing.</a:t>
+            </a:r>
+          </a:p>
+          <a:p>
+            <a:r>
+              <a:rPr lang="en-US" dirty="0" smtClean="0"/>
+              <a:t>Few </a:t>
+            </a:r>
+            <a:r>
+              <a:rPr lang="en-US" dirty="0"/>
+              <a:t>of them are listed below:</a:t>
             </a:r>
           </a:p>
           <a:p>
             <a:pPr lvl="1"/>
             <a:r>
-              <a:rPr lang="en-US" dirty="0" smtClean="0"/>
-              <a:t>Configure the system</a:t>
-            </a:r>
+              <a:rPr lang="en-US" dirty="0" err="1" smtClean="0"/>
+              <a:t>JMeter</a:t>
+            </a:r>
+            <a:endParaRPr lang="en-US" dirty="0"/>
           </a:p>
           <a:p>
             <a:pPr lvl="1"/>
             <a:r>
-              <a:rPr lang="en-US" dirty="0" smtClean="0"/>
-              <a:t>Attach proper number and kind of devices</a:t>
-            </a:r>
+              <a:rPr lang="en-US" dirty="0" err="1"/>
+              <a:t>Loadster</a:t>
+            </a:r>
+            <a:endParaRPr lang="en-US" dirty="0"/>
           </a:p>
           <a:p>
             <a:pPr lvl="1"/>
             <a:r>
-              <a:rPr lang="en-US" dirty="0" smtClean="0"/>
-              <a:t>Establish communication with other system</a:t>
-            </a:r>
-          </a:p>
-          <a:p>
-            <a:r>
-              <a:rPr lang="en-US" dirty="0" smtClean="0"/>
-              <a:t>The testing</a:t>
-            </a:r>
+              <a:rPr lang="en-US" dirty="0" err="1"/>
+              <a:t>Loadrunner</a:t>
+            </a:r>
+            <a:endParaRPr lang="en-US" dirty="0"/>
           </a:p>
           <a:p>
             <a:pPr lvl="1"/>
             <a:r>
-              <a:rPr lang="en-US" dirty="0" smtClean="0"/>
-              <a:t>Regression tests: to verify that the system has been installed properly and works</a:t>
-            </a:r>
-          </a:p>
-          <a:p>
+              <a:rPr lang="en-US" dirty="0" err="1"/>
+              <a:t>Loadstorm</a:t>
+            </a:r>
             <a:endParaRPr lang="en-US" dirty="0"/>
           </a:p>
-        </p:txBody>
-      </p:sp>
-      <p:sp>
-        <p:nvSpPr>
-          <p:cNvPr id="2" name="Slide Number Placeholder 1"/>
+          <a:p>
+            <a:pPr lvl="1"/>
+            <a:r>
+              <a:rPr lang="en-US" dirty="0" err="1"/>
+              <a:t>Neoload</a:t>
+            </a:r>
+            <a:endParaRPr lang="en-US" dirty="0"/>
+          </a:p>
+          <a:p>
+            <a:pPr lvl="1"/>
+            <a:r>
+              <a:rPr lang="en-US" dirty="0"/>
+              <a:t>Forecast</a:t>
+            </a:r>
+          </a:p>
+          <a:p>
+            <a:pPr lvl="1"/>
+            <a:r>
+              <a:rPr lang="en-US" dirty="0"/>
+              <a:t>Load Complete</a:t>
+            </a:r>
+          </a:p>
+          <a:p>
+            <a:pPr lvl="1"/>
+            <a:r>
+              <a:rPr lang="en-US" dirty="0"/>
+              <a:t>Webserver Stress Tool</a:t>
+            </a:r>
+          </a:p>
+          <a:p>
+            <a:pPr lvl="1"/>
+            <a:r>
+              <a:rPr lang="en-US" dirty="0" err="1"/>
+              <a:t>WebLoad</a:t>
+            </a:r>
+            <a:r>
+              <a:rPr lang="en-US" dirty="0"/>
+              <a:t> Professional</a:t>
+            </a:r>
+          </a:p>
+          <a:p>
+            <a:pPr lvl="1"/>
+            <a:r>
+              <a:rPr lang="en-US" dirty="0" err="1"/>
+              <a:t>Loadtracer</a:t>
+            </a:r>
+            <a:endParaRPr lang="en-US" dirty="0"/>
+          </a:p>
+          <a:p>
+            <a:pPr lvl="1"/>
+            <a:r>
+              <a:rPr lang="en-US" dirty="0" err="1"/>
+              <a:t>vPerformer</a:t>
+            </a:r>
+            <a:endParaRPr lang="en-US" dirty="0"/>
+          </a:p>
+        </p:txBody>
+      </p:sp>
+      <p:sp>
+        <p:nvSpPr>
+          <p:cNvPr id="4" name="Slide Number Placeholder 3"/>
           <p:cNvSpPr>
             <a:spLocks noGrp="1"/>
           </p:cNvSpPr>
@@ -21340,52 +20358,25 @@
           <a:bodyPr/>
           <a:lstStyle/>
           <a:p>
-            <a:fld id="{B543A0FD-1CA6-4228-86A2-78061B4844C8}" type="slidenum">
+            <a:fld id="{B8DACC02-A2BD-4578-8E03-6D891060A695}" type="slidenum">
               <a:rPr lang="en-US" smtClean="0"/>
+              <a:pPr/>
               <a:t>67</a:t>
             </a:fld>
-            <a:endParaRPr lang="en-US"/>
+            <a:endParaRPr lang="en-US" dirty="0"/>
           </a:p>
         </p:txBody>
       </p:sp>
     </p:spTree>
     <p:extLst>
       <p:ext uri="{BB962C8B-B14F-4D97-AF65-F5344CB8AC3E}">
-        <p14:creationId xmlns:p14="http://schemas.microsoft.com/office/powerpoint/2010/main" val="4050782636"/>
+        <p14:creationId xmlns:p14="http://schemas.microsoft.com/office/powerpoint/2010/main" val="2779243587"/>
       </p:ext>
     </p:extLst>
   </p:cSld>
   <p:clrMapOvr>
     <a:masterClrMapping/>
   </p:clrMapOvr>
-  <p:transition/>
-  <p:timing>
-    <p:tnLst>
-      <p:par>
-        <p:cTn id="1" dur="indefinite" restart="never" nodeType="tmRoot">
-          <p:childTnLst>
-            <p:seq concurrent="1" nextAc="seek">
-              <p:cTn id="2" dur="0" nodeType="mainSeq"/>
-              <p:prevCondLst>
-                <p:cond evt="onPrev" delay="0">
-                  <p:tgtEl>
-                    <p:sldTgt/>
-                  </p:tgtEl>
-                </p:cond>
-              </p:prevCondLst>
-              <p:nextCondLst>
-                <p:cond evt="onNext" delay="0">
-                  <p:tgtEl>
-                    <p:sldTgt/>
-                  </p:tgtEl>
-                </p:cond>
-              </p:nextCondLst>
-            </p:seq>
-          </p:childTnLst>
-        </p:cTn>
-      </p:par>
-    </p:tnLst>
-  </p:timing>
 </p:sld>
 </file>
 
@@ -21408,7 +20399,7 @@
       </p:grpSpPr>
       <p:sp>
         <p:nvSpPr>
-          <p:cNvPr id="4" name="Title 3"/>
+          <p:cNvPr id="2" name="Title 1"/>
           <p:cNvSpPr>
             <a:spLocks noGrp="1"/>
           </p:cNvSpPr>
@@ -21422,35 +20413,176 @@
           <a:lstStyle/>
           <a:p>
             <a:r>
-              <a:rPr lang="en-US" dirty="0" smtClean="0"/>
-              <a:t>Acceptance Testing</a:t>
+              <a:rPr lang="en-US" sz="4000" dirty="0"/>
+              <a:t>Test Cases for Performance Testing </a:t>
+            </a:r>
+          </a:p>
+        </p:txBody>
+      </p:sp>
+      <p:sp>
+        <p:nvSpPr>
+          <p:cNvPr id="11" name="Content Placeholder 10"/>
+          <p:cNvSpPr>
+            <a:spLocks noGrp="1"/>
+          </p:cNvSpPr>
+          <p:nvPr>
+            <p:ph idx="1"/>
+          </p:nvPr>
+        </p:nvSpPr>
+        <p:spPr/>
+        <p:txBody>
+          <a:bodyPr>
+            <a:normAutofit fontScale="92500" lnSpcReduction="10000"/>
+          </a:bodyPr>
+          <a:lstStyle/>
+          <a:p>
+            <a:r>
+              <a:rPr lang="en-US" dirty="0"/>
+              <a:t>Goal: Try to violate non-functional </a:t>
+            </a:r>
+            <a:r>
+              <a:rPr lang="en-US" dirty="0" smtClean="0"/>
+              <a:t>requirements</a:t>
+            </a:r>
+          </a:p>
+          <a:p>
+            <a:r>
+              <a:rPr lang="en-US" dirty="0" smtClean="0"/>
+              <a:t>Push </a:t>
+            </a:r>
+            <a:r>
+              <a:rPr lang="en-US" dirty="0"/>
+              <a:t>the (integrated) system to its limits. </a:t>
+            </a:r>
+          </a:p>
+          <a:p>
+            <a:r>
+              <a:rPr lang="en-US" dirty="0" smtClean="0"/>
+              <a:t>Goal</a:t>
+            </a:r>
+            <a:r>
+              <a:rPr lang="en-US" dirty="0"/>
+              <a:t>: Try to break the subsystem </a:t>
+            </a:r>
+          </a:p>
+          <a:p>
+            <a:r>
+              <a:rPr lang="en-US" dirty="0" smtClean="0"/>
+              <a:t>Test </a:t>
+            </a:r>
+            <a:r>
+              <a:rPr lang="en-US" dirty="0"/>
+              <a:t>how the system behaves when overloaded</a:t>
+            </a:r>
+            <a:r>
+              <a:rPr lang="en-US" dirty="0" smtClean="0"/>
+              <a:t>.</a:t>
+            </a:r>
+          </a:p>
+          <a:p>
+            <a:pPr lvl="1"/>
+            <a:r>
+              <a:rPr lang="en-US" dirty="0" smtClean="0"/>
+              <a:t>Can </a:t>
+            </a:r>
+            <a:r>
+              <a:rPr lang="en-US" dirty="0"/>
+              <a:t>bottlenecks be identified? (First candidates for redesign in </a:t>
+            </a:r>
+            <a:r>
+              <a:rPr lang="en-US" dirty="0" smtClean="0"/>
+              <a:t>the </a:t>
+            </a:r>
+            <a:r>
+              <a:rPr lang="en-US" dirty="0"/>
+              <a:t>next </a:t>
+            </a:r>
+            <a:r>
+              <a:rPr lang="en-US" dirty="0" smtClean="0"/>
+              <a:t>iteration)</a:t>
+            </a:r>
+          </a:p>
+          <a:p>
+            <a:r>
+              <a:rPr lang="en-US" dirty="0" smtClean="0"/>
+              <a:t>Try </a:t>
+            </a:r>
+            <a:r>
+              <a:rPr lang="en-US" dirty="0"/>
+              <a:t>unusual orders of execution </a:t>
+            </a:r>
+          </a:p>
+          <a:p>
+            <a:pPr lvl="1"/>
+            <a:r>
+              <a:rPr lang="en-US" dirty="0" smtClean="0"/>
+              <a:t>Call a receive</a:t>
+            </a:r>
+            <a:r>
+              <a:rPr lang="en-US" dirty="0"/>
+              <a:t>() </a:t>
+            </a:r>
+            <a:r>
+              <a:rPr lang="en-US" dirty="0" smtClean="0"/>
+              <a:t>before send</a:t>
+            </a:r>
+            <a:r>
+              <a:rPr lang="en-US" dirty="0"/>
+              <a:t>(</a:t>
+            </a:r>
+            <a:r>
+              <a:rPr lang="en-US" dirty="0" smtClean="0"/>
+              <a:t>)</a:t>
             </a:r>
             <a:endParaRPr lang="en-US" dirty="0"/>
           </a:p>
-        </p:txBody>
-      </p:sp>
-      <p:sp>
-        <p:nvSpPr>
-          <p:cNvPr id="3" name="Text Placeholder 2"/>
-          <p:cNvSpPr>
-            <a:spLocks noGrp="1"/>
-          </p:cNvSpPr>
-          <p:nvPr>
-            <p:ph type="body" idx="1"/>
-          </p:nvPr>
-        </p:nvSpPr>
-        <p:spPr/>
-        <p:txBody>
-          <a:bodyPr/>
-          <a:lstStyle/>
-          <a:p>
-            <a:endParaRPr lang="en-US"/>
-          </a:p>
-        </p:txBody>
-      </p:sp>
-      <p:sp>
-        <p:nvSpPr>
-          <p:cNvPr id="2" name="Slide Number Placeholder 1"/>
+          <a:p>
+            <a:r>
+              <a:rPr lang="en-US" dirty="0" smtClean="0"/>
+              <a:t>Check </a:t>
+            </a:r>
+            <a:r>
+              <a:rPr lang="en-US" dirty="0"/>
+              <a:t>the system’s response to large volumes of data </a:t>
+            </a:r>
+          </a:p>
+          <a:p>
+            <a:pPr lvl="1"/>
+            <a:r>
+              <a:rPr lang="en-US" dirty="0"/>
+              <a:t>If the system is supposed to handle 1000 items, try it with 1001 items. </a:t>
+            </a:r>
+          </a:p>
+          <a:p>
+            <a:r>
+              <a:rPr lang="en-US" dirty="0" smtClean="0"/>
+              <a:t>What </a:t>
+            </a:r>
+            <a:r>
+              <a:rPr lang="en-US" dirty="0"/>
+              <a:t>is the amount of time spent in different use cases? </a:t>
+            </a:r>
+            <a:endParaRPr lang="en-US" dirty="0" smtClean="0"/>
+          </a:p>
+          <a:p>
+            <a:pPr lvl="1"/>
+            <a:r>
+              <a:rPr lang="en-US" dirty="0" smtClean="0"/>
+              <a:t>Are </a:t>
+            </a:r>
+            <a:r>
+              <a:rPr lang="en-US" dirty="0"/>
+              <a:t>typical cases executed in a timely fashion? </a:t>
+            </a:r>
+          </a:p>
+          <a:p>
+            <a:endParaRPr lang="en-US" dirty="0"/>
+          </a:p>
+        </p:txBody>
+      </p:sp>
+      <p:sp>
+        <p:nvSpPr>
+          <p:cNvPr id="3" name="Slide Number Placeholder 2"/>
           <p:cNvSpPr>
             <a:spLocks noGrp="1"/>
           </p:cNvSpPr>
@@ -21474,13 +20606,21 @@
     </p:spTree>
     <p:extLst>
       <p:ext uri="{BB962C8B-B14F-4D97-AF65-F5344CB8AC3E}">
-        <p14:creationId xmlns:p14="http://schemas.microsoft.com/office/powerpoint/2010/main" val="612141756"/>
+        <p14:creationId xmlns:p14="http://schemas.microsoft.com/office/powerpoint/2010/main" val="2996060211"/>
       </p:ext>
     </p:extLst>
   </p:cSld>
   <p:clrMapOvr>
     <a:masterClrMapping/>
   </p:clrMapOvr>
+  <mc:AlternateContent xmlns:mc="http://schemas.openxmlformats.org/markup-compatibility/2006" xmlns:p14="http://schemas.microsoft.com/office/powerpoint/2010/main">
+    <mc:Choice Requires="p14">
+      <p:transition spd="slow" p14:dur="2000"/>
+    </mc:Choice>
+    <mc:Fallback xmlns="">
+      <p:transition xmlns:p14="http://schemas.microsoft.com/office/powerpoint/2010/main" spd="slow"/>
+    </mc:Fallback>
+  </mc:AlternateContent>
   <p:timing>
     <p:tnLst>
       <p:par>
@@ -21510,9 +20650,9 @@
       </p:grpSpPr>
       <p:sp>
         <p:nvSpPr>
-          <p:cNvPr id="239618" name="Rectangle 2"/>
-          <p:cNvSpPr>
-            <a:spLocks noGrp="1" noChangeArrowheads="1"/>
+          <p:cNvPr id="25604" name="Title 1"/>
+          <p:cNvSpPr>
+            <a:spLocks noGrp="1"/>
           </p:cNvSpPr>
           <p:nvPr>
             <p:ph type="title"/>
@@ -21525,7 +20665,7 @@
           <a:p>
             <a:r>
               <a:rPr lang="en-US" dirty="0" smtClean="0"/>
-              <a:t>Types of Acceptance Testing</a:t>
+              <a:t>Global Properties</a:t>
             </a:r>
             <a:endParaRPr lang="en-US" dirty="0"/>
           </a:p>
@@ -21533,66 +20673,57 @@
       </p:sp>
       <p:sp>
         <p:nvSpPr>
-          <p:cNvPr id="239619" name="Rectangle 3"/>
-          <p:cNvSpPr>
-            <a:spLocks noGrp="1" noChangeArrowheads="1"/>
-          </p:cNvSpPr>
-          <p:nvPr>
-            <p:ph idx="1"/>
-          </p:nvPr>
-        </p:nvSpPr>
-        <p:spPr/>
-        <p:txBody>
-          <a:bodyPr/>
-          <a:lstStyle/>
-          <a:p>
-            <a:r>
-              <a:rPr lang="en-US" dirty="0" smtClean="0"/>
-              <a:t>Acceptance testing is a formal testing conducted to determine whether a system satisfies its acceptance criteria</a:t>
-            </a:r>
-          </a:p>
-          <a:p>
-            <a:r>
-              <a:rPr lang="en-US" dirty="0" smtClean="0"/>
-              <a:t>There are two categories of acceptance testing:</a:t>
+          <p:cNvPr id="25605" name="Content Placeholder 2"/>
+          <p:cNvSpPr>
+            <a:spLocks noGrp="1"/>
+          </p:cNvSpPr>
+          <p:nvPr>
+            <p:ph type="body" idx="1"/>
+          </p:nvPr>
+        </p:nvSpPr>
+        <p:spPr/>
+        <p:txBody>
+          <a:bodyPr/>
+          <a:lstStyle/>
+          <a:p>
+            <a:r>
+              <a:rPr lang="en-US" dirty="0" smtClean="0"/>
+              <a:t>Some system properties are inherently global</a:t>
             </a:r>
           </a:p>
           <a:p>
             <a:pPr lvl="1"/>
             <a:r>
               <a:rPr lang="en-US" dirty="0" smtClean="0"/>
-              <a:t>User Acceptance Testing (UAT)</a:t>
-            </a:r>
-          </a:p>
-          <a:p>
-            <a:pPr lvl="2"/>
-            <a:r>
-              <a:rPr lang="en-US" dirty="0" smtClean="0"/>
-              <a:t>It is conducted by the customer to ensure that system satisfies the contractual acceptance criteria before being signed-off as meeting user needs.</a:t>
+              <a:t>Performance, latency, reliability, ... </a:t>
             </a:r>
           </a:p>
           <a:p>
             <a:pPr lvl="1"/>
             <a:r>
               <a:rPr lang="en-US" dirty="0" smtClean="0"/>
-              <a:t>Business Acceptance Testing (BAT)</a:t>
-            </a:r>
-          </a:p>
-          <a:p>
-            <a:pPr lvl="2"/>
-            <a:r>
-              <a:rPr lang="en-US" dirty="0" smtClean="0"/>
-              <a:t>It is undertaken within the development organization of the supplier to ensure that the system will eventually pass the user acceptance testing.</a:t>
+              <a:t>Early and incremental testing is still necessary, but provide only estimates</a:t>
+            </a:r>
+          </a:p>
+          <a:p>
+            <a:r>
+              <a:rPr lang="en-US" dirty="0" smtClean="0"/>
+              <a:t>A major focus of system testing</a:t>
             </a:r>
           </a:p>
           <a:p>
             <a:pPr lvl="1"/>
-            <a:endParaRPr lang="en-US" dirty="0" smtClean="0"/>
-          </a:p>
-          <a:p>
-            <a:endParaRPr lang="en-US" dirty="0" smtClean="0"/>
-          </a:p>
-          <a:p>
+            <a:r>
+              <a:rPr lang="en-US" dirty="0" smtClean="0"/>
+              <a:t>The only opportunity to verify global properties against actual system specifications</a:t>
+            </a:r>
+          </a:p>
+          <a:p>
+            <a:pPr lvl="1"/>
+            <a:r>
+              <a:rPr lang="en-US" dirty="0" smtClean="0"/>
+              <a:t>Especially to find unanticipated effects, e.g., an unexpected performance bottleneck</a:t>
+            </a:r>
             <a:endParaRPr lang="en-US" dirty="0"/>
           </a:p>
         </p:txBody>
@@ -21623,7 +20754,7 @@
     </p:spTree>
     <p:extLst>
       <p:ext uri="{BB962C8B-B14F-4D97-AF65-F5344CB8AC3E}">
-        <p14:creationId xmlns:p14="http://schemas.microsoft.com/office/powerpoint/2010/main" val="1180819536"/>
+        <p14:creationId xmlns:p14="http://schemas.microsoft.com/office/powerpoint/2010/main" val="708564919"/>
       </p:ext>
     </p:extLst>
   </p:cSld>
@@ -21635,7 +20766,7 @@
       <p:transition spd="slow" p14:dur="2000"/>
     </mc:Choice>
     <mc:Fallback xmlns="">
-      <p:transition xmlns:p14="http://schemas.microsoft.com/office/powerpoint/2010/main" spd="slow"/>
+      <p:transition spd="slow"/>
     </mc:Fallback>
   </mc:AlternateContent>
   <p:timing>
@@ -21855,9 +20986,9 @@
       </p:grpSpPr>
       <p:sp>
         <p:nvSpPr>
-          <p:cNvPr id="241666" name="Rectangle 2"/>
-          <p:cNvSpPr>
-            <a:spLocks noGrp="1" noChangeArrowheads="1"/>
+          <p:cNvPr id="26628" name="Title 1"/>
+          <p:cNvSpPr>
+            <a:spLocks noGrp="1"/>
           </p:cNvSpPr>
           <p:nvPr>
             <p:ph type="title"/>
@@ -21870,7 +21001,7 @@
           <a:p>
             <a:r>
               <a:rPr lang="en-US" dirty="0" smtClean="0"/>
-              <a:t>Types of Acceptance Testing</a:t>
+              <a:t>Context-Dependent Properties</a:t>
             </a:r>
             <a:endParaRPr lang="en-US" dirty="0"/>
           </a:p>
@@ -21878,52 +21009,64 @@
       </p:sp>
       <p:sp>
         <p:nvSpPr>
-          <p:cNvPr id="241667" name="Rectangle 3"/>
-          <p:cNvSpPr>
-            <a:spLocks noGrp="1" noChangeArrowheads="1"/>
-          </p:cNvSpPr>
-          <p:nvPr>
-            <p:ph idx="1"/>
-          </p:nvPr>
-        </p:nvSpPr>
-        <p:spPr/>
-        <p:txBody>
-          <a:bodyPr/>
-          <a:lstStyle/>
-          <a:p>
-            <a:pPr marL="0" indent="0">
-              <a:buNone/>
-            </a:pPr>
-            <a:r>
-              <a:rPr lang="en-US" b="1" dirty="0" smtClean="0"/>
-              <a:t>Three major objectives of acceptance testing:</a:t>
-            </a:r>
-          </a:p>
-          <a:p>
-            <a:r>
-              <a:rPr lang="en-US" dirty="0" smtClean="0"/>
-              <a:t>Confirm that the system meets the agreed upon criteria</a:t>
-            </a:r>
-          </a:p>
-          <a:p>
-            <a:r>
-              <a:rPr lang="en-US" dirty="0" smtClean="0"/>
-              <a:t>Identify and resolve discrepancies, if there is any</a:t>
-            </a:r>
-          </a:p>
-          <a:p>
-            <a:r>
-              <a:rPr lang="en-US" dirty="0" smtClean="0"/>
-              <a:t>Determine the readiness of the system for cut-over to live operations</a:t>
-            </a:r>
-          </a:p>
-          <a:p>
-            <a:endParaRPr lang="en-US" dirty="0" smtClean="0"/>
-          </a:p>
-          <a:p>
-            <a:endParaRPr lang="en-US" dirty="0" smtClean="0"/>
-          </a:p>
-          <a:p>
+          <p:cNvPr id="26629" name="Content Placeholder 2"/>
+          <p:cNvSpPr>
+            <a:spLocks noGrp="1"/>
+          </p:cNvSpPr>
+          <p:nvPr>
+            <p:ph type="body" idx="1"/>
+          </p:nvPr>
+        </p:nvSpPr>
+        <p:spPr/>
+        <p:txBody>
+          <a:bodyPr/>
+          <a:lstStyle/>
+          <a:p>
+            <a:r>
+              <a:rPr lang="en-US" dirty="0" smtClean="0"/>
+              <a:t>Beyond system-global: Some properties depend on the system context and use</a:t>
+            </a:r>
+          </a:p>
+          <a:p>
+            <a:pPr lvl="1"/>
+            <a:r>
+              <a:rPr lang="en-US" dirty="0" smtClean="0"/>
+              <a:t>Example: Performance properties depend on environment and configuration </a:t>
+            </a:r>
+          </a:p>
+          <a:p>
+            <a:pPr lvl="1"/>
+            <a:r>
+              <a:rPr lang="en-US" dirty="0" smtClean="0"/>
+              <a:t>Example: Privacy depends both on system and how it is used</a:t>
+            </a:r>
+          </a:p>
+          <a:p>
+            <a:pPr lvl="2"/>
+            <a:r>
+              <a:rPr lang="en-US" dirty="0" smtClean="0"/>
+              <a:t>Medical records system must protect against unauthorized use, and authorization must be provided only as needed</a:t>
+            </a:r>
+          </a:p>
+          <a:p>
+            <a:pPr lvl="1"/>
+            <a:r>
+              <a:rPr lang="en-US" dirty="0" smtClean="0"/>
+              <a:t>Example: Security depends on threat profiles</a:t>
+            </a:r>
+          </a:p>
+          <a:p>
+            <a:pPr lvl="2"/>
+            <a:r>
+              <a:rPr lang="en-US" dirty="0" smtClean="0"/>
+              <a:t>And threats change! </a:t>
+            </a:r>
+          </a:p>
+          <a:p>
+            <a:r>
+              <a:rPr lang="en-US" dirty="0" smtClean="0"/>
+              <a:t>Testing is just one part of the approach </a:t>
+            </a:r>
             <a:endParaRPr lang="en-US" dirty="0"/>
           </a:p>
         </p:txBody>
@@ -21954,7 +21097,7 @@
     </p:spTree>
     <p:extLst>
       <p:ext uri="{BB962C8B-B14F-4D97-AF65-F5344CB8AC3E}">
-        <p14:creationId xmlns:p14="http://schemas.microsoft.com/office/powerpoint/2010/main" val="3740166092"/>
+        <p14:creationId xmlns:p14="http://schemas.microsoft.com/office/powerpoint/2010/main" val="792298811"/>
       </p:ext>
     </p:extLst>
   </p:cSld>
@@ -21966,7 +21109,7 @@
       <p:transition spd="slow" p14:dur="2000"/>
     </mc:Choice>
     <mc:Fallback xmlns="">
-      <p:transition xmlns:p14="http://schemas.microsoft.com/office/powerpoint/2010/main" spd="slow"/>
+      <p:transition spd="slow"/>
     </mc:Fallback>
   </mc:AlternateContent>
   <p:timing>
@@ -21998,6 +21141,587 @@
       </p:grpSpPr>
       <p:sp>
         <p:nvSpPr>
+          <p:cNvPr id="27652" name="Title 1"/>
+          <p:cNvSpPr>
+            <a:spLocks noGrp="1"/>
+          </p:cNvSpPr>
+          <p:nvPr>
+            <p:ph type="title"/>
+          </p:nvPr>
+        </p:nvSpPr>
+        <p:spPr/>
+        <p:txBody>
+          <a:bodyPr anchor="ctr"/>
+          <a:lstStyle/>
+          <a:p>
+            <a:pPr eaLnBrk="1" hangingPunct="1"/>
+            <a:r>
+              <a:rPr lang="en-US" sz="4000" dirty="0"/>
+              <a:t>Establishing an Operational Envelope</a:t>
+            </a:r>
+          </a:p>
+        </p:txBody>
+      </p:sp>
+      <p:sp>
+        <p:nvSpPr>
+          <p:cNvPr id="27653" name="Content Placeholder 2"/>
+          <p:cNvSpPr>
+            <a:spLocks noGrp="1"/>
+          </p:cNvSpPr>
+          <p:nvPr>
+            <p:ph idx="1"/>
+          </p:nvPr>
+        </p:nvSpPr>
+        <p:spPr/>
+        <p:txBody>
+          <a:bodyPr/>
+          <a:lstStyle/>
+          <a:p>
+            <a:pPr marL="342900" indent="-342900"/>
+            <a:r>
+              <a:rPr lang="en-US" dirty="0"/>
+              <a:t>When a property (e.g., performance or real-time response) is parameterized by use ... </a:t>
+            </a:r>
+          </a:p>
+          <a:p>
+            <a:pPr marL="742950" lvl="1" indent="-285750"/>
+            <a:r>
+              <a:rPr lang="en-US" dirty="0"/>
+              <a:t>requests per second, size of database, ... </a:t>
+            </a:r>
+          </a:p>
+          <a:p>
+            <a:pPr marL="342900" indent="-342900"/>
+            <a:r>
+              <a:rPr lang="en-US" dirty="0"/>
+              <a:t>Extensive stress testing is required</a:t>
+            </a:r>
+          </a:p>
+          <a:p>
+            <a:pPr marL="742950" lvl="1" indent="-285750"/>
+            <a:r>
+              <a:rPr lang="en-US" dirty="0"/>
+              <a:t>varying parameters within the envelope, near the bounds, and beyond</a:t>
+            </a:r>
+          </a:p>
+          <a:p>
+            <a:pPr marL="342900" indent="-342900"/>
+            <a:r>
+              <a:rPr lang="en-US" dirty="0"/>
+              <a:t>Goal: A well-understood model of how the property varies with the parameter</a:t>
+            </a:r>
+          </a:p>
+          <a:p>
+            <a:pPr marL="742950" lvl="1" indent="-285750"/>
+            <a:r>
+              <a:rPr lang="en-US" dirty="0"/>
+              <a:t>How sensitive is the property to the parameter?</a:t>
+            </a:r>
+          </a:p>
+          <a:p>
+            <a:pPr marL="742950" lvl="1" indent="-285750"/>
+            <a:r>
+              <a:rPr lang="en-US" dirty="0"/>
+              <a:t>Where is the </a:t>
+            </a:r>
+            <a:r>
+              <a:rPr lang="ja-JP" altLang="en-US" dirty="0"/>
+              <a:t>“</a:t>
+            </a:r>
+            <a:r>
+              <a:rPr lang="en-US" altLang="ja-JP" dirty="0"/>
+              <a:t>edge of the envelope</a:t>
+            </a:r>
+            <a:r>
+              <a:rPr lang="ja-JP" altLang="en-US" dirty="0"/>
+              <a:t>”</a:t>
+            </a:r>
+            <a:r>
+              <a:rPr lang="en-US" altLang="ja-JP" dirty="0"/>
+              <a:t>? </a:t>
+            </a:r>
+          </a:p>
+          <a:p>
+            <a:pPr marL="742950" lvl="1" indent="-285750"/>
+            <a:r>
+              <a:rPr lang="en-US" dirty="0"/>
+              <a:t>What can we expect when the envelope is exceeded?</a:t>
+            </a:r>
+          </a:p>
+        </p:txBody>
+      </p:sp>
+      <p:sp>
+        <p:nvSpPr>
+          <p:cNvPr id="2" name="Slide Number Placeholder 1"/>
+          <p:cNvSpPr>
+            <a:spLocks noGrp="1"/>
+          </p:cNvSpPr>
+          <p:nvPr>
+            <p:ph type="sldNum" sz="quarter" idx="12"/>
+          </p:nvPr>
+        </p:nvSpPr>
+        <p:spPr/>
+        <p:txBody>
+          <a:bodyPr/>
+          <a:lstStyle/>
+          <a:p>
+            <a:fld id="{B543A0FD-1CA6-4228-86A2-78061B4844C8}" type="slidenum">
+              <a:rPr lang="en-US" smtClean="0"/>
+              <a:t>71</a:t>
+            </a:fld>
+            <a:endParaRPr lang="en-US"/>
+          </a:p>
+        </p:txBody>
+      </p:sp>
+    </p:spTree>
+    <p:extLst>
+      <p:ext uri="{BB962C8B-B14F-4D97-AF65-F5344CB8AC3E}">
+        <p14:creationId xmlns:p14="http://schemas.microsoft.com/office/powerpoint/2010/main" val="117161082"/>
+      </p:ext>
+    </p:extLst>
+  </p:cSld>
+  <p:clrMapOvr>
+    <a:masterClrMapping/>
+  </p:clrMapOvr>
+  <mc:AlternateContent xmlns:mc="http://schemas.openxmlformats.org/markup-compatibility/2006" xmlns:p14="http://schemas.microsoft.com/office/powerpoint/2010/main">
+    <mc:Choice Requires="p14">
+      <p:transition spd="slow" p14:dur="2000"/>
+    </mc:Choice>
+    <mc:Fallback xmlns="">
+      <p:transition spd="slow"/>
+    </mc:Fallback>
+  </mc:AlternateContent>
+  <p:timing>
+    <p:tnLst>
+      <p:par>
+        <p:cTn id="1" dur="indefinite" restart="never" nodeType="tmRoot"/>
+      </p:par>
+    </p:tnLst>
+  </p:timing>
+</p:sld>
+</file>
+
+<file path=ppt/slides/slide72.xml><?xml version="1.0" encoding="utf-8"?>
+<p:sld xmlns:a="http://schemas.openxmlformats.org/drawingml/2006/main" xmlns:r="http://schemas.openxmlformats.org/officeDocument/2006/relationships" xmlns:p="http://schemas.openxmlformats.org/presentationml/2006/main">
+  <p:cSld>
+    <p:spTree>
+      <p:nvGrpSpPr>
+        <p:cNvPr id="1" name=""/>
+        <p:cNvGrpSpPr/>
+        <p:nvPr/>
+      </p:nvGrpSpPr>
+      <p:grpSpPr>
+        <a:xfrm>
+          <a:off x="0" y="0"/>
+          <a:ext cx="0" cy="0"/>
+          <a:chOff x="0" y="0"/>
+          <a:chExt cx="0" cy="0"/>
+        </a:xfrm>
+      </p:grpSpPr>
+      <p:sp>
+        <p:nvSpPr>
+          <p:cNvPr id="4" name="Title 3"/>
+          <p:cNvSpPr>
+            <a:spLocks noGrp="1"/>
+          </p:cNvSpPr>
+          <p:nvPr>
+            <p:ph type="title"/>
+          </p:nvPr>
+        </p:nvSpPr>
+        <p:spPr/>
+        <p:txBody>
+          <a:bodyPr/>
+          <a:lstStyle/>
+          <a:p>
+            <a:r>
+              <a:rPr lang="en-US" dirty="0" smtClean="0"/>
+              <a:t>Acceptance Testing</a:t>
+            </a:r>
+            <a:endParaRPr lang="en-US" dirty="0"/>
+          </a:p>
+        </p:txBody>
+      </p:sp>
+      <p:sp>
+        <p:nvSpPr>
+          <p:cNvPr id="3" name="Text Placeholder 2"/>
+          <p:cNvSpPr>
+            <a:spLocks noGrp="1"/>
+          </p:cNvSpPr>
+          <p:nvPr>
+            <p:ph type="body" idx="1"/>
+          </p:nvPr>
+        </p:nvSpPr>
+        <p:spPr/>
+        <p:txBody>
+          <a:bodyPr/>
+          <a:lstStyle/>
+          <a:p>
+            <a:endParaRPr lang="en-US"/>
+          </a:p>
+        </p:txBody>
+      </p:sp>
+      <p:sp>
+        <p:nvSpPr>
+          <p:cNvPr id="2" name="Slide Number Placeholder 1"/>
+          <p:cNvSpPr>
+            <a:spLocks noGrp="1"/>
+          </p:cNvSpPr>
+          <p:nvPr>
+            <p:ph type="sldNum" sz="quarter" idx="12"/>
+          </p:nvPr>
+        </p:nvSpPr>
+        <p:spPr/>
+        <p:txBody>
+          <a:bodyPr/>
+          <a:lstStyle/>
+          <a:p>
+            <a:fld id="{B543A0FD-1CA6-4228-86A2-78061B4844C8}" type="slidenum">
+              <a:rPr lang="en-US" smtClean="0"/>
+              <a:t>72</a:t>
+            </a:fld>
+            <a:endParaRPr lang="en-US"/>
+          </a:p>
+        </p:txBody>
+      </p:sp>
+    </p:spTree>
+    <p:extLst>
+      <p:ext uri="{BB962C8B-B14F-4D97-AF65-F5344CB8AC3E}">
+        <p14:creationId xmlns:p14="http://schemas.microsoft.com/office/powerpoint/2010/main" val="612141756"/>
+      </p:ext>
+    </p:extLst>
+  </p:cSld>
+  <p:clrMapOvr>
+    <a:masterClrMapping/>
+  </p:clrMapOvr>
+  <p:timing>
+    <p:tnLst>
+      <p:par>
+        <p:cTn id="1" dur="indefinite" restart="never" nodeType="tmRoot"/>
+      </p:par>
+    </p:tnLst>
+  </p:timing>
+</p:sld>
+</file>
+
+<file path=ppt/slides/slide73.xml><?xml version="1.0" encoding="utf-8"?>
+<p:sld xmlns:a="http://schemas.openxmlformats.org/drawingml/2006/main" xmlns:r="http://schemas.openxmlformats.org/officeDocument/2006/relationships" xmlns:p="http://schemas.openxmlformats.org/presentationml/2006/main">
+  <p:cSld>
+    <p:spTree>
+      <p:nvGrpSpPr>
+        <p:cNvPr id="1" name=""/>
+        <p:cNvGrpSpPr/>
+        <p:nvPr/>
+      </p:nvGrpSpPr>
+      <p:grpSpPr>
+        <a:xfrm>
+          <a:off x="0" y="0"/>
+          <a:ext cx="0" cy="0"/>
+          <a:chOff x="0" y="0"/>
+          <a:chExt cx="0" cy="0"/>
+        </a:xfrm>
+      </p:grpSpPr>
+      <p:sp>
+        <p:nvSpPr>
+          <p:cNvPr id="239618" name="Rectangle 2"/>
+          <p:cNvSpPr>
+            <a:spLocks noGrp="1" noChangeArrowheads="1"/>
+          </p:cNvSpPr>
+          <p:nvPr>
+            <p:ph type="title"/>
+          </p:nvPr>
+        </p:nvSpPr>
+        <p:spPr/>
+        <p:txBody>
+          <a:bodyPr/>
+          <a:lstStyle/>
+          <a:p>
+            <a:r>
+              <a:rPr lang="en-US" dirty="0" smtClean="0"/>
+              <a:t>Types of Acceptance Testing</a:t>
+            </a:r>
+            <a:endParaRPr lang="en-US" dirty="0"/>
+          </a:p>
+        </p:txBody>
+      </p:sp>
+      <p:sp>
+        <p:nvSpPr>
+          <p:cNvPr id="239619" name="Rectangle 3"/>
+          <p:cNvSpPr>
+            <a:spLocks noGrp="1" noChangeArrowheads="1"/>
+          </p:cNvSpPr>
+          <p:nvPr>
+            <p:ph idx="1"/>
+          </p:nvPr>
+        </p:nvSpPr>
+        <p:spPr/>
+        <p:txBody>
+          <a:bodyPr/>
+          <a:lstStyle/>
+          <a:p>
+            <a:r>
+              <a:rPr lang="en-US" dirty="0" smtClean="0"/>
+              <a:t>Acceptance testing is a formal testing conducted to determine whether a system satisfies its acceptance criteria</a:t>
+            </a:r>
+          </a:p>
+          <a:p>
+            <a:r>
+              <a:rPr lang="en-US" dirty="0" smtClean="0"/>
+              <a:t>There are two categories of acceptance testing:</a:t>
+            </a:r>
+          </a:p>
+          <a:p>
+            <a:pPr lvl="1"/>
+            <a:r>
+              <a:rPr lang="en-US" dirty="0" smtClean="0"/>
+              <a:t>User Acceptance Testing (UAT)</a:t>
+            </a:r>
+          </a:p>
+          <a:p>
+            <a:pPr lvl="2"/>
+            <a:r>
+              <a:rPr lang="en-US" dirty="0" smtClean="0"/>
+              <a:t>It is conducted by the customer to ensure that system satisfies the contractual acceptance criteria before being signed-off as meeting user needs.</a:t>
+            </a:r>
+          </a:p>
+          <a:p>
+            <a:pPr lvl="1"/>
+            <a:r>
+              <a:rPr lang="en-US" dirty="0" smtClean="0"/>
+              <a:t>Business Acceptance Testing (BAT)</a:t>
+            </a:r>
+          </a:p>
+          <a:p>
+            <a:pPr lvl="2"/>
+            <a:r>
+              <a:rPr lang="en-US" dirty="0" smtClean="0"/>
+              <a:t>It is undertaken within the development organization of the supplier to ensure that the system will eventually pass the user acceptance testing.</a:t>
+            </a:r>
+          </a:p>
+          <a:p>
+            <a:pPr lvl="1"/>
+            <a:endParaRPr lang="en-US" dirty="0" smtClean="0"/>
+          </a:p>
+          <a:p>
+            <a:endParaRPr lang="en-US" dirty="0" smtClean="0"/>
+          </a:p>
+          <a:p>
+            <a:endParaRPr lang="en-US" dirty="0"/>
+          </a:p>
+        </p:txBody>
+      </p:sp>
+      <p:sp>
+        <p:nvSpPr>
+          <p:cNvPr id="2" name="Slide Number Placeholder 1"/>
+          <p:cNvSpPr>
+            <a:spLocks noGrp="1"/>
+          </p:cNvSpPr>
+          <p:nvPr>
+            <p:ph type="sldNum" sz="quarter" idx="12"/>
+          </p:nvPr>
+        </p:nvSpPr>
+        <p:spPr/>
+        <p:txBody>
+          <a:bodyPr/>
+          <a:lstStyle/>
+          <a:p>
+            <a:fld id="{B543A0FD-1CA6-4228-86A2-78061B4844C8}" type="slidenum">
+              <a:rPr lang="en-US" smtClean="0"/>
+              <a:t>73</a:t>
+            </a:fld>
+            <a:endParaRPr lang="en-US"/>
+          </a:p>
+        </p:txBody>
+      </p:sp>
+    </p:spTree>
+    <p:extLst>
+      <p:ext uri="{BB962C8B-B14F-4D97-AF65-F5344CB8AC3E}">
+        <p14:creationId xmlns:p14="http://schemas.microsoft.com/office/powerpoint/2010/main" val="1180819536"/>
+      </p:ext>
+    </p:extLst>
+  </p:cSld>
+  <p:clrMapOvr>
+    <a:masterClrMapping/>
+  </p:clrMapOvr>
+  <mc:AlternateContent xmlns:mc="http://schemas.openxmlformats.org/markup-compatibility/2006" xmlns:p14="http://schemas.microsoft.com/office/powerpoint/2010/main">
+    <mc:Choice Requires="p14">
+      <p:transition spd="slow" p14:dur="2000"/>
+    </mc:Choice>
+    <mc:Fallback xmlns="">
+      <p:transition xmlns:p14="http://schemas.microsoft.com/office/powerpoint/2010/main" spd="slow"/>
+    </mc:Fallback>
+  </mc:AlternateContent>
+  <p:timing>
+    <p:tnLst>
+      <p:par>
+        <p:cTn id="1" dur="indefinite" restart="never" nodeType="tmRoot"/>
+      </p:par>
+    </p:tnLst>
+  </p:timing>
+</p:sld>
+</file>
+
+<file path=ppt/slides/slide74.xml><?xml version="1.0" encoding="utf-8"?>
+<p:sld xmlns:a="http://schemas.openxmlformats.org/drawingml/2006/main" xmlns:r="http://schemas.openxmlformats.org/officeDocument/2006/relationships" xmlns:p="http://schemas.openxmlformats.org/presentationml/2006/main">
+  <p:cSld>
+    <p:spTree>
+      <p:nvGrpSpPr>
+        <p:cNvPr id="1" name=""/>
+        <p:cNvGrpSpPr/>
+        <p:nvPr/>
+      </p:nvGrpSpPr>
+      <p:grpSpPr>
+        <a:xfrm>
+          <a:off x="0" y="0"/>
+          <a:ext cx="0" cy="0"/>
+          <a:chOff x="0" y="0"/>
+          <a:chExt cx="0" cy="0"/>
+        </a:xfrm>
+      </p:grpSpPr>
+      <p:sp>
+        <p:nvSpPr>
+          <p:cNvPr id="241666" name="Rectangle 2"/>
+          <p:cNvSpPr>
+            <a:spLocks noGrp="1" noChangeArrowheads="1"/>
+          </p:cNvSpPr>
+          <p:nvPr>
+            <p:ph type="title"/>
+          </p:nvPr>
+        </p:nvSpPr>
+        <p:spPr/>
+        <p:txBody>
+          <a:bodyPr/>
+          <a:lstStyle/>
+          <a:p>
+            <a:r>
+              <a:rPr lang="en-US" dirty="0" smtClean="0"/>
+              <a:t>Types of Acceptance Testing</a:t>
+            </a:r>
+            <a:endParaRPr lang="en-US" dirty="0"/>
+          </a:p>
+        </p:txBody>
+      </p:sp>
+      <p:sp>
+        <p:nvSpPr>
+          <p:cNvPr id="241667" name="Rectangle 3"/>
+          <p:cNvSpPr>
+            <a:spLocks noGrp="1" noChangeArrowheads="1"/>
+          </p:cNvSpPr>
+          <p:nvPr>
+            <p:ph idx="1"/>
+          </p:nvPr>
+        </p:nvSpPr>
+        <p:spPr/>
+        <p:txBody>
+          <a:bodyPr/>
+          <a:lstStyle/>
+          <a:p>
+            <a:pPr marL="0" indent="0">
+              <a:buNone/>
+            </a:pPr>
+            <a:r>
+              <a:rPr lang="en-US" b="1" dirty="0" smtClean="0"/>
+              <a:t>Three major objectives of acceptance testing:</a:t>
+            </a:r>
+          </a:p>
+          <a:p>
+            <a:r>
+              <a:rPr lang="en-US" dirty="0" smtClean="0"/>
+              <a:t>Confirm that the system meets the agreed upon criteria</a:t>
+            </a:r>
+          </a:p>
+          <a:p>
+            <a:r>
+              <a:rPr lang="en-US" dirty="0" smtClean="0"/>
+              <a:t>Identify and resolve discrepancies, if there is any</a:t>
+            </a:r>
+          </a:p>
+          <a:p>
+            <a:r>
+              <a:rPr lang="en-US" dirty="0" smtClean="0"/>
+              <a:t>Determine the readiness of the system for cut-over to live operations</a:t>
+            </a:r>
+          </a:p>
+          <a:p>
+            <a:endParaRPr lang="en-US" dirty="0" smtClean="0"/>
+          </a:p>
+          <a:p>
+            <a:endParaRPr lang="en-US" dirty="0" smtClean="0"/>
+          </a:p>
+          <a:p>
+            <a:endParaRPr lang="en-US" dirty="0"/>
+          </a:p>
+        </p:txBody>
+      </p:sp>
+      <p:sp>
+        <p:nvSpPr>
+          <p:cNvPr id="2" name="Slide Number Placeholder 1"/>
+          <p:cNvSpPr>
+            <a:spLocks noGrp="1"/>
+          </p:cNvSpPr>
+          <p:nvPr>
+            <p:ph type="sldNum" sz="quarter" idx="12"/>
+          </p:nvPr>
+        </p:nvSpPr>
+        <p:spPr/>
+        <p:txBody>
+          <a:bodyPr/>
+          <a:lstStyle/>
+          <a:p>
+            <a:fld id="{B543A0FD-1CA6-4228-86A2-78061B4844C8}" type="slidenum">
+              <a:rPr lang="en-US" smtClean="0"/>
+              <a:t>74</a:t>
+            </a:fld>
+            <a:endParaRPr lang="en-US"/>
+          </a:p>
+        </p:txBody>
+      </p:sp>
+    </p:spTree>
+    <p:extLst>
+      <p:ext uri="{BB962C8B-B14F-4D97-AF65-F5344CB8AC3E}">
+        <p14:creationId xmlns:p14="http://schemas.microsoft.com/office/powerpoint/2010/main" val="3740166092"/>
+      </p:ext>
+    </p:extLst>
+  </p:cSld>
+  <p:clrMapOvr>
+    <a:masterClrMapping/>
+  </p:clrMapOvr>
+  <mc:AlternateContent xmlns:mc="http://schemas.openxmlformats.org/markup-compatibility/2006" xmlns:p14="http://schemas.microsoft.com/office/powerpoint/2010/main">
+    <mc:Choice Requires="p14">
+      <p:transition spd="slow" p14:dur="2000"/>
+    </mc:Choice>
+    <mc:Fallback xmlns="">
+      <p:transition xmlns:p14="http://schemas.microsoft.com/office/powerpoint/2010/main" spd="slow"/>
+    </mc:Fallback>
+  </mc:AlternateContent>
+  <p:timing>
+    <p:tnLst>
+      <p:par>
+        <p:cTn id="1" dur="indefinite" restart="never" nodeType="tmRoot"/>
+      </p:par>
+    </p:tnLst>
+  </p:timing>
+</p:sld>
+</file>
+
+<file path=ppt/slides/slide75.xml><?xml version="1.0" encoding="utf-8"?>
+<p:sld xmlns:a="http://schemas.openxmlformats.org/drawingml/2006/main" xmlns:r="http://schemas.openxmlformats.org/officeDocument/2006/relationships" xmlns:p="http://schemas.openxmlformats.org/presentationml/2006/main">
+  <p:cSld>
+    <p:spTree>
+      <p:nvGrpSpPr>
+        <p:cNvPr id="1" name=""/>
+        <p:cNvGrpSpPr/>
+        <p:nvPr/>
+      </p:nvGrpSpPr>
+      <p:grpSpPr>
+        <a:xfrm>
+          <a:off x="0" y="0"/>
+          <a:ext cx="0" cy="0"/>
+          <a:chOff x="0" y="0"/>
+          <a:chExt cx="0" cy="0"/>
+        </a:xfrm>
+      </p:grpSpPr>
+      <p:sp>
+        <p:nvSpPr>
           <p:cNvPr id="241666" name="Rectangle 2"/>
           <p:cNvSpPr>
             <a:spLocks noGrp="1" noChangeArrowheads="1"/>
@@ -22040,14 +21764,14 @@
           </a:ln>
           <a:extLst>
             <a:ext uri="{909E8E84-426E-40dd-AFC4-6F175D3DCCD1}">
-              <a14:hiddenFill xmlns:a14="http://schemas.microsoft.com/office/drawing/2010/main" xmlns="">
+              <a14:hiddenFill xmlns="" xmlns:a14="http://schemas.microsoft.com/office/drawing/2010/main">
                 <a:solidFill>
                   <a:srgbClr val="FFFFFF"/>
                 </a:solidFill>
               </a14:hiddenFill>
             </a:ext>
             <a:ext uri="{91240B29-F687-4f45-9708-019B960494DF}">
-              <a14:hiddenLine xmlns:a14="http://schemas.microsoft.com/office/drawing/2010/main" xmlns="" w="9525">
+              <a14:hiddenLine xmlns="" xmlns:a14="http://schemas.microsoft.com/office/drawing/2010/main" w="9525">
                 <a:solidFill>
                   <a:srgbClr val="000000"/>
                 </a:solidFill>
@@ -22057,7 +21781,7 @@
               </a14:hiddenLine>
             </a:ext>
             <a:ext uri="{FAA26D3D-D897-4be2-8F04-BA451C77F1D7}">
-              <ma14:placeholderFlag xmlns:ma14="http://schemas.microsoft.com/office/mac/drawingml/2011/main" xmlns="" val="1"/>
+              <ma14:placeholderFlag xmlns="" xmlns:ma14="http://schemas.microsoft.com/office/mac/drawingml/2011/main" val="1"/>
             </a:ext>
           </a:extLst>
         </p:spPr>
@@ -22428,14 +22152,14 @@
           </a:ln>
           <a:extLst>
             <a:ext uri="{909E8E84-426E-40dd-AFC4-6F175D3DCCD1}">
-              <a14:hiddenFill xmlns:a14="http://schemas.microsoft.com/office/drawing/2010/main" xmlns="">
+              <a14:hiddenFill xmlns="" xmlns:a14="http://schemas.microsoft.com/office/drawing/2010/main">
                 <a:solidFill>
                   <a:srgbClr val="FFFFFF"/>
                 </a:solidFill>
               </a14:hiddenFill>
             </a:ext>
             <a:ext uri="{91240B29-F687-4f45-9708-019B960494DF}">
-              <a14:hiddenLine xmlns:a14="http://schemas.microsoft.com/office/drawing/2010/main" xmlns="" w="9525">
+              <a14:hiddenLine xmlns="" xmlns:a14="http://schemas.microsoft.com/office/drawing/2010/main" w="9525">
                 <a:solidFill>
                   <a:srgbClr val="000000"/>
                 </a:solidFill>
@@ -22445,7 +22169,7 @@
               </a14:hiddenLine>
             </a:ext>
             <a:ext uri="{FAA26D3D-D897-4be2-8F04-BA451C77F1D7}">
-              <ma14:placeholderFlag xmlns:ma14="http://schemas.microsoft.com/office/mac/drawingml/2011/main" xmlns="" val="1"/>
+              <ma14:placeholderFlag xmlns="" xmlns:ma14="http://schemas.microsoft.com/office/mac/drawingml/2011/main" val="1"/>
             </a:ext>
           </a:extLst>
         </p:spPr>
@@ -22787,14 +22511,14 @@
           <a:effectLst/>
           <a:extLst>
             <a:ext uri="{909E8E84-426E-40dd-AFC4-6F175D3DCCD1}">
-              <a14:hiddenFill xmlns:a14="http://schemas.microsoft.com/office/drawing/2010/main" xmlns="">
+              <a14:hiddenFill xmlns="" xmlns:a14="http://schemas.microsoft.com/office/drawing/2010/main">
                 <a:solidFill>
                   <a:schemeClr val="accent1"/>
                 </a:solidFill>
               </a14:hiddenFill>
             </a:ext>
             <a:ext uri="{91240B29-F687-4f45-9708-019B960494DF}">
-              <a14:hiddenLine xmlns:a14="http://schemas.microsoft.com/office/drawing/2010/main" xmlns="" w="12700">
+              <a14:hiddenLine xmlns="" xmlns:a14="http://schemas.microsoft.com/office/drawing/2010/main" w="12700">
                 <a:solidFill>
                   <a:schemeClr val="tx1"/>
                 </a:solidFill>
@@ -22804,7 +22528,7 @@
               </a14:hiddenLine>
             </a:ext>
             <a:ext uri="{AF507438-7753-43e0-B8FC-AC1667EBCBE1}">
-              <a14:hiddenEffects xmlns:a14="http://schemas.microsoft.com/office/drawing/2010/main" xmlns="">
+              <a14:hiddenEffects xmlns="" xmlns:a14="http://schemas.microsoft.com/office/drawing/2010/main">
                 <a:effectLst>
                   <a:outerShdw dist="35921" dir="2700000" algn="ctr" rotWithShape="0">
                     <a:schemeClr val="bg2"/>
@@ -22856,7 +22580,7 @@
           <a:p>
             <a:fld id="{B543A0FD-1CA6-4228-86A2-78061B4844C8}" type="slidenum">
               <a:rPr lang="en-US" smtClean="0"/>
-              <a:t>71</a:t>
+              <a:t>75</a:t>
             </a:fld>
             <a:endParaRPr lang="en-US"/>
           </a:p>
@@ -22890,7 +22614,7 @@
 </p:sld>
 </file>
 
-<file path=ppt/slides/slide72.xml><?xml version="1.0" encoding="utf-8"?>
+<file path=ppt/slides/slide76.xml><?xml version="1.0" encoding="utf-8"?>
 <p:sld xmlns:a="http://schemas.openxmlformats.org/drawingml/2006/main" xmlns:r="http://schemas.openxmlformats.org/officeDocument/2006/relationships" xmlns:p="http://schemas.openxmlformats.org/presentationml/2006/main">
   <p:cSld>
     <p:spTree>
@@ -22951,14 +22675,14 @@
           </a:ln>
           <a:extLst>
             <a:ext uri="{909E8E84-426E-40dd-AFC4-6F175D3DCCD1}">
-              <a14:hiddenFill xmlns:a14="http://schemas.microsoft.com/office/drawing/2010/main" xmlns="">
+              <a14:hiddenFill xmlns="" xmlns:a14="http://schemas.microsoft.com/office/drawing/2010/main">
                 <a:solidFill>
                   <a:srgbClr val="FFFFFF"/>
                 </a:solidFill>
               </a14:hiddenFill>
             </a:ext>
             <a:ext uri="{91240B29-F687-4f45-9708-019B960494DF}">
-              <a14:hiddenLine xmlns:a14="http://schemas.microsoft.com/office/drawing/2010/main" xmlns="" w="9525">
+              <a14:hiddenLine xmlns="" xmlns:a14="http://schemas.microsoft.com/office/drawing/2010/main" w="9525">
                 <a:solidFill>
                   <a:srgbClr val="000000"/>
                 </a:solidFill>
@@ -22968,7 +22692,7 @@
               </a14:hiddenLine>
             </a:ext>
             <a:ext uri="{FAA26D3D-D897-4be2-8F04-BA451C77F1D7}">
-              <ma14:placeholderFlag xmlns:ma14="http://schemas.microsoft.com/office/mac/drawingml/2011/main" xmlns="" val="1"/>
+              <ma14:placeholderFlag xmlns="" xmlns:ma14="http://schemas.microsoft.com/office/mac/drawingml/2011/main" val="1"/>
             </a:ext>
           </a:extLst>
         </p:spPr>
@@ -23358,7 +23082,7 @@
           <a:p>
             <a:fld id="{B543A0FD-1CA6-4228-86A2-78061B4844C8}" type="slidenum">
               <a:rPr lang="en-US" smtClean="0"/>
-              <a:t>72</a:t>
+              <a:t>76</a:t>
             </a:fld>
             <a:endParaRPr lang="en-US"/>
           </a:p>
@@ -23392,7 +23116,7 @@
 </p:sld>
 </file>
 
-<file path=ppt/slides/slide73.xml><?xml version="1.0" encoding="utf-8"?>
+<file path=ppt/slides/slide77.xml><?xml version="1.0" encoding="utf-8"?>
 <p:sld xmlns:a="http://schemas.openxmlformats.org/drawingml/2006/main" xmlns:r="http://schemas.openxmlformats.org/officeDocument/2006/relationships" xmlns:p="http://schemas.openxmlformats.org/presentationml/2006/main">
   <p:cSld>
     <p:spTree>
@@ -23545,7 +23269,7 @@
           <a:p>
             <a:fld id="{B543A0FD-1CA6-4228-86A2-78061B4844C8}" type="slidenum">
               <a:rPr lang="en-US" smtClean="0"/>
-              <a:t>73</a:t>
+              <a:t>77</a:t>
             </a:fld>
             <a:endParaRPr lang="en-US"/>
           </a:p>
@@ -23571,7 +23295,7 @@
 </p:sld>
 </file>
 
-<file path=ppt/slides/slide74.xml><?xml version="1.0" encoding="utf-8"?>
+<file path=ppt/slides/slide78.xml><?xml version="1.0" encoding="utf-8"?>
 <p:sld xmlns:a="http://schemas.openxmlformats.org/drawingml/2006/main" xmlns:r="http://schemas.openxmlformats.org/officeDocument/2006/relationships" xmlns:p="http://schemas.openxmlformats.org/presentationml/2006/main">
   <p:cSld>
     <p:spTree>
@@ -23605,7 +23329,7 @@
           <a:p>
             <a:fld id="{B543A0FD-1CA6-4228-86A2-78061B4844C8}" type="slidenum">
               <a:rPr lang="en-US" smtClean="0"/>
-              <a:t>74</a:t>
+              <a:t>78</a:t>
             </a:fld>
             <a:endParaRPr lang="en-US"/>
           </a:p>
@@ -23648,7 +23372,7 @@
 </p:sld>
 </file>
 
-<file path=ppt/slides/slide75.xml><?xml version="1.0" encoding="utf-8"?>
+<file path=ppt/slides/slide79.xml><?xml version="1.0" encoding="utf-8"?>
 <p:sld xmlns:a="http://schemas.openxmlformats.org/drawingml/2006/main" xmlns:r="http://schemas.openxmlformats.org/officeDocument/2006/relationships" xmlns:p="http://schemas.openxmlformats.org/presentationml/2006/main">
   <p:cSld>
     <p:spTree>
@@ -23772,7 +23496,7 @@
           <a:p>
             <a:fld id="{B543A0FD-1CA6-4228-86A2-78061B4844C8}" type="slidenum">
               <a:rPr lang="en-US" smtClean="0"/>
-              <a:t>75</a:t>
+              <a:t>79</a:t>
             </a:fld>
             <a:endParaRPr lang="en-US"/>
           </a:p>
